--- a/RedBlack.pptx
+++ b/RedBlack.pptx
@@ -6,16 +6,19 @@
     <p:sldMasterId id="2147483650" r:id="rId2"/>
   </p:sldMasterIdLst>
   <p:notesMasterIdLst>
-    <p:notesMasterId r:id="rId7"/>
+    <p:notesMasterId r:id="rId10"/>
   </p:notesMasterIdLst>
   <p:handoutMasterIdLst>
-    <p:handoutMasterId r:id="rId8"/>
+    <p:handoutMasterId r:id="rId11"/>
   </p:handoutMasterIdLst>
   <p:sldIdLst>
     <p:sldId id="256" r:id="rId3"/>
     <p:sldId id="260" r:id="rId4"/>
     <p:sldId id="257" r:id="rId5"/>
-    <p:sldId id="259" r:id="rId6"/>
+    <p:sldId id="261" r:id="rId6"/>
+    <p:sldId id="262" r:id="rId7"/>
+    <p:sldId id="259" r:id="rId8"/>
+    <p:sldId id="263" r:id="rId9"/>
   </p:sldIdLst>
   <p:sldSz cx="9144000" cy="6858000" type="screen4x3"/>
   <p:notesSz cx="6858000" cy="9144000"/>
@@ -8834,19 +8837,7 @@
                 <a:spcPct val="80000"/>
               </a:lnSpc>
             </a:pPr>
-            <a:r>
-              <a:rPr lang="en-US" sz="3200" dirty="0" smtClean="0"/>
-              <a:t> </a:t>
-            </a:r>
-            <a:r>
-              <a:rPr lang="en-US" sz="3200" dirty="0"/>
-              <a:t>Root and leaves node are always black</a:t>
-            </a:r>
-            <a:r>
-              <a:rPr lang="en-US" sz="3200" dirty="0" smtClean="0"/>
-              <a:t>.</a:t>
-            </a:r>
-            <a:endParaRPr lang="en-US" sz="3200" dirty="0"/>
+            <a:endParaRPr lang="en-US" sz="3200" dirty="0" smtClean="0"/>
           </a:p>
           <a:p>
             <a:pPr>
@@ -8856,11 +8847,11 @@
             </a:pPr>
             <a:r>
               <a:rPr lang="en-US" sz="3200" dirty="0" smtClean="0"/>
-              <a:t>If </a:t>
+              <a:t> </a:t>
             </a:r>
             <a:r>
               <a:rPr lang="en-US" sz="3200" dirty="0"/>
-              <a:t>a node is red than its children are black</a:t>
+              <a:t>Root and leaves node are always black</a:t>
             </a:r>
             <a:r>
               <a:rPr lang="en-US" sz="3200" dirty="0" smtClean="0"/>
@@ -8873,22 +8864,7 @@
                 <a:spcPct val="80000"/>
               </a:lnSpc>
             </a:pPr>
-            <a:r>
-              <a:rPr lang="en-US" sz="3200" dirty="0"/>
-              <a:t>All path from node to </a:t>
-            </a:r>
-            <a:r>
-              <a:rPr lang="en-US" sz="3200" dirty="0" err="1"/>
-              <a:t>nill</a:t>
-            </a:r>
-            <a:r>
-              <a:rPr lang="en-US" sz="3200" dirty="0"/>
-              <a:t> descendants contain the same number of black </a:t>
-            </a:r>
-            <a:r>
-              <a:rPr lang="en-US" sz="3200" dirty="0" smtClean="0"/>
-              <a:t>nodes</a:t>
-            </a:r>
+            <a:endParaRPr lang="en-US" sz="3200" dirty="0"/>
           </a:p>
           <a:p>
             <a:pPr>
@@ -8897,12 +8873,16 @@
               </a:lnSpc>
             </a:pPr>
             <a:r>
-              <a:rPr lang="en-US" altLang="en-US" sz="3200" dirty="0" smtClean="0"/>
-              <a:t>Nodes </a:t>
-            </a:r>
-            <a:r>
-              <a:rPr lang="en-US" altLang="en-US" sz="3200" dirty="0"/>
-              <a:t>require one storage bit to keep track of color.</a:t>
+              <a:rPr lang="en-US" sz="3200" dirty="0" smtClean="0"/>
+              <a:t>If </a:t>
+            </a:r>
+            <a:r>
+              <a:rPr lang="en-US" sz="3200" dirty="0"/>
+              <a:t>a node is red than its children are black</a:t>
+            </a:r>
+            <a:r>
+              <a:rPr lang="en-US" sz="3200" dirty="0" smtClean="0"/>
+              <a:t>.</a:t>
             </a:r>
           </a:p>
           <a:p>
@@ -8911,25 +8891,29 @@
                 <a:spcPct val="80000"/>
               </a:lnSpc>
             </a:pPr>
-            <a:r>
-              <a:rPr lang="en-US" altLang="en-US" sz="3200" dirty="0" smtClean="0"/>
-              <a:t>The </a:t>
-            </a:r>
-            <a:r>
-              <a:rPr lang="en-US" altLang="en-US" sz="3200" dirty="0"/>
-              <a:t>longest path is no more than twice the length of </a:t>
-            </a:r>
-          </a:p>
-          <a:p>
-            <a:pPr marL="0" indent="0">
+            <a:endParaRPr lang="en-US" sz="3200" dirty="0" smtClean="0"/>
+          </a:p>
+          <a:p>
+            <a:pPr>
               <a:lnSpc>
                 <a:spcPct val="80000"/>
               </a:lnSpc>
-              <a:buNone/>
             </a:pPr>
             <a:r>
+              <a:rPr lang="en-US" altLang="en-US" sz="3200" dirty="0" smtClean="0"/>
+              <a:t>The </a:t>
+            </a:r>
+            <a:r>
               <a:rPr lang="en-US" altLang="en-US" sz="3200" dirty="0"/>
-              <a:t>    the shortest path.</a:t>
+              <a:t>longest path is no more than twice the length of </a:t>
+            </a:r>
+            <a:r>
+              <a:rPr lang="en-US" altLang="en-US" sz="3200" dirty="0" smtClean="0"/>
+              <a:t>the </a:t>
+            </a:r>
+            <a:r>
+              <a:rPr lang="en-US" altLang="en-US" sz="3200" dirty="0"/>
+              <a:t>shortest path.</a:t>
             </a:r>
             <a:endParaRPr lang="uk-UA" altLang="en-US" sz="3200" dirty="0"/>
           </a:p>
@@ -8986,6 +8970,3530 @@
       </p:grpSpPr>
       <p:sp>
         <p:nvSpPr>
+          <p:cNvPr id="6" name="Oval 5"/>
+          <p:cNvSpPr/>
+          <p:nvPr/>
+        </p:nvSpPr>
+        <p:spPr bwMode="auto">
+          <a:xfrm>
+            <a:off x="3260807" y="1475335"/>
+            <a:ext cx="762000" cy="838200"/>
+          </a:xfrm>
+          <a:prstGeom prst="ellipse">
+            <a:avLst/>
+          </a:prstGeom>
+          <a:solidFill>
+            <a:schemeClr val="tx2"/>
+          </a:solidFill>
+          <a:ln w="9525" cap="flat" cmpd="sng" algn="ctr">
+            <a:solidFill>
+              <a:schemeClr val="tx1"/>
+            </a:solidFill>
+            <a:prstDash val="solid"/>
+            <a:round/>
+            <a:headEnd type="none" w="med" len="med"/>
+            <a:tailEnd type="none" w="med" len="med"/>
+          </a:ln>
+          <a:effectLst/>
+        </p:spPr>
+        <p:txBody>
+          <a:bodyPr vert="horz" wrap="square" lIns="91440" tIns="45720" rIns="91440" bIns="45720" numCol="1" rtlCol="0" anchor="t" anchorCtr="0" compatLnSpc="1">
+            <a:prstTxWarp prst="textNoShape">
+              <a:avLst/>
+            </a:prstTxWarp>
+          </a:bodyPr>
+          <a:lstStyle/>
+          <a:p>
+            <a:pPr marL="0" marR="0" indent="0" algn="l" defTabSz="914400" rtl="0" eaLnBrk="1" fontAlgn="base" latinLnBrk="0" hangingPunct="1">
+              <a:lnSpc>
+                <a:spcPct val="100000"/>
+              </a:lnSpc>
+              <a:spcBef>
+                <a:spcPct val="0"/>
+              </a:spcBef>
+              <a:spcAft>
+                <a:spcPct val="0"/>
+              </a:spcAft>
+              <a:buClrTx/>
+              <a:buSzTx/>
+              <a:buFontTx/>
+              <a:buNone/>
+              <a:tabLst/>
+            </a:pPr>
+            <a:r>
+              <a:rPr kumimoji="0" lang="en-US" sz="3600" b="0" i="0" u="none" strike="noStrike" cap="none" normalizeH="0" baseline="0" dirty="0" smtClean="0">
+                <a:ln>
+                  <a:noFill/>
+                </a:ln>
+                <a:solidFill>
+                  <a:schemeClr val="bg1"/>
+                </a:solidFill>
+                <a:effectLst/>
+                <a:latin typeface="Futura LT Book" pitchFamily="2" charset="0"/>
+                <a:ea typeface="굴림" pitchFamily="34" charset="-127"/>
+              </a:rPr>
+              <a:t>8</a:t>
+            </a:r>
+          </a:p>
+        </p:txBody>
+      </p:sp>
+      <p:sp>
+        <p:nvSpPr>
+          <p:cNvPr id="7" name="Oval 6"/>
+          <p:cNvSpPr/>
+          <p:nvPr/>
+        </p:nvSpPr>
+        <p:spPr bwMode="auto">
+          <a:xfrm>
+            <a:off x="1793177" y="2458564"/>
+            <a:ext cx="762000" cy="838200"/>
+          </a:xfrm>
+          <a:prstGeom prst="ellipse">
+            <a:avLst/>
+          </a:prstGeom>
+          <a:solidFill>
+            <a:schemeClr val="tx2"/>
+          </a:solidFill>
+          <a:ln w="9525" cap="flat" cmpd="sng" algn="ctr">
+            <a:solidFill>
+              <a:schemeClr val="tx1"/>
+            </a:solidFill>
+            <a:prstDash val="solid"/>
+            <a:round/>
+            <a:headEnd type="none" w="med" len="med"/>
+            <a:tailEnd type="none" w="med" len="med"/>
+          </a:ln>
+          <a:effectLst/>
+        </p:spPr>
+        <p:txBody>
+          <a:bodyPr vert="horz" wrap="square" lIns="91440" tIns="45720" rIns="91440" bIns="45720" numCol="1" rtlCol="0" anchor="t" anchorCtr="0" compatLnSpc="1">
+            <a:prstTxWarp prst="textNoShape">
+              <a:avLst/>
+            </a:prstTxWarp>
+          </a:bodyPr>
+          <a:lstStyle/>
+          <a:p>
+            <a:pPr marL="0" marR="0" indent="0" algn="l" defTabSz="914400" rtl="0" eaLnBrk="1" fontAlgn="base" latinLnBrk="0" hangingPunct="1">
+              <a:lnSpc>
+                <a:spcPct val="100000"/>
+              </a:lnSpc>
+              <a:spcBef>
+                <a:spcPct val="0"/>
+              </a:spcBef>
+              <a:spcAft>
+                <a:spcPct val="0"/>
+              </a:spcAft>
+              <a:buClrTx/>
+              <a:buSzTx/>
+              <a:buFontTx/>
+              <a:buNone/>
+              <a:tabLst/>
+            </a:pPr>
+            <a:r>
+              <a:rPr kumimoji="0" lang="en-US" sz="3600" b="0" i="0" u="none" strike="noStrike" cap="none" normalizeH="0" baseline="0" dirty="0" smtClean="0">
+                <a:ln>
+                  <a:noFill/>
+                </a:ln>
+                <a:solidFill>
+                  <a:schemeClr val="bg1"/>
+                </a:solidFill>
+                <a:effectLst/>
+                <a:latin typeface="Futura LT Book" pitchFamily="2" charset="0"/>
+                <a:ea typeface="굴림" pitchFamily="34" charset="-127"/>
+              </a:rPr>
+              <a:t>5</a:t>
+            </a:r>
+          </a:p>
+        </p:txBody>
+      </p:sp>
+      <p:sp>
+        <p:nvSpPr>
+          <p:cNvPr id="8" name="Oval 7"/>
+          <p:cNvSpPr/>
+          <p:nvPr/>
+        </p:nvSpPr>
+        <p:spPr bwMode="auto">
+          <a:xfrm>
+            <a:off x="6069002" y="3616388"/>
+            <a:ext cx="762000" cy="838200"/>
+          </a:xfrm>
+          <a:prstGeom prst="ellipse">
+            <a:avLst/>
+          </a:prstGeom>
+          <a:solidFill>
+            <a:schemeClr val="tx2"/>
+          </a:solidFill>
+          <a:ln w="9525" cap="flat" cmpd="sng" algn="ctr">
+            <a:solidFill>
+              <a:schemeClr val="tx1"/>
+            </a:solidFill>
+            <a:prstDash val="solid"/>
+            <a:round/>
+            <a:headEnd type="none" w="med" len="med"/>
+            <a:tailEnd type="none" w="med" len="med"/>
+          </a:ln>
+          <a:effectLst/>
+        </p:spPr>
+        <p:txBody>
+          <a:bodyPr vert="horz" wrap="square" lIns="91440" tIns="45720" rIns="91440" bIns="45720" numCol="1" rtlCol="0" anchor="t" anchorCtr="0" compatLnSpc="1">
+            <a:prstTxWarp prst="textNoShape">
+              <a:avLst/>
+            </a:prstTxWarp>
+          </a:bodyPr>
+          <a:lstStyle/>
+          <a:p>
+            <a:pPr marL="0" marR="0" indent="0" algn="l" defTabSz="914400" rtl="0" eaLnBrk="1" fontAlgn="base" latinLnBrk="0" hangingPunct="1">
+              <a:lnSpc>
+                <a:spcPct val="100000"/>
+              </a:lnSpc>
+              <a:spcBef>
+                <a:spcPct val="0"/>
+              </a:spcBef>
+              <a:spcAft>
+                <a:spcPct val="0"/>
+              </a:spcAft>
+              <a:buClrTx/>
+              <a:buSzTx/>
+              <a:buFontTx/>
+              <a:buNone/>
+              <a:tabLst/>
+            </a:pPr>
+            <a:r>
+              <a:rPr kumimoji="0" lang="en-US" sz="2400" b="0" i="0" u="none" strike="noStrike" cap="none" normalizeH="0" baseline="0" dirty="0" smtClean="0">
+                <a:ln>
+                  <a:noFill/>
+                </a:ln>
+                <a:solidFill>
+                  <a:schemeClr val="bg1"/>
+                </a:solidFill>
+                <a:effectLst/>
+                <a:latin typeface="Futura LT Book" pitchFamily="2" charset="0"/>
+                <a:ea typeface="굴림" pitchFamily="34" charset="-127"/>
+              </a:rPr>
+              <a:t>14</a:t>
+            </a:r>
+          </a:p>
+        </p:txBody>
+      </p:sp>
+      <p:sp>
+        <p:nvSpPr>
+          <p:cNvPr id="9" name="Oval 8"/>
+          <p:cNvSpPr/>
+          <p:nvPr/>
+        </p:nvSpPr>
+        <p:spPr bwMode="auto">
+          <a:xfrm>
+            <a:off x="3541922" y="3632756"/>
+            <a:ext cx="762000" cy="838200"/>
+          </a:xfrm>
+          <a:prstGeom prst="ellipse">
+            <a:avLst/>
+          </a:prstGeom>
+          <a:solidFill>
+            <a:schemeClr val="tx2"/>
+          </a:solidFill>
+          <a:ln w="9525" cap="flat" cmpd="sng" algn="ctr">
+            <a:solidFill>
+              <a:schemeClr val="tx1"/>
+            </a:solidFill>
+            <a:prstDash val="solid"/>
+            <a:round/>
+            <a:headEnd type="none" w="med" len="med"/>
+            <a:tailEnd type="none" w="med" len="med"/>
+          </a:ln>
+          <a:effectLst/>
+        </p:spPr>
+        <p:txBody>
+          <a:bodyPr vert="horz" wrap="square" lIns="91440" tIns="45720" rIns="91440" bIns="45720" numCol="1" rtlCol="0" anchor="t" anchorCtr="0" compatLnSpc="1">
+            <a:prstTxWarp prst="textNoShape">
+              <a:avLst/>
+            </a:prstTxWarp>
+          </a:bodyPr>
+          <a:lstStyle/>
+          <a:p>
+            <a:pPr marL="0" marR="0" indent="0" algn="l" defTabSz="914400" rtl="0" eaLnBrk="1" fontAlgn="base" latinLnBrk="0" hangingPunct="1">
+              <a:lnSpc>
+                <a:spcPct val="100000"/>
+              </a:lnSpc>
+              <a:spcBef>
+                <a:spcPct val="0"/>
+              </a:spcBef>
+              <a:spcAft>
+                <a:spcPct val="0"/>
+              </a:spcAft>
+              <a:buClrTx/>
+              <a:buSzTx/>
+              <a:buFontTx/>
+              <a:buNone/>
+              <a:tabLst/>
+            </a:pPr>
+            <a:r>
+              <a:rPr kumimoji="0" lang="en-US" sz="2400" b="0" i="0" u="none" strike="noStrike" cap="none" normalizeH="0" baseline="0" dirty="0" smtClean="0">
+                <a:ln>
+                  <a:noFill/>
+                </a:ln>
+                <a:solidFill>
+                  <a:schemeClr val="bg1"/>
+                </a:solidFill>
+                <a:effectLst/>
+                <a:latin typeface="Futura LT Book" pitchFamily="2" charset="0"/>
+                <a:ea typeface="굴림" pitchFamily="34" charset="-127"/>
+              </a:rPr>
+              <a:t>10</a:t>
+            </a:r>
+          </a:p>
+        </p:txBody>
+      </p:sp>
+      <p:sp>
+        <p:nvSpPr>
+          <p:cNvPr id="10" name="Oval 9"/>
+          <p:cNvSpPr/>
+          <p:nvPr/>
+        </p:nvSpPr>
+        <p:spPr bwMode="auto">
+          <a:xfrm>
+            <a:off x="4735949" y="2570778"/>
+            <a:ext cx="762000" cy="838200"/>
+          </a:xfrm>
+          <a:prstGeom prst="ellipse">
+            <a:avLst/>
+          </a:prstGeom>
+          <a:solidFill>
+            <a:srgbClr val="FF0000"/>
+          </a:solidFill>
+          <a:ln w="9525" cap="flat" cmpd="sng" algn="ctr">
+            <a:solidFill>
+              <a:srgbClr val="FF0000"/>
+            </a:solidFill>
+            <a:prstDash val="solid"/>
+            <a:round/>
+            <a:headEnd type="none" w="med" len="med"/>
+            <a:tailEnd type="none" w="med" len="med"/>
+          </a:ln>
+          <a:effectLst/>
+        </p:spPr>
+        <p:txBody>
+          <a:bodyPr vert="horz" wrap="square" lIns="91440" tIns="45720" rIns="91440" bIns="45720" numCol="1" rtlCol="0" anchor="t" anchorCtr="0" compatLnSpc="1">
+            <a:prstTxWarp prst="textNoShape">
+              <a:avLst/>
+            </a:prstTxWarp>
+          </a:bodyPr>
+          <a:lstStyle/>
+          <a:p>
+            <a:pPr marL="0" marR="0" indent="0" algn="l" defTabSz="914400" rtl="0" eaLnBrk="1" fontAlgn="base" latinLnBrk="0" hangingPunct="1">
+              <a:lnSpc>
+                <a:spcPct val="100000"/>
+              </a:lnSpc>
+              <a:spcBef>
+                <a:spcPct val="0"/>
+              </a:spcBef>
+              <a:spcAft>
+                <a:spcPct val="0"/>
+              </a:spcAft>
+              <a:buClrTx/>
+              <a:buSzTx/>
+              <a:buFontTx/>
+              <a:buNone/>
+              <a:tabLst/>
+            </a:pPr>
+            <a:r>
+              <a:rPr kumimoji="0" lang="en-US" sz="2400" b="0" i="0" u="none" strike="noStrike" cap="none" normalizeH="0" baseline="0" dirty="0" smtClean="0">
+                <a:ln>
+                  <a:noFill/>
+                </a:ln>
+                <a:solidFill>
+                  <a:schemeClr val="bg1"/>
+                </a:solidFill>
+                <a:effectLst/>
+                <a:latin typeface="Futura LT Book" pitchFamily="2" charset="0"/>
+                <a:ea typeface="굴림" pitchFamily="34" charset="-127"/>
+              </a:rPr>
+              <a:t>19</a:t>
+            </a:r>
+          </a:p>
+        </p:txBody>
+      </p:sp>
+      <p:sp>
+        <p:nvSpPr>
+          <p:cNvPr id="11" name="Oval 10"/>
+          <p:cNvSpPr/>
+          <p:nvPr/>
+        </p:nvSpPr>
+        <p:spPr bwMode="auto">
+          <a:xfrm>
+            <a:off x="7231231" y="4896964"/>
+            <a:ext cx="762000" cy="838200"/>
+          </a:xfrm>
+          <a:prstGeom prst="ellipse">
+            <a:avLst/>
+          </a:prstGeom>
+          <a:solidFill>
+            <a:srgbClr val="FF0000"/>
+          </a:solidFill>
+          <a:ln w="9525" cap="flat" cmpd="sng" algn="ctr">
+            <a:solidFill>
+              <a:srgbClr val="FF0000"/>
+            </a:solidFill>
+            <a:prstDash val="solid"/>
+            <a:round/>
+            <a:headEnd type="none" w="med" len="med"/>
+            <a:tailEnd type="none" w="med" len="med"/>
+          </a:ln>
+          <a:effectLst/>
+        </p:spPr>
+        <p:txBody>
+          <a:bodyPr vert="horz" wrap="square" lIns="91440" tIns="45720" rIns="91440" bIns="45720" numCol="1" rtlCol="0" anchor="t" anchorCtr="0" compatLnSpc="1">
+            <a:prstTxWarp prst="textNoShape">
+              <a:avLst/>
+            </a:prstTxWarp>
+          </a:bodyPr>
+          <a:lstStyle/>
+          <a:p>
+            <a:pPr marL="0" marR="0" indent="0" algn="l" defTabSz="914400" rtl="0" eaLnBrk="1" fontAlgn="base" latinLnBrk="0" hangingPunct="1">
+              <a:lnSpc>
+                <a:spcPct val="100000"/>
+              </a:lnSpc>
+              <a:spcBef>
+                <a:spcPct val="0"/>
+              </a:spcBef>
+              <a:spcAft>
+                <a:spcPct val="0"/>
+              </a:spcAft>
+              <a:buClrTx/>
+              <a:buSzTx/>
+              <a:buFontTx/>
+              <a:buNone/>
+              <a:tabLst/>
+            </a:pPr>
+            <a:r>
+              <a:rPr kumimoji="0" lang="en-US" sz="2400" b="0" i="0" u="none" strike="noStrike" cap="none" normalizeH="0" baseline="0" dirty="0" smtClean="0">
+                <a:ln>
+                  <a:noFill/>
+                </a:ln>
+                <a:solidFill>
+                  <a:schemeClr val="bg1"/>
+                </a:solidFill>
+                <a:effectLst/>
+                <a:latin typeface="Futura LT Book" pitchFamily="2" charset="0"/>
+                <a:ea typeface="굴림" pitchFamily="34" charset="-127"/>
+              </a:rPr>
+              <a:t>20</a:t>
+            </a:r>
+          </a:p>
+        </p:txBody>
+      </p:sp>
+      <p:sp>
+        <p:nvSpPr>
+          <p:cNvPr id="12" name="Oval 11"/>
+          <p:cNvSpPr/>
+          <p:nvPr/>
+        </p:nvSpPr>
+        <p:spPr bwMode="auto">
+          <a:xfrm>
+            <a:off x="4183231" y="4896964"/>
+            <a:ext cx="762000" cy="838200"/>
+          </a:xfrm>
+          <a:prstGeom prst="ellipse">
+            <a:avLst/>
+          </a:prstGeom>
+          <a:solidFill>
+            <a:srgbClr val="FF0000"/>
+          </a:solidFill>
+          <a:ln w="9525" cap="flat" cmpd="sng" algn="ctr">
+            <a:solidFill>
+              <a:srgbClr val="FF0000"/>
+            </a:solidFill>
+            <a:prstDash val="solid"/>
+            <a:round/>
+            <a:headEnd type="none" w="med" len="med"/>
+            <a:tailEnd type="none" w="med" len="med"/>
+          </a:ln>
+          <a:effectLst/>
+        </p:spPr>
+        <p:txBody>
+          <a:bodyPr vert="horz" wrap="square" lIns="91440" tIns="45720" rIns="91440" bIns="45720" numCol="1" rtlCol="0" anchor="t" anchorCtr="0" compatLnSpc="1">
+            <a:prstTxWarp prst="textNoShape">
+              <a:avLst/>
+            </a:prstTxWarp>
+          </a:bodyPr>
+          <a:lstStyle/>
+          <a:p>
+            <a:pPr marL="0" marR="0" indent="0" algn="l" defTabSz="914400" rtl="0" eaLnBrk="1" fontAlgn="base" latinLnBrk="0" hangingPunct="1">
+              <a:lnSpc>
+                <a:spcPct val="100000"/>
+              </a:lnSpc>
+              <a:spcBef>
+                <a:spcPct val="0"/>
+              </a:spcBef>
+              <a:spcAft>
+                <a:spcPct val="0"/>
+              </a:spcAft>
+              <a:buClrTx/>
+              <a:buSzTx/>
+              <a:buFontTx/>
+              <a:buNone/>
+              <a:tabLst/>
+            </a:pPr>
+            <a:r>
+              <a:rPr kumimoji="0" lang="en-US" sz="2400" b="0" i="0" u="none" strike="noStrike" cap="none" normalizeH="0" baseline="0" dirty="0" smtClean="0">
+                <a:ln>
+                  <a:noFill/>
+                </a:ln>
+                <a:solidFill>
+                  <a:schemeClr val="bg1"/>
+                </a:solidFill>
+                <a:effectLst/>
+                <a:latin typeface="Futura LT Book" pitchFamily="2" charset="0"/>
+                <a:ea typeface="굴림" pitchFamily="34" charset="-127"/>
+              </a:rPr>
+              <a:t>13</a:t>
+            </a:r>
+          </a:p>
+        </p:txBody>
+      </p:sp>
+      <p:sp>
+        <p:nvSpPr>
+          <p:cNvPr id="13" name="Oval 12"/>
+          <p:cNvSpPr/>
+          <p:nvPr/>
+        </p:nvSpPr>
+        <p:spPr bwMode="auto">
+          <a:xfrm>
+            <a:off x="2704307" y="4896964"/>
+            <a:ext cx="762000" cy="838200"/>
+          </a:xfrm>
+          <a:prstGeom prst="ellipse">
+            <a:avLst/>
+          </a:prstGeom>
+          <a:solidFill>
+            <a:srgbClr val="FF0000"/>
+          </a:solidFill>
+          <a:ln w="9525" cap="flat" cmpd="sng" algn="ctr">
+            <a:solidFill>
+              <a:srgbClr val="FF0000"/>
+            </a:solidFill>
+            <a:prstDash val="solid"/>
+            <a:round/>
+            <a:headEnd type="none" w="med" len="med"/>
+            <a:tailEnd type="none" w="med" len="med"/>
+          </a:ln>
+          <a:effectLst/>
+        </p:spPr>
+        <p:txBody>
+          <a:bodyPr vert="horz" wrap="square" lIns="91440" tIns="45720" rIns="91440" bIns="45720" numCol="1" rtlCol="0" anchor="t" anchorCtr="0" compatLnSpc="1">
+            <a:prstTxWarp prst="textNoShape">
+              <a:avLst/>
+            </a:prstTxWarp>
+          </a:bodyPr>
+          <a:lstStyle/>
+          <a:p>
+            <a:pPr marL="0" marR="0" indent="0" algn="l" defTabSz="914400" rtl="0" eaLnBrk="1" fontAlgn="base" latinLnBrk="0" hangingPunct="1">
+              <a:lnSpc>
+                <a:spcPct val="100000"/>
+              </a:lnSpc>
+              <a:spcBef>
+                <a:spcPct val="0"/>
+              </a:spcBef>
+              <a:spcAft>
+                <a:spcPct val="0"/>
+              </a:spcAft>
+              <a:buClrTx/>
+              <a:buSzTx/>
+              <a:buFontTx/>
+              <a:buNone/>
+              <a:tabLst/>
+            </a:pPr>
+            <a:r>
+              <a:rPr kumimoji="0" lang="en-US" sz="3200" b="0" i="0" u="none" strike="noStrike" cap="none" normalizeH="0" baseline="0" dirty="0" smtClean="0">
+                <a:ln>
+                  <a:noFill/>
+                </a:ln>
+                <a:solidFill>
+                  <a:schemeClr val="bg1"/>
+                </a:solidFill>
+                <a:effectLst/>
+                <a:latin typeface="Futura LT Book" pitchFamily="2" charset="0"/>
+                <a:ea typeface="굴림" pitchFamily="34" charset="-127"/>
+              </a:rPr>
+              <a:t>9</a:t>
+            </a:r>
+          </a:p>
+        </p:txBody>
+      </p:sp>
+      <p:cxnSp>
+        <p:nvCxnSpPr>
+          <p:cNvPr id="14" name="Straight Connector 13"/>
+          <p:cNvCxnSpPr>
+            <a:stCxn id="6" idx="3"/>
+            <a:endCxn id="7" idx="7"/>
+          </p:cNvCxnSpPr>
+          <p:nvPr/>
+        </p:nvCxnSpPr>
+        <p:spPr bwMode="auto">
+          <a:xfrm flipH="1">
+            <a:off x="2443585" y="2190783"/>
+            <a:ext cx="928814" cy="390533"/>
+          </a:xfrm>
+          <a:prstGeom prst="line">
+            <a:avLst/>
+          </a:prstGeom>
+          <a:solidFill>
+            <a:schemeClr val="accent1"/>
+          </a:solidFill>
+          <a:ln w="9525" cap="flat" cmpd="sng" algn="ctr">
+            <a:solidFill>
+              <a:schemeClr val="tx1"/>
+            </a:solidFill>
+            <a:prstDash val="solid"/>
+            <a:round/>
+            <a:headEnd type="none" w="med" len="med"/>
+            <a:tailEnd type="none" w="med" len="med"/>
+          </a:ln>
+          <a:effectLst/>
+          <a:extLst>
+            <a:ext uri="{AF507438-7753-43E0-B8FC-AC1667EBCBE1}">
+              <a14:hiddenEffects xmlns:a14="http://schemas.microsoft.com/office/drawing/2010/main">
+                <a:effectLst>
+                  <a:outerShdw dist="35921" dir="2700000" algn="ctr" rotWithShape="0">
+                    <a:schemeClr val="bg2"/>
+                  </a:outerShdw>
+                </a:effectLst>
+              </a14:hiddenEffects>
+            </a:ext>
+          </a:extLst>
+        </p:spPr>
+      </p:cxnSp>
+      <p:cxnSp>
+        <p:nvCxnSpPr>
+          <p:cNvPr id="15" name="Straight Connector 14"/>
+          <p:cNvCxnSpPr>
+            <a:stCxn id="6" idx="5"/>
+            <a:endCxn id="10" idx="1"/>
+          </p:cNvCxnSpPr>
+          <p:nvPr/>
+        </p:nvCxnSpPr>
+        <p:spPr bwMode="auto">
+          <a:xfrm>
+            <a:off x="3911215" y="2190783"/>
+            <a:ext cx="936326" cy="502747"/>
+          </a:xfrm>
+          <a:prstGeom prst="line">
+            <a:avLst/>
+          </a:prstGeom>
+          <a:solidFill>
+            <a:schemeClr val="accent1"/>
+          </a:solidFill>
+          <a:ln w="9525" cap="flat" cmpd="sng" algn="ctr">
+            <a:solidFill>
+              <a:schemeClr val="tx1"/>
+            </a:solidFill>
+            <a:prstDash val="solid"/>
+            <a:round/>
+            <a:headEnd type="none" w="med" len="med"/>
+            <a:tailEnd type="none" w="med" len="med"/>
+          </a:ln>
+          <a:effectLst/>
+          <a:extLst>
+            <a:ext uri="{AF507438-7753-43E0-B8FC-AC1667EBCBE1}">
+              <a14:hiddenEffects xmlns:a14="http://schemas.microsoft.com/office/drawing/2010/main">
+                <a:effectLst>
+                  <a:outerShdw dist="35921" dir="2700000" algn="ctr" rotWithShape="0">
+                    <a:schemeClr val="bg2"/>
+                  </a:outerShdw>
+                </a:effectLst>
+              </a14:hiddenEffects>
+            </a:ext>
+          </a:extLst>
+        </p:spPr>
+      </p:cxnSp>
+      <p:cxnSp>
+        <p:nvCxnSpPr>
+          <p:cNvPr id="16" name="Straight Connector 15"/>
+          <p:cNvCxnSpPr>
+            <a:stCxn id="10" idx="3"/>
+            <a:endCxn id="9" idx="7"/>
+          </p:cNvCxnSpPr>
+          <p:nvPr/>
+        </p:nvCxnSpPr>
+        <p:spPr bwMode="auto">
+          <a:xfrm flipH="1">
+            <a:off x="4192330" y="3286226"/>
+            <a:ext cx="655211" cy="469282"/>
+          </a:xfrm>
+          <a:prstGeom prst="line">
+            <a:avLst/>
+          </a:prstGeom>
+          <a:solidFill>
+            <a:schemeClr val="accent1"/>
+          </a:solidFill>
+          <a:ln w="9525" cap="flat" cmpd="sng" algn="ctr">
+            <a:solidFill>
+              <a:schemeClr val="tx1"/>
+            </a:solidFill>
+            <a:prstDash val="solid"/>
+            <a:round/>
+            <a:headEnd type="none" w="med" len="med"/>
+            <a:tailEnd type="none" w="med" len="med"/>
+          </a:ln>
+          <a:effectLst/>
+          <a:extLst>
+            <a:ext uri="{AF507438-7753-43E0-B8FC-AC1667EBCBE1}">
+              <a14:hiddenEffects xmlns:a14="http://schemas.microsoft.com/office/drawing/2010/main">
+                <a:effectLst>
+                  <a:outerShdw dist="35921" dir="2700000" algn="ctr" rotWithShape="0">
+                    <a:schemeClr val="bg2"/>
+                  </a:outerShdw>
+                </a:effectLst>
+              </a14:hiddenEffects>
+            </a:ext>
+          </a:extLst>
+        </p:spPr>
+      </p:cxnSp>
+      <p:cxnSp>
+        <p:nvCxnSpPr>
+          <p:cNvPr id="17" name="Straight Connector 16"/>
+          <p:cNvCxnSpPr>
+            <a:stCxn id="10" idx="5"/>
+            <a:endCxn id="8" idx="1"/>
+          </p:cNvCxnSpPr>
+          <p:nvPr/>
+        </p:nvCxnSpPr>
+        <p:spPr bwMode="auto">
+          <a:xfrm>
+            <a:off x="5386357" y="3286226"/>
+            <a:ext cx="794237" cy="452914"/>
+          </a:xfrm>
+          <a:prstGeom prst="line">
+            <a:avLst/>
+          </a:prstGeom>
+          <a:solidFill>
+            <a:schemeClr val="accent1"/>
+          </a:solidFill>
+          <a:ln w="9525" cap="flat" cmpd="sng" algn="ctr">
+            <a:solidFill>
+              <a:schemeClr val="tx1"/>
+            </a:solidFill>
+            <a:prstDash val="solid"/>
+            <a:round/>
+            <a:headEnd type="none" w="med" len="med"/>
+            <a:tailEnd type="none" w="med" len="med"/>
+          </a:ln>
+          <a:effectLst/>
+          <a:extLst>
+            <a:ext uri="{AF507438-7753-43E0-B8FC-AC1667EBCBE1}">
+              <a14:hiddenEffects xmlns:a14="http://schemas.microsoft.com/office/drawing/2010/main">
+                <a:effectLst>
+                  <a:outerShdw dist="35921" dir="2700000" algn="ctr" rotWithShape="0">
+                    <a:schemeClr val="bg2"/>
+                  </a:outerShdw>
+                </a:effectLst>
+              </a14:hiddenEffects>
+            </a:ext>
+          </a:extLst>
+        </p:spPr>
+      </p:cxnSp>
+      <p:cxnSp>
+        <p:nvCxnSpPr>
+          <p:cNvPr id="18" name="Straight Connector 17"/>
+          <p:cNvCxnSpPr>
+            <a:stCxn id="9" idx="3"/>
+            <a:endCxn id="13" idx="0"/>
+          </p:cNvCxnSpPr>
+          <p:nvPr/>
+        </p:nvCxnSpPr>
+        <p:spPr bwMode="auto">
+          <a:xfrm flipH="1">
+            <a:off x="3085307" y="4348204"/>
+            <a:ext cx="568207" cy="548760"/>
+          </a:xfrm>
+          <a:prstGeom prst="line">
+            <a:avLst/>
+          </a:prstGeom>
+          <a:solidFill>
+            <a:schemeClr val="accent1"/>
+          </a:solidFill>
+          <a:ln w="9525" cap="flat" cmpd="sng" algn="ctr">
+            <a:solidFill>
+              <a:schemeClr val="tx1"/>
+            </a:solidFill>
+            <a:prstDash val="solid"/>
+            <a:round/>
+            <a:headEnd type="none" w="med" len="med"/>
+            <a:tailEnd type="none" w="med" len="med"/>
+          </a:ln>
+          <a:effectLst/>
+          <a:extLst>
+            <a:ext uri="{AF507438-7753-43E0-B8FC-AC1667EBCBE1}">
+              <a14:hiddenEffects xmlns:a14="http://schemas.microsoft.com/office/drawing/2010/main">
+                <a:effectLst>
+                  <a:outerShdw dist="35921" dir="2700000" algn="ctr" rotWithShape="0">
+                    <a:schemeClr val="bg2"/>
+                  </a:outerShdw>
+                </a:effectLst>
+              </a14:hiddenEffects>
+            </a:ext>
+          </a:extLst>
+        </p:spPr>
+      </p:cxnSp>
+      <p:cxnSp>
+        <p:nvCxnSpPr>
+          <p:cNvPr id="19" name="Straight Connector 18"/>
+          <p:cNvCxnSpPr>
+            <a:stCxn id="9" idx="5"/>
+            <a:endCxn id="12" idx="0"/>
+          </p:cNvCxnSpPr>
+          <p:nvPr/>
+        </p:nvCxnSpPr>
+        <p:spPr bwMode="auto">
+          <a:xfrm>
+            <a:off x="4192330" y="4348204"/>
+            <a:ext cx="371901" cy="548760"/>
+          </a:xfrm>
+          <a:prstGeom prst="line">
+            <a:avLst/>
+          </a:prstGeom>
+          <a:solidFill>
+            <a:schemeClr val="accent1"/>
+          </a:solidFill>
+          <a:ln w="9525" cap="flat" cmpd="sng" algn="ctr">
+            <a:solidFill>
+              <a:schemeClr val="tx1"/>
+            </a:solidFill>
+            <a:prstDash val="solid"/>
+            <a:round/>
+            <a:headEnd type="none" w="med" len="med"/>
+            <a:tailEnd type="none" w="med" len="med"/>
+          </a:ln>
+          <a:effectLst/>
+          <a:extLst>
+            <a:ext uri="{AF507438-7753-43E0-B8FC-AC1667EBCBE1}">
+              <a14:hiddenEffects xmlns:a14="http://schemas.microsoft.com/office/drawing/2010/main">
+                <a:effectLst>
+                  <a:outerShdw dist="35921" dir="2700000" algn="ctr" rotWithShape="0">
+                    <a:schemeClr val="bg2"/>
+                  </a:outerShdw>
+                </a:effectLst>
+              </a14:hiddenEffects>
+            </a:ext>
+          </a:extLst>
+        </p:spPr>
+      </p:cxnSp>
+      <p:cxnSp>
+        <p:nvCxnSpPr>
+          <p:cNvPr id="20" name="Straight Connector 19"/>
+          <p:cNvCxnSpPr>
+            <a:stCxn id="8" idx="5"/>
+          </p:cNvCxnSpPr>
+          <p:nvPr/>
+        </p:nvCxnSpPr>
+        <p:spPr bwMode="auto">
+          <a:xfrm>
+            <a:off x="6719410" y="4331836"/>
+            <a:ext cx="790928" cy="884752"/>
+          </a:xfrm>
+          <a:prstGeom prst="line">
+            <a:avLst/>
+          </a:prstGeom>
+          <a:solidFill>
+            <a:schemeClr val="accent1"/>
+          </a:solidFill>
+          <a:ln w="9525" cap="flat" cmpd="sng" algn="ctr">
+            <a:solidFill>
+              <a:schemeClr val="tx1"/>
+            </a:solidFill>
+            <a:prstDash val="solid"/>
+            <a:round/>
+            <a:headEnd type="none" w="med" len="med"/>
+            <a:tailEnd type="none" w="med" len="med"/>
+          </a:ln>
+          <a:effectLst/>
+          <a:extLst>
+            <a:ext uri="{AF507438-7753-43E0-B8FC-AC1667EBCBE1}">
+              <a14:hiddenEffects xmlns:a14="http://schemas.microsoft.com/office/drawing/2010/main">
+                <a:effectLst>
+                  <a:outerShdw dist="35921" dir="2700000" algn="ctr" rotWithShape="0">
+                    <a:schemeClr val="bg2"/>
+                  </a:outerShdw>
+                </a:effectLst>
+              </a14:hiddenEffects>
+            </a:ext>
+          </a:extLst>
+        </p:spPr>
+      </p:cxnSp>
+      <p:cxnSp>
+        <p:nvCxnSpPr>
+          <p:cNvPr id="21" name="Straight Connector 20"/>
+          <p:cNvCxnSpPr>
+            <a:stCxn id="7" idx="3"/>
+          </p:cNvCxnSpPr>
+          <p:nvPr/>
+        </p:nvCxnSpPr>
+        <p:spPr bwMode="auto">
+          <a:xfrm flipH="1">
+            <a:off x="1640777" y="3174012"/>
+            <a:ext cx="263992" cy="351352"/>
+          </a:xfrm>
+          <a:prstGeom prst="line">
+            <a:avLst/>
+          </a:prstGeom>
+          <a:solidFill>
+            <a:schemeClr val="accent1"/>
+          </a:solidFill>
+          <a:ln w="9525" cap="flat" cmpd="sng" algn="ctr">
+            <a:solidFill>
+              <a:schemeClr val="tx1"/>
+            </a:solidFill>
+            <a:prstDash val="solid"/>
+            <a:round/>
+            <a:headEnd type="none" w="med" len="med"/>
+            <a:tailEnd type="none" w="med" len="med"/>
+          </a:ln>
+          <a:effectLst/>
+          <a:extLst>
+            <a:ext uri="{AF507438-7753-43E0-B8FC-AC1667EBCBE1}">
+              <a14:hiddenEffects xmlns:a14="http://schemas.microsoft.com/office/drawing/2010/main">
+                <a:effectLst>
+                  <a:outerShdw dist="35921" dir="2700000" algn="ctr" rotWithShape="0">
+                    <a:schemeClr val="bg2"/>
+                  </a:outerShdw>
+                </a:effectLst>
+              </a14:hiddenEffects>
+            </a:ext>
+          </a:extLst>
+        </p:spPr>
+      </p:cxnSp>
+      <p:cxnSp>
+        <p:nvCxnSpPr>
+          <p:cNvPr id="22" name="Straight Connector 21"/>
+          <p:cNvCxnSpPr>
+            <a:stCxn id="7" idx="5"/>
+          </p:cNvCxnSpPr>
+          <p:nvPr/>
+        </p:nvCxnSpPr>
+        <p:spPr bwMode="auto">
+          <a:xfrm>
+            <a:off x="2443585" y="3174012"/>
+            <a:ext cx="225892" cy="351352"/>
+          </a:xfrm>
+          <a:prstGeom prst="line">
+            <a:avLst/>
+          </a:prstGeom>
+          <a:solidFill>
+            <a:schemeClr val="accent1"/>
+          </a:solidFill>
+          <a:ln w="9525" cap="flat" cmpd="sng" algn="ctr">
+            <a:solidFill>
+              <a:schemeClr val="tx1"/>
+            </a:solidFill>
+            <a:prstDash val="solid"/>
+            <a:round/>
+            <a:headEnd type="none" w="med" len="med"/>
+            <a:tailEnd type="none" w="med" len="med"/>
+          </a:ln>
+          <a:effectLst/>
+          <a:extLst>
+            <a:ext uri="{AF507438-7753-43E0-B8FC-AC1667EBCBE1}">
+              <a14:hiddenEffects xmlns:a14="http://schemas.microsoft.com/office/drawing/2010/main">
+                <a:effectLst>
+                  <a:outerShdw dist="35921" dir="2700000" algn="ctr" rotWithShape="0">
+                    <a:schemeClr val="bg2"/>
+                  </a:outerShdw>
+                </a:effectLst>
+              </a14:hiddenEffects>
+            </a:ext>
+          </a:extLst>
+        </p:spPr>
+      </p:cxnSp>
+      <p:cxnSp>
+        <p:nvCxnSpPr>
+          <p:cNvPr id="23" name="Straight Connector 22"/>
+          <p:cNvCxnSpPr>
+            <a:stCxn id="13" idx="3"/>
+          </p:cNvCxnSpPr>
+          <p:nvPr/>
+        </p:nvCxnSpPr>
+        <p:spPr bwMode="auto">
+          <a:xfrm flipH="1">
+            <a:off x="2516515" y="5612412"/>
+            <a:ext cx="299384" cy="410648"/>
+          </a:xfrm>
+          <a:prstGeom prst="line">
+            <a:avLst/>
+          </a:prstGeom>
+          <a:solidFill>
+            <a:schemeClr val="accent1"/>
+          </a:solidFill>
+          <a:ln w="9525" cap="flat" cmpd="sng" algn="ctr">
+            <a:solidFill>
+              <a:schemeClr val="tx1"/>
+            </a:solidFill>
+            <a:prstDash val="solid"/>
+            <a:round/>
+            <a:headEnd type="none" w="med" len="med"/>
+            <a:tailEnd type="none" w="med" len="med"/>
+          </a:ln>
+          <a:effectLst/>
+          <a:extLst>
+            <a:ext uri="{AF507438-7753-43E0-B8FC-AC1667EBCBE1}">
+              <a14:hiddenEffects xmlns:a14="http://schemas.microsoft.com/office/drawing/2010/main">
+                <a:effectLst>
+                  <a:outerShdw dist="35921" dir="2700000" algn="ctr" rotWithShape="0">
+                    <a:schemeClr val="bg2"/>
+                  </a:outerShdw>
+                </a:effectLst>
+              </a14:hiddenEffects>
+            </a:ext>
+          </a:extLst>
+        </p:spPr>
+      </p:cxnSp>
+      <p:cxnSp>
+        <p:nvCxnSpPr>
+          <p:cNvPr id="24" name="Straight Connector 23"/>
+          <p:cNvCxnSpPr>
+            <a:stCxn id="13" idx="5"/>
+          </p:cNvCxnSpPr>
+          <p:nvPr/>
+        </p:nvCxnSpPr>
+        <p:spPr bwMode="auto">
+          <a:xfrm>
+            <a:off x="3354715" y="5612412"/>
+            <a:ext cx="178108" cy="410648"/>
+          </a:xfrm>
+          <a:prstGeom prst="line">
+            <a:avLst/>
+          </a:prstGeom>
+          <a:solidFill>
+            <a:schemeClr val="accent1"/>
+          </a:solidFill>
+          <a:ln w="9525" cap="flat" cmpd="sng" algn="ctr">
+            <a:solidFill>
+              <a:schemeClr val="tx1"/>
+            </a:solidFill>
+            <a:prstDash val="solid"/>
+            <a:round/>
+            <a:headEnd type="none" w="med" len="med"/>
+            <a:tailEnd type="none" w="med" len="med"/>
+          </a:ln>
+          <a:effectLst/>
+          <a:extLst>
+            <a:ext uri="{AF507438-7753-43E0-B8FC-AC1667EBCBE1}">
+              <a14:hiddenEffects xmlns:a14="http://schemas.microsoft.com/office/drawing/2010/main">
+                <a:effectLst>
+                  <a:outerShdw dist="35921" dir="2700000" algn="ctr" rotWithShape="0">
+                    <a:schemeClr val="bg2"/>
+                  </a:outerShdw>
+                </a:effectLst>
+              </a14:hiddenEffects>
+            </a:ext>
+          </a:extLst>
+        </p:spPr>
+      </p:cxnSp>
+      <p:cxnSp>
+        <p:nvCxnSpPr>
+          <p:cNvPr id="25" name="Straight Connector 24"/>
+          <p:cNvCxnSpPr/>
+          <p:nvPr/>
+        </p:nvCxnSpPr>
+        <p:spPr bwMode="auto">
+          <a:xfrm flipH="1">
+            <a:off x="4000281" y="5613821"/>
+            <a:ext cx="299384" cy="410648"/>
+          </a:xfrm>
+          <a:prstGeom prst="line">
+            <a:avLst/>
+          </a:prstGeom>
+          <a:solidFill>
+            <a:schemeClr val="accent1"/>
+          </a:solidFill>
+          <a:ln w="9525" cap="flat" cmpd="sng" algn="ctr">
+            <a:solidFill>
+              <a:schemeClr val="tx1"/>
+            </a:solidFill>
+            <a:prstDash val="solid"/>
+            <a:round/>
+            <a:headEnd type="none" w="med" len="med"/>
+            <a:tailEnd type="none" w="med" len="med"/>
+          </a:ln>
+          <a:effectLst/>
+          <a:extLst>
+            <a:ext uri="{AF507438-7753-43E0-B8FC-AC1667EBCBE1}">
+              <a14:hiddenEffects xmlns:a14="http://schemas.microsoft.com/office/drawing/2010/main">
+                <a:effectLst>
+                  <a:outerShdw dist="35921" dir="2700000" algn="ctr" rotWithShape="0">
+                    <a:schemeClr val="bg2"/>
+                  </a:outerShdw>
+                </a:effectLst>
+              </a14:hiddenEffects>
+            </a:ext>
+          </a:extLst>
+        </p:spPr>
+      </p:cxnSp>
+      <p:cxnSp>
+        <p:nvCxnSpPr>
+          <p:cNvPr id="26" name="Straight Connector 25"/>
+          <p:cNvCxnSpPr/>
+          <p:nvPr/>
+        </p:nvCxnSpPr>
+        <p:spPr bwMode="auto">
+          <a:xfrm flipH="1">
+            <a:off x="7049317" y="5612412"/>
+            <a:ext cx="299384" cy="410648"/>
+          </a:xfrm>
+          <a:prstGeom prst="line">
+            <a:avLst/>
+          </a:prstGeom>
+          <a:solidFill>
+            <a:schemeClr val="accent1"/>
+          </a:solidFill>
+          <a:ln w="9525" cap="flat" cmpd="sng" algn="ctr">
+            <a:solidFill>
+              <a:schemeClr val="tx1"/>
+            </a:solidFill>
+            <a:prstDash val="solid"/>
+            <a:round/>
+            <a:headEnd type="none" w="med" len="med"/>
+            <a:tailEnd type="none" w="med" len="med"/>
+          </a:ln>
+          <a:effectLst/>
+          <a:extLst>
+            <a:ext uri="{AF507438-7753-43E0-B8FC-AC1667EBCBE1}">
+              <a14:hiddenEffects xmlns:a14="http://schemas.microsoft.com/office/drawing/2010/main">
+                <a:effectLst>
+                  <a:outerShdw dist="35921" dir="2700000" algn="ctr" rotWithShape="0">
+                    <a:schemeClr val="bg2"/>
+                  </a:outerShdw>
+                </a:effectLst>
+              </a14:hiddenEffects>
+            </a:ext>
+          </a:extLst>
+        </p:spPr>
+      </p:cxnSp>
+      <p:cxnSp>
+        <p:nvCxnSpPr>
+          <p:cNvPr id="27" name="Straight Connector 26"/>
+          <p:cNvCxnSpPr/>
+          <p:nvPr/>
+        </p:nvCxnSpPr>
+        <p:spPr bwMode="auto">
+          <a:xfrm>
+            <a:off x="7882687" y="5632234"/>
+            <a:ext cx="178108" cy="410648"/>
+          </a:xfrm>
+          <a:prstGeom prst="line">
+            <a:avLst/>
+          </a:prstGeom>
+          <a:solidFill>
+            <a:schemeClr val="accent1"/>
+          </a:solidFill>
+          <a:ln w="9525" cap="flat" cmpd="sng" algn="ctr">
+            <a:solidFill>
+              <a:schemeClr val="tx1"/>
+            </a:solidFill>
+            <a:prstDash val="solid"/>
+            <a:round/>
+            <a:headEnd type="none" w="med" len="med"/>
+            <a:tailEnd type="none" w="med" len="med"/>
+          </a:ln>
+          <a:effectLst/>
+          <a:extLst>
+            <a:ext uri="{AF507438-7753-43E0-B8FC-AC1667EBCBE1}">
+              <a14:hiddenEffects xmlns:a14="http://schemas.microsoft.com/office/drawing/2010/main">
+                <a:effectLst>
+                  <a:outerShdw dist="35921" dir="2700000" algn="ctr" rotWithShape="0">
+                    <a:schemeClr val="bg2"/>
+                  </a:outerShdw>
+                </a:effectLst>
+              </a14:hiddenEffects>
+            </a:ext>
+          </a:extLst>
+        </p:spPr>
+      </p:cxnSp>
+      <p:cxnSp>
+        <p:nvCxnSpPr>
+          <p:cNvPr id="28" name="Straight Connector 27"/>
+          <p:cNvCxnSpPr/>
+          <p:nvPr/>
+        </p:nvCxnSpPr>
+        <p:spPr bwMode="auto">
+          <a:xfrm>
+            <a:off x="4792887" y="5674493"/>
+            <a:ext cx="178108" cy="410648"/>
+          </a:xfrm>
+          <a:prstGeom prst="line">
+            <a:avLst/>
+          </a:prstGeom>
+          <a:solidFill>
+            <a:schemeClr val="accent1"/>
+          </a:solidFill>
+          <a:ln w="9525" cap="flat" cmpd="sng" algn="ctr">
+            <a:solidFill>
+              <a:schemeClr val="tx1"/>
+            </a:solidFill>
+            <a:prstDash val="solid"/>
+            <a:round/>
+            <a:headEnd type="none" w="med" len="med"/>
+            <a:tailEnd type="none" w="med" len="med"/>
+          </a:ln>
+          <a:effectLst/>
+          <a:extLst>
+            <a:ext uri="{AF507438-7753-43E0-B8FC-AC1667EBCBE1}">
+              <a14:hiddenEffects xmlns:a14="http://schemas.microsoft.com/office/drawing/2010/main">
+                <a:effectLst>
+                  <a:outerShdw dist="35921" dir="2700000" algn="ctr" rotWithShape="0">
+                    <a:schemeClr val="bg2"/>
+                  </a:outerShdw>
+                </a:effectLst>
+              </a14:hiddenEffects>
+            </a:ext>
+          </a:extLst>
+        </p:spPr>
+      </p:cxnSp>
+      <p:cxnSp>
+        <p:nvCxnSpPr>
+          <p:cNvPr id="29" name="Straight Connector 28"/>
+          <p:cNvCxnSpPr/>
+          <p:nvPr/>
+        </p:nvCxnSpPr>
+        <p:spPr bwMode="auto">
+          <a:xfrm flipH="1">
+            <a:off x="5875250" y="4051856"/>
+            <a:ext cx="299384" cy="410648"/>
+          </a:xfrm>
+          <a:prstGeom prst="line">
+            <a:avLst/>
+          </a:prstGeom>
+          <a:solidFill>
+            <a:schemeClr val="accent1"/>
+          </a:solidFill>
+          <a:ln w="9525" cap="flat" cmpd="sng" algn="ctr">
+            <a:solidFill>
+              <a:schemeClr val="tx1"/>
+            </a:solidFill>
+            <a:prstDash val="solid"/>
+            <a:round/>
+            <a:headEnd type="none" w="med" len="med"/>
+            <a:tailEnd type="none" w="med" len="med"/>
+          </a:ln>
+          <a:effectLst/>
+          <a:extLst>
+            <a:ext uri="{AF507438-7753-43E0-B8FC-AC1667EBCBE1}">
+              <a14:hiddenEffects xmlns:a14="http://schemas.microsoft.com/office/drawing/2010/main">
+                <a:effectLst>
+                  <a:outerShdw dist="35921" dir="2700000" algn="ctr" rotWithShape="0">
+                    <a:schemeClr val="bg2"/>
+                  </a:outerShdw>
+                </a:effectLst>
+              </a14:hiddenEffects>
+            </a:ext>
+          </a:extLst>
+        </p:spPr>
+      </p:cxnSp>
+      <p:sp>
+        <p:nvSpPr>
+          <p:cNvPr id="30" name="TextBox 29"/>
+          <p:cNvSpPr txBox="1"/>
+          <p:nvPr/>
+        </p:nvSpPr>
+        <p:spPr>
+          <a:xfrm>
+            <a:off x="3326718" y="5932456"/>
+            <a:ext cx="762000" cy="400110"/>
+          </a:xfrm>
+          <a:prstGeom prst="rect">
+            <a:avLst/>
+          </a:prstGeom>
+          <a:noFill/>
+        </p:spPr>
+        <p:txBody>
+          <a:bodyPr wrap="square" rtlCol="0">
+            <a:spAutoFit/>
+          </a:bodyPr>
+          <a:lstStyle/>
+          <a:p>
+            <a:r>
+              <a:rPr lang="en-US" sz="2000" dirty="0" smtClean="0"/>
+              <a:t>nil</a:t>
+            </a:r>
+            <a:endParaRPr lang="en-US" sz="2000" dirty="0"/>
+          </a:p>
+        </p:txBody>
+      </p:sp>
+      <p:sp>
+        <p:nvSpPr>
+          <p:cNvPr id="31" name="TextBox 30"/>
+          <p:cNvSpPr txBox="1"/>
+          <p:nvPr/>
+        </p:nvSpPr>
+        <p:spPr>
+          <a:xfrm>
+            <a:off x="2234441" y="5979805"/>
+            <a:ext cx="762000" cy="400110"/>
+          </a:xfrm>
+          <a:prstGeom prst="rect">
+            <a:avLst/>
+          </a:prstGeom>
+          <a:noFill/>
+        </p:spPr>
+        <p:txBody>
+          <a:bodyPr wrap="square" rtlCol="0">
+            <a:spAutoFit/>
+          </a:bodyPr>
+          <a:lstStyle/>
+          <a:p>
+            <a:r>
+              <a:rPr lang="en-US" sz="2000" dirty="0" smtClean="0"/>
+              <a:t>nil</a:t>
+            </a:r>
+            <a:endParaRPr lang="en-US" sz="2000" dirty="0"/>
+          </a:p>
+        </p:txBody>
+      </p:sp>
+      <p:sp>
+        <p:nvSpPr>
+          <p:cNvPr id="32" name="TextBox 31"/>
+          <p:cNvSpPr txBox="1"/>
+          <p:nvPr/>
+        </p:nvSpPr>
+        <p:spPr>
+          <a:xfrm>
+            <a:off x="2500904" y="3463925"/>
+            <a:ext cx="762000" cy="400110"/>
+          </a:xfrm>
+          <a:prstGeom prst="rect">
+            <a:avLst/>
+          </a:prstGeom>
+          <a:noFill/>
+        </p:spPr>
+        <p:txBody>
+          <a:bodyPr wrap="square" rtlCol="0">
+            <a:spAutoFit/>
+          </a:bodyPr>
+          <a:lstStyle/>
+          <a:p>
+            <a:r>
+              <a:rPr lang="en-US" sz="2000" dirty="0" smtClean="0"/>
+              <a:t>nil</a:t>
+            </a:r>
+            <a:endParaRPr lang="en-US" sz="2000" dirty="0"/>
+          </a:p>
+        </p:txBody>
+      </p:sp>
+      <p:sp>
+        <p:nvSpPr>
+          <p:cNvPr id="33" name="TextBox 32"/>
+          <p:cNvSpPr txBox="1"/>
+          <p:nvPr/>
+        </p:nvSpPr>
+        <p:spPr>
+          <a:xfrm>
+            <a:off x="7937841" y="5825297"/>
+            <a:ext cx="762000" cy="400110"/>
+          </a:xfrm>
+          <a:prstGeom prst="rect">
+            <a:avLst/>
+          </a:prstGeom>
+          <a:noFill/>
+        </p:spPr>
+        <p:txBody>
+          <a:bodyPr wrap="square" rtlCol="0">
+            <a:spAutoFit/>
+          </a:bodyPr>
+          <a:lstStyle/>
+          <a:p>
+            <a:r>
+              <a:rPr lang="en-US" sz="2000" dirty="0" smtClean="0"/>
+              <a:t>nil</a:t>
+            </a:r>
+            <a:endParaRPr lang="en-US" sz="2000" dirty="0"/>
+          </a:p>
+        </p:txBody>
+      </p:sp>
+      <p:sp>
+        <p:nvSpPr>
+          <p:cNvPr id="34" name="TextBox 33"/>
+          <p:cNvSpPr txBox="1"/>
+          <p:nvPr/>
+        </p:nvSpPr>
+        <p:spPr>
+          <a:xfrm>
+            <a:off x="6850231" y="5857179"/>
+            <a:ext cx="762000" cy="400110"/>
+          </a:xfrm>
+          <a:prstGeom prst="rect">
+            <a:avLst/>
+          </a:prstGeom>
+          <a:noFill/>
+        </p:spPr>
+        <p:txBody>
+          <a:bodyPr wrap="square" rtlCol="0">
+            <a:spAutoFit/>
+          </a:bodyPr>
+          <a:lstStyle/>
+          <a:p>
+            <a:r>
+              <a:rPr lang="en-US" sz="2000" dirty="0" smtClean="0"/>
+              <a:t>nil</a:t>
+            </a:r>
+            <a:endParaRPr lang="en-US" sz="2000" dirty="0"/>
+          </a:p>
+        </p:txBody>
+      </p:sp>
+      <p:sp>
+        <p:nvSpPr>
+          <p:cNvPr id="35" name="TextBox 34"/>
+          <p:cNvSpPr txBox="1"/>
+          <p:nvPr/>
+        </p:nvSpPr>
+        <p:spPr>
+          <a:xfrm>
+            <a:off x="5701865" y="4374736"/>
+            <a:ext cx="762000" cy="400110"/>
+          </a:xfrm>
+          <a:prstGeom prst="rect">
+            <a:avLst/>
+          </a:prstGeom>
+          <a:noFill/>
+        </p:spPr>
+        <p:txBody>
+          <a:bodyPr wrap="square" rtlCol="0">
+            <a:spAutoFit/>
+          </a:bodyPr>
+          <a:lstStyle/>
+          <a:p>
+            <a:r>
+              <a:rPr lang="en-US" sz="2000" dirty="0" smtClean="0"/>
+              <a:t>nil</a:t>
+            </a:r>
+            <a:endParaRPr lang="en-US" sz="2000" dirty="0"/>
+          </a:p>
+        </p:txBody>
+      </p:sp>
+      <p:sp>
+        <p:nvSpPr>
+          <p:cNvPr id="36" name="TextBox 35"/>
+          <p:cNvSpPr txBox="1"/>
+          <p:nvPr/>
+        </p:nvSpPr>
+        <p:spPr>
+          <a:xfrm>
+            <a:off x="4841090" y="5930406"/>
+            <a:ext cx="762000" cy="400110"/>
+          </a:xfrm>
+          <a:prstGeom prst="rect">
+            <a:avLst/>
+          </a:prstGeom>
+          <a:noFill/>
+        </p:spPr>
+        <p:txBody>
+          <a:bodyPr wrap="square" rtlCol="0">
+            <a:spAutoFit/>
+          </a:bodyPr>
+          <a:lstStyle/>
+          <a:p>
+            <a:r>
+              <a:rPr lang="en-US" sz="2000" dirty="0" smtClean="0"/>
+              <a:t>nil</a:t>
+            </a:r>
+            <a:endParaRPr lang="en-US" sz="2000" dirty="0"/>
+          </a:p>
+        </p:txBody>
+      </p:sp>
+      <p:sp>
+        <p:nvSpPr>
+          <p:cNvPr id="37" name="TextBox 36"/>
+          <p:cNvSpPr txBox="1"/>
+          <p:nvPr/>
+        </p:nvSpPr>
+        <p:spPr>
+          <a:xfrm>
+            <a:off x="3811330" y="5930406"/>
+            <a:ext cx="762000" cy="400110"/>
+          </a:xfrm>
+          <a:prstGeom prst="rect">
+            <a:avLst/>
+          </a:prstGeom>
+          <a:noFill/>
+        </p:spPr>
+        <p:txBody>
+          <a:bodyPr wrap="square" rtlCol="0">
+            <a:spAutoFit/>
+          </a:bodyPr>
+          <a:lstStyle/>
+          <a:p>
+            <a:r>
+              <a:rPr lang="en-US" sz="2000" dirty="0" smtClean="0"/>
+              <a:t>nil</a:t>
+            </a:r>
+            <a:endParaRPr lang="en-US" sz="2000" dirty="0"/>
+          </a:p>
+        </p:txBody>
+      </p:sp>
+      <p:sp>
+        <p:nvSpPr>
+          <p:cNvPr id="39" name="TextBox 38"/>
+          <p:cNvSpPr txBox="1"/>
+          <p:nvPr/>
+        </p:nvSpPr>
+        <p:spPr>
+          <a:xfrm>
+            <a:off x="1465596" y="3461839"/>
+            <a:ext cx="492592" cy="400110"/>
+          </a:xfrm>
+          <a:prstGeom prst="rect">
+            <a:avLst/>
+          </a:prstGeom>
+          <a:noFill/>
+        </p:spPr>
+        <p:txBody>
+          <a:bodyPr wrap="square" rtlCol="0">
+            <a:spAutoFit/>
+          </a:bodyPr>
+          <a:lstStyle/>
+          <a:p>
+            <a:r>
+              <a:rPr lang="en-US" sz="2000" dirty="0" smtClean="0"/>
+              <a:t>nil</a:t>
+            </a:r>
+            <a:endParaRPr lang="en-US" sz="2000" dirty="0"/>
+          </a:p>
+        </p:txBody>
+      </p:sp>
+      <p:sp>
+        <p:nvSpPr>
+          <p:cNvPr id="45" name="TextBox 44"/>
+          <p:cNvSpPr txBox="1"/>
+          <p:nvPr/>
+        </p:nvSpPr>
+        <p:spPr>
+          <a:xfrm>
+            <a:off x="811942" y="54452"/>
+            <a:ext cx="7289507" cy="1754326"/>
+          </a:xfrm>
+          <a:prstGeom prst="rect">
+            <a:avLst/>
+          </a:prstGeom>
+          <a:noFill/>
+        </p:spPr>
+        <p:txBody>
+          <a:bodyPr wrap="square" rtlCol="0">
+            <a:spAutoFit/>
+          </a:bodyPr>
+          <a:lstStyle/>
+          <a:p>
+            <a:r>
+              <a:rPr lang="en-US" altLang="en-US" dirty="0"/>
+              <a:t>Nodes require one storage bit to keep track of color.</a:t>
+            </a:r>
+          </a:p>
+          <a:p>
+            <a:endParaRPr lang="en-US" dirty="0"/>
+          </a:p>
+        </p:txBody>
+      </p:sp>
+    </p:spTree>
+    <p:extLst>
+      <p:ext uri="{BB962C8B-B14F-4D97-AF65-F5344CB8AC3E}">
+        <p14:creationId xmlns:p14="http://schemas.microsoft.com/office/powerpoint/2010/main" val="468321143"/>
+      </p:ext>
+    </p:extLst>
+  </p:cSld>
+  <p:clrMapOvr>
+    <a:masterClrMapping/>
+  </p:clrMapOvr>
+</p:sld>
+</file>
+
+<file path=ppt/slides/slide5.xml><?xml version="1.0" encoding="utf-8"?>
+<p:sld xmlns:a="http://schemas.openxmlformats.org/drawingml/2006/main" xmlns:r="http://schemas.openxmlformats.org/officeDocument/2006/relationships" xmlns:p="http://schemas.openxmlformats.org/presentationml/2006/main">
+  <p:cSld>
+    <p:spTree>
+      <p:nvGrpSpPr>
+        <p:cNvPr id="1" name=""/>
+        <p:cNvGrpSpPr/>
+        <p:nvPr/>
+      </p:nvGrpSpPr>
+      <p:grpSpPr>
+        <a:xfrm>
+          <a:off x="0" y="0"/>
+          <a:ext cx="0" cy="0"/>
+          <a:chOff x="0" y="0"/>
+          <a:chExt cx="0" cy="0"/>
+        </a:xfrm>
+      </p:grpSpPr>
+      <p:sp>
+        <p:nvSpPr>
+          <p:cNvPr id="4" name="Slide Number Placeholder 3"/>
+          <p:cNvSpPr>
+            <a:spLocks noGrp="1"/>
+          </p:cNvSpPr>
+          <p:nvPr>
+            <p:ph type="sldNum" sz="quarter" idx="12"/>
+          </p:nvPr>
+        </p:nvSpPr>
+        <p:spPr/>
+        <p:txBody>
+          <a:bodyPr/>
+          <a:lstStyle/>
+          <a:p>
+            <a:fld id="{D3BD345E-2A33-44BF-900A-E35B6218E90E}" type="slidenum">
+              <a:rPr lang="ru-RU" altLang="en-US" smtClean="0"/>
+              <a:pPr/>
+              <a:t>5</a:t>
+            </a:fld>
+            <a:endParaRPr lang="ru-RU" altLang="en-US"/>
+          </a:p>
+        </p:txBody>
+      </p:sp>
+      <p:sp>
+        <p:nvSpPr>
+          <p:cNvPr id="5" name="Oval 4"/>
+          <p:cNvSpPr/>
+          <p:nvPr/>
+        </p:nvSpPr>
+        <p:spPr bwMode="auto">
+          <a:xfrm>
+            <a:off x="4021552" y="2684170"/>
+            <a:ext cx="762000" cy="838200"/>
+          </a:xfrm>
+          <a:prstGeom prst="ellipse">
+            <a:avLst/>
+          </a:prstGeom>
+          <a:solidFill>
+            <a:schemeClr val="tx2"/>
+          </a:solidFill>
+          <a:ln w="9525" cap="flat" cmpd="sng" algn="ctr">
+            <a:solidFill>
+              <a:schemeClr val="tx1"/>
+            </a:solidFill>
+            <a:prstDash val="solid"/>
+            <a:round/>
+            <a:headEnd type="none" w="med" len="med"/>
+            <a:tailEnd type="none" w="med" len="med"/>
+          </a:ln>
+          <a:effectLst/>
+        </p:spPr>
+        <p:txBody>
+          <a:bodyPr vert="horz" wrap="square" lIns="91440" tIns="45720" rIns="91440" bIns="45720" numCol="1" rtlCol="0" anchor="t" anchorCtr="0" compatLnSpc="1">
+            <a:prstTxWarp prst="textNoShape">
+              <a:avLst/>
+            </a:prstTxWarp>
+          </a:bodyPr>
+          <a:lstStyle/>
+          <a:p>
+            <a:pPr marL="0" marR="0" indent="0" algn="l" defTabSz="914400" rtl="0" eaLnBrk="1" fontAlgn="base" latinLnBrk="0" hangingPunct="1">
+              <a:lnSpc>
+                <a:spcPct val="100000"/>
+              </a:lnSpc>
+              <a:spcBef>
+                <a:spcPct val="0"/>
+              </a:spcBef>
+              <a:spcAft>
+                <a:spcPct val="0"/>
+              </a:spcAft>
+              <a:buClrTx/>
+              <a:buSzTx/>
+              <a:buFontTx/>
+              <a:buNone/>
+              <a:tabLst/>
+            </a:pPr>
+            <a:r>
+              <a:rPr kumimoji="0" lang="en-US" sz="3600" b="0" i="0" u="none" strike="noStrike" cap="none" normalizeH="0" baseline="0" dirty="0" smtClean="0">
+                <a:ln>
+                  <a:noFill/>
+                </a:ln>
+                <a:solidFill>
+                  <a:schemeClr val="bg1"/>
+                </a:solidFill>
+                <a:effectLst/>
+                <a:latin typeface="Futura LT Book" pitchFamily="2" charset="0"/>
+                <a:ea typeface="굴림" pitchFamily="34" charset="-127"/>
+              </a:rPr>
+              <a:t>8</a:t>
+            </a:r>
+          </a:p>
+        </p:txBody>
+      </p:sp>
+      <p:sp>
+        <p:nvSpPr>
+          <p:cNvPr id="6" name="Oval 5"/>
+          <p:cNvSpPr/>
+          <p:nvPr/>
+        </p:nvSpPr>
+        <p:spPr bwMode="auto">
+          <a:xfrm>
+            <a:off x="2547177" y="3541618"/>
+            <a:ext cx="762000" cy="838200"/>
+          </a:xfrm>
+          <a:prstGeom prst="ellipse">
+            <a:avLst/>
+          </a:prstGeom>
+          <a:solidFill>
+            <a:schemeClr val="tx2"/>
+          </a:solidFill>
+          <a:ln w="9525" cap="flat" cmpd="sng" algn="ctr">
+            <a:solidFill>
+              <a:schemeClr val="tx1"/>
+            </a:solidFill>
+            <a:prstDash val="solid"/>
+            <a:round/>
+            <a:headEnd type="none" w="med" len="med"/>
+            <a:tailEnd type="none" w="med" len="med"/>
+          </a:ln>
+          <a:effectLst/>
+        </p:spPr>
+        <p:txBody>
+          <a:bodyPr vert="horz" wrap="square" lIns="91440" tIns="45720" rIns="91440" bIns="45720" numCol="1" rtlCol="0" anchor="t" anchorCtr="0" compatLnSpc="1">
+            <a:prstTxWarp prst="textNoShape">
+              <a:avLst/>
+            </a:prstTxWarp>
+          </a:bodyPr>
+          <a:lstStyle/>
+          <a:p>
+            <a:pPr marL="0" marR="0" indent="0" algn="l" defTabSz="914400" rtl="0" eaLnBrk="1" fontAlgn="base" latinLnBrk="0" hangingPunct="1">
+              <a:lnSpc>
+                <a:spcPct val="100000"/>
+              </a:lnSpc>
+              <a:spcBef>
+                <a:spcPct val="0"/>
+              </a:spcBef>
+              <a:spcAft>
+                <a:spcPct val="0"/>
+              </a:spcAft>
+              <a:buClrTx/>
+              <a:buSzTx/>
+              <a:buFontTx/>
+              <a:buNone/>
+              <a:tabLst/>
+            </a:pPr>
+            <a:r>
+              <a:rPr kumimoji="0" lang="en-US" sz="3600" b="0" i="0" u="none" strike="noStrike" cap="none" normalizeH="0" baseline="0" dirty="0" smtClean="0">
+                <a:ln>
+                  <a:noFill/>
+                </a:ln>
+                <a:solidFill>
+                  <a:schemeClr val="bg1"/>
+                </a:solidFill>
+                <a:effectLst/>
+                <a:latin typeface="Futura LT Book" pitchFamily="2" charset="0"/>
+                <a:ea typeface="굴림" pitchFamily="34" charset="-127"/>
+              </a:rPr>
+              <a:t>5</a:t>
+            </a:r>
+          </a:p>
+        </p:txBody>
+      </p:sp>
+      <p:sp>
+        <p:nvSpPr>
+          <p:cNvPr id="7" name="Oval 6"/>
+          <p:cNvSpPr/>
+          <p:nvPr/>
+        </p:nvSpPr>
+        <p:spPr bwMode="auto">
+          <a:xfrm>
+            <a:off x="6743213" y="4560630"/>
+            <a:ext cx="762000" cy="838200"/>
+          </a:xfrm>
+          <a:prstGeom prst="ellipse">
+            <a:avLst/>
+          </a:prstGeom>
+          <a:solidFill>
+            <a:schemeClr val="tx2"/>
+          </a:solidFill>
+          <a:ln w="9525" cap="flat" cmpd="sng" algn="ctr">
+            <a:solidFill>
+              <a:schemeClr val="tx1"/>
+            </a:solidFill>
+            <a:prstDash val="solid"/>
+            <a:round/>
+            <a:headEnd type="none" w="med" len="med"/>
+            <a:tailEnd type="none" w="med" len="med"/>
+          </a:ln>
+          <a:effectLst/>
+        </p:spPr>
+        <p:txBody>
+          <a:bodyPr vert="horz" wrap="square" lIns="91440" tIns="45720" rIns="91440" bIns="45720" numCol="1" rtlCol="0" anchor="t" anchorCtr="0" compatLnSpc="1">
+            <a:prstTxWarp prst="textNoShape">
+              <a:avLst/>
+            </a:prstTxWarp>
+          </a:bodyPr>
+          <a:lstStyle/>
+          <a:p>
+            <a:pPr marL="0" marR="0" indent="0" algn="l" defTabSz="914400" rtl="0" eaLnBrk="1" fontAlgn="base" latinLnBrk="0" hangingPunct="1">
+              <a:lnSpc>
+                <a:spcPct val="100000"/>
+              </a:lnSpc>
+              <a:spcBef>
+                <a:spcPct val="0"/>
+              </a:spcBef>
+              <a:spcAft>
+                <a:spcPct val="0"/>
+              </a:spcAft>
+              <a:buClrTx/>
+              <a:buSzTx/>
+              <a:buFontTx/>
+              <a:buNone/>
+              <a:tabLst/>
+            </a:pPr>
+            <a:r>
+              <a:rPr kumimoji="0" lang="en-US" sz="2400" b="0" i="0" u="none" strike="noStrike" cap="none" normalizeH="0" baseline="0" dirty="0" smtClean="0">
+                <a:ln>
+                  <a:noFill/>
+                </a:ln>
+                <a:solidFill>
+                  <a:schemeClr val="bg1"/>
+                </a:solidFill>
+                <a:effectLst/>
+                <a:latin typeface="Futura LT Book" pitchFamily="2" charset="0"/>
+                <a:ea typeface="굴림" pitchFamily="34" charset="-127"/>
+              </a:rPr>
+              <a:t>14</a:t>
+            </a:r>
+          </a:p>
+        </p:txBody>
+      </p:sp>
+      <p:sp>
+        <p:nvSpPr>
+          <p:cNvPr id="8" name="Oval 7"/>
+          <p:cNvSpPr/>
+          <p:nvPr/>
+        </p:nvSpPr>
+        <p:spPr bwMode="auto">
+          <a:xfrm>
+            <a:off x="4098607" y="4531483"/>
+            <a:ext cx="762000" cy="838200"/>
+          </a:xfrm>
+          <a:prstGeom prst="ellipse">
+            <a:avLst/>
+          </a:prstGeom>
+          <a:solidFill>
+            <a:schemeClr val="tx2"/>
+          </a:solidFill>
+          <a:ln w="9525" cap="flat" cmpd="sng" algn="ctr">
+            <a:solidFill>
+              <a:schemeClr val="tx1"/>
+            </a:solidFill>
+            <a:prstDash val="solid"/>
+            <a:round/>
+            <a:headEnd type="none" w="med" len="med"/>
+            <a:tailEnd type="none" w="med" len="med"/>
+          </a:ln>
+          <a:effectLst/>
+        </p:spPr>
+        <p:txBody>
+          <a:bodyPr vert="horz" wrap="square" lIns="91440" tIns="45720" rIns="91440" bIns="45720" numCol="1" rtlCol="0" anchor="t" anchorCtr="0" compatLnSpc="1">
+            <a:prstTxWarp prst="textNoShape">
+              <a:avLst/>
+            </a:prstTxWarp>
+          </a:bodyPr>
+          <a:lstStyle/>
+          <a:p>
+            <a:pPr marL="0" marR="0" indent="0" algn="l" defTabSz="914400" rtl="0" eaLnBrk="1" fontAlgn="base" latinLnBrk="0" hangingPunct="1">
+              <a:lnSpc>
+                <a:spcPct val="100000"/>
+              </a:lnSpc>
+              <a:spcBef>
+                <a:spcPct val="0"/>
+              </a:spcBef>
+              <a:spcAft>
+                <a:spcPct val="0"/>
+              </a:spcAft>
+              <a:buClrTx/>
+              <a:buSzTx/>
+              <a:buFontTx/>
+              <a:buNone/>
+              <a:tabLst/>
+            </a:pPr>
+            <a:r>
+              <a:rPr kumimoji="0" lang="en-US" sz="2400" b="0" i="0" u="none" strike="noStrike" cap="none" normalizeH="0" baseline="0" dirty="0" smtClean="0">
+                <a:ln>
+                  <a:noFill/>
+                </a:ln>
+                <a:solidFill>
+                  <a:schemeClr val="bg1"/>
+                </a:solidFill>
+                <a:effectLst/>
+                <a:latin typeface="Futura LT Book" pitchFamily="2" charset="0"/>
+                <a:ea typeface="굴림" pitchFamily="34" charset="-127"/>
+              </a:rPr>
+              <a:t>10</a:t>
+            </a:r>
+          </a:p>
+        </p:txBody>
+      </p:sp>
+      <p:sp>
+        <p:nvSpPr>
+          <p:cNvPr id="9" name="Oval 8"/>
+          <p:cNvSpPr/>
+          <p:nvPr/>
+        </p:nvSpPr>
+        <p:spPr bwMode="auto">
+          <a:xfrm>
+            <a:off x="5454389" y="3639087"/>
+            <a:ext cx="762000" cy="838200"/>
+          </a:xfrm>
+          <a:prstGeom prst="ellipse">
+            <a:avLst/>
+          </a:prstGeom>
+          <a:solidFill>
+            <a:srgbClr val="FF0000"/>
+          </a:solidFill>
+          <a:ln w="9525" cap="flat" cmpd="sng" algn="ctr">
+            <a:solidFill>
+              <a:srgbClr val="FF0000"/>
+            </a:solidFill>
+            <a:prstDash val="solid"/>
+            <a:round/>
+            <a:headEnd type="none" w="med" len="med"/>
+            <a:tailEnd type="none" w="med" len="med"/>
+          </a:ln>
+          <a:effectLst/>
+        </p:spPr>
+        <p:txBody>
+          <a:bodyPr vert="horz" wrap="square" lIns="91440" tIns="45720" rIns="91440" bIns="45720" numCol="1" rtlCol="0" anchor="t" anchorCtr="0" compatLnSpc="1">
+            <a:prstTxWarp prst="textNoShape">
+              <a:avLst/>
+            </a:prstTxWarp>
+          </a:bodyPr>
+          <a:lstStyle/>
+          <a:p>
+            <a:pPr marL="0" marR="0" indent="0" algn="l" defTabSz="914400" rtl="0" eaLnBrk="1" fontAlgn="base" latinLnBrk="0" hangingPunct="1">
+              <a:lnSpc>
+                <a:spcPct val="100000"/>
+              </a:lnSpc>
+              <a:spcBef>
+                <a:spcPct val="0"/>
+              </a:spcBef>
+              <a:spcAft>
+                <a:spcPct val="0"/>
+              </a:spcAft>
+              <a:buClrTx/>
+              <a:buSzTx/>
+              <a:buFontTx/>
+              <a:buNone/>
+              <a:tabLst/>
+            </a:pPr>
+            <a:r>
+              <a:rPr kumimoji="0" lang="en-US" sz="2400" b="0" i="0" u="none" strike="noStrike" cap="none" normalizeH="0" baseline="0" dirty="0" smtClean="0">
+                <a:ln>
+                  <a:noFill/>
+                </a:ln>
+                <a:solidFill>
+                  <a:schemeClr val="bg1"/>
+                </a:solidFill>
+                <a:effectLst/>
+                <a:latin typeface="Futura LT Book" pitchFamily="2" charset="0"/>
+                <a:ea typeface="굴림" pitchFamily="34" charset="-127"/>
+              </a:rPr>
+              <a:t>19</a:t>
+            </a:r>
+          </a:p>
+        </p:txBody>
+      </p:sp>
+      <p:sp>
+        <p:nvSpPr>
+          <p:cNvPr id="10" name="Oval 9"/>
+          <p:cNvSpPr/>
+          <p:nvPr/>
+        </p:nvSpPr>
+        <p:spPr bwMode="auto">
+          <a:xfrm>
+            <a:off x="7841137" y="5486400"/>
+            <a:ext cx="762000" cy="838200"/>
+          </a:xfrm>
+          <a:prstGeom prst="ellipse">
+            <a:avLst/>
+          </a:prstGeom>
+          <a:solidFill>
+            <a:srgbClr val="FF0000"/>
+          </a:solidFill>
+          <a:ln w="9525" cap="flat" cmpd="sng" algn="ctr">
+            <a:solidFill>
+              <a:srgbClr val="FF0000"/>
+            </a:solidFill>
+            <a:prstDash val="solid"/>
+            <a:round/>
+            <a:headEnd type="none" w="med" len="med"/>
+            <a:tailEnd type="none" w="med" len="med"/>
+          </a:ln>
+          <a:effectLst/>
+        </p:spPr>
+        <p:txBody>
+          <a:bodyPr vert="horz" wrap="square" lIns="91440" tIns="45720" rIns="91440" bIns="45720" numCol="1" rtlCol="0" anchor="t" anchorCtr="0" compatLnSpc="1">
+            <a:prstTxWarp prst="textNoShape">
+              <a:avLst/>
+            </a:prstTxWarp>
+          </a:bodyPr>
+          <a:lstStyle/>
+          <a:p>
+            <a:pPr marL="0" marR="0" indent="0" algn="l" defTabSz="914400" rtl="0" eaLnBrk="1" fontAlgn="base" latinLnBrk="0" hangingPunct="1">
+              <a:lnSpc>
+                <a:spcPct val="100000"/>
+              </a:lnSpc>
+              <a:spcBef>
+                <a:spcPct val="0"/>
+              </a:spcBef>
+              <a:spcAft>
+                <a:spcPct val="0"/>
+              </a:spcAft>
+              <a:buClrTx/>
+              <a:buSzTx/>
+              <a:buFontTx/>
+              <a:buNone/>
+              <a:tabLst/>
+            </a:pPr>
+            <a:r>
+              <a:rPr kumimoji="0" lang="en-US" sz="2400" b="0" i="0" u="none" strike="noStrike" cap="none" normalizeH="0" baseline="0" dirty="0" smtClean="0">
+                <a:ln>
+                  <a:noFill/>
+                </a:ln>
+                <a:solidFill>
+                  <a:schemeClr val="bg1"/>
+                </a:solidFill>
+                <a:effectLst/>
+                <a:latin typeface="Futura LT Book" pitchFamily="2" charset="0"/>
+                <a:ea typeface="굴림" pitchFamily="34" charset="-127"/>
+              </a:rPr>
+              <a:t>20</a:t>
+            </a:r>
+          </a:p>
+        </p:txBody>
+      </p:sp>
+      <p:sp>
+        <p:nvSpPr>
+          <p:cNvPr id="11" name="Oval 10"/>
+          <p:cNvSpPr/>
+          <p:nvPr/>
+        </p:nvSpPr>
+        <p:spPr bwMode="auto">
+          <a:xfrm>
+            <a:off x="4793137" y="5486400"/>
+            <a:ext cx="762000" cy="838200"/>
+          </a:xfrm>
+          <a:prstGeom prst="ellipse">
+            <a:avLst/>
+          </a:prstGeom>
+          <a:solidFill>
+            <a:srgbClr val="FF0000"/>
+          </a:solidFill>
+          <a:ln w="9525" cap="flat" cmpd="sng" algn="ctr">
+            <a:solidFill>
+              <a:srgbClr val="FF0000"/>
+            </a:solidFill>
+            <a:prstDash val="solid"/>
+            <a:round/>
+            <a:headEnd type="none" w="med" len="med"/>
+            <a:tailEnd type="none" w="med" len="med"/>
+          </a:ln>
+          <a:effectLst/>
+        </p:spPr>
+        <p:txBody>
+          <a:bodyPr vert="horz" wrap="square" lIns="91440" tIns="45720" rIns="91440" bIns="45720" numCol="1" rtlCol="0" anchor="t" anchorCtr="0" compatLnSpc="1">
+            <a:prstTxWarp prst="textNoShape">
+              <a:avLst/>
+            </a:prstTxWarp>
+          </a:bodyPr>
+          <a:lstStyle/>
+          <a:p>
+            <a:pPr marL="0" marR="0" indent="0" algn="l" defTabSz="914400" rtl="0" eaLnBrk="1" fontAlgn="base" latinLnBrk="0" hangingPunct="1">
+              <a:lnSpc>
+                <a:spcPct val="100000"/>
+              </a:lnSpc>
+              <a:spcBef>
+                <a:spcPct val="0"/>
+              </a:spcBef>
+              <a:spcAft>
+                <a:spcPct val="0"/>
+              </a:spcAft>
+              <a:buClrTx/>
+              <a:buSzTx/>
+              <a:buFontTx/>
+              <a:buNone/>
+              <a:tabLst/>
+            </a:pPr>
+            <a:r>
+              <a:rPr kumimoji="0" lang="en-US" sz="2400" b="0" i="0" u="none" strike="noStrike" cap="none" normalizeH="0" baseline="0" dirty="0" smtClean="0">
+                <a:ln>
+                  <a:noFill/>
+                </a:ln>
+                <a:solidFill>
+                  <a:schemeClr val="bg1"/>
+                </a:solidFill>
+                <a:effectLst/>
+                <a:latin typeface="Futura LT Book" pitchFamily="2" charset="0"/>
+                <a:ea typeface="굴림" pitchFamily="34" charset="-127"/>
+              </a:rPr>
+              <a:t>13</a:t>
+            </a:r>
+          </a:p>
+        </p:txBody>
+      </p:sp>
+      <p:sp>
+        <p:nvSpPr>
+          <p:cNvPr id="12" name="Oval 11"/>
+          <p:cNvSpPr/>
+          <p:nvPr/>
+        </p:nvSpPr>
+        <p:spPr bwMode="auto">
+          <a:xfrm>
+            <a:off x="3314213" y="5486400"/>
+            <a:ext cx="762000" cy="838200"/>
+          </a:xfrm>
+          <a:prstGeom prst="ellipse">
+            <a:avLst/>
+          </a:prstGeom>
+          <a:solidFill>
+            <a:srgbClr val="FF0000"/>
+          </a:solidFill>
+          <a:ln w="9525" cap="flat" cmpd="sng" algn="ctr">
+            <a:solidFill>
+              <a:srgbClr val="FF0000"/>
+            </a:solidFill>
+            <a:prstDash val="solid"/>
+            <a:round/>
+            <a:headEnd type="none" w="med" len="med"/>
+            <a:tailEnd type="none" w="med" len="med"/>
+          </a:ln>
+          <a:effectLst/>
+        </p:spPr>
+        <p:txBody>
+          <a:bodyPr vert="horz" wrap="square" lIns="91440" tIns="45720" rIns="91440" bIns="45720" numCol="1" rtlCol="0" anchor="t" anchorCtr="0" compatLnSpc="1">
+            <a:prstTxWarp prst="textNoShape">
+              <a:avLst/>
+            </a:prstTxWarp>
+          </a:bodyPr>
+          <a:lstStyle/>
+          <a:p>
+            <a:pPr marL="0" marR="0" indent="0" algn="l" defTabSz="914400" rtl="0" eaLnBrk="1" fontAlgn="base" latinLnBrk="0" hangingPunct="1">
+              <a:lnSpc>
+                <a:spcPct val="100000"/>
+              </a:lnSpc>
+              <a:spcBef>
+                <a:spcPct val="0"/>
+              </a:spcBef>
+              <a:spcAft>
+                <a:spcPct val="0"/>
+              </a:spcAft>
+              <a:buClrTx/>
+              <a:buSzTx/>
+              <a:buFontTx/>
+              <a:buNone/>
+              <a:tabLst/>
+            </a:pPr>
+            <a:r>
+              <a:rPr kumimoji="0" lang="en-US" sz="3200" b="0" i="0" u="none" strike="noStrike" cap="none" normalizeH="0" baseline="0" dirty="0" smtClean="0">
+                <a:ln>
+                  <a:noFill/>
+                </a:ln>
+                <a:solidFill>
+                  <a:schemeClr val="bg1"/>
+                </a:solidFill>
+                <a:effectLst/>
+                <a:latin typeface="Futura LT Book" pitchFamily="2" charset="0"/>
+                <a:ea typeface="굴림" pitchFamily="34" charset="-127"/>
+              </a:rPr>
+              <a:t>9</a:t>
+            </a:r>
+          </a:p>
+        </p:txBody>
+      </p:sp>
+      <p:cxnSp>
+        <p:nvCxnSpPr>
+          <p:cNvPr id="13" name="Straight Connector 12"/>
+          <p:cNvCxnSpPr>
+            <a:stCxn id="5" idx="3"/>
+            <a:endCxn id="6" idx="7"/>
+          </p:cNvCxnSpPr>
+          <p:nvPr/>
+        </p:nvCxnSpPr>
+        <p:spPr bwMode="auto">
+          <a:xfrm flipH="1">
+            <a:off x="3197585" y="3399618"/>
+            <a:ext cx="935559" cy="264752"/>
+          </a:xfrm>
+          <a:prstGeom prst="line">
+            <a:avLst/>
+          </a:prstGeom>
+          <a:solidFill>
+            <a:schemeClr val="accent1"/>
+          </a:solidFill>
+          <a:ln w="9525" cap="flat" cmpd="sng" algn="ctr">
+            <a:solidFill>
+              <a:schemeClr val="tx1"/>
+            </a:solidFill>
+            <a:prstDash val="solid"/>
+            <a:round/>
+            <a:headEnd type="none" w="med" len="med"/>
+            <a:tailEnd type="none" w="med" len="med"/>
+          </a:ln>
+          <a:effectLst/>
+          <a:extLst>
+            <a:ext uri="{AF507438-7753-43E0-B8FC-AC1667EBCBE1}">
+              <a14:hiddenEffects xmlns:a14="http://schemas.microsoft.com/office/drawing/2010/main">
+                <a:effectLst>
+                  <a:outerShdw dist="35921" dir="2700000" algn="ctr" rotWithShape="0">
+                    <a:schemeClr val="bg2"/>
+                  </a:outerShdw>
+                </a:effectLst>
+              </a14:hiddenEffects>
+            </a:ext>
+          </a:extLst>
+        </p:spPr>
+      </p:cxnSp>
+      <p:cxnSp>
+        <p:nvCxnSpPr>
+          <p:cNvPr id="14" name="Straight Connector 13"/>
+          <p:cNvCxnSpPr>
+            <a:stCxn id="5" idx="5"/>
+            <a:endCxn id="9" idx="1"/>
+          </p:cNvCxnSpPr>
+          <p:nvPr/>
+        </p:nvCxnSpPr>
+        <p:spPr bwMode="auto">
+          <a:xfrm>
+            <a:off x="4671960" y="3399618"/>
+            <a:ext cx="894021" cy="362221"/>
+          </a:xfrm>
+          <a:prstGeom prst="line">
+            <a:avLst/>
+          </a:prstGeom>
+          <a:solidFill>
+            <a:schemeClr val="accent1"/>
+          </a:solidFill>
+          <a:ln w="9525" cap="flat" cmpd="sng" algn="ctr">
+            <a:solidFill>
+              <a:schemeClr val="tx1"/>
+            </a:solidFill>
+            <a:prstDash val="solid"/>
+            <a:round/>
+            <a:headEnd type="none" w="med" len="med"/>
+            <a:tailEnd type="none" w="med" len="med"/>
+          </a:ln>
+          <a:effectLst/>
+          <a:extLst>
+            <a:ext uri="{AF507438-7753-43E0-B8FC-AC1667EBCBE1}">
+              <a14:hiddenEffects xmlns:a14="http://schemas.microsoft.com/office/drawing/2010/main">
+                <a:effectLst>
+                  <a:outerShdw dist="35921" dir="2700000" algn="ctr" rotWithShape="0">
+                    <a:schemeClr val="bg2"/>
+                  </a:outerShdw>
+                </a:effectLst>
+              </a14:hiddenEffects>
+            </a:ext>
+          </a:extLst>
+        </p:spPr>
+      </p:cxnSp>
+      <p:cxnSp>
+        <p:nvCxnSpPr>
+          <p:cNvPr id="15" name="Straight Connector 14"/>
+          <p:cNvCxnSpPr>
+            <a:stCxn id="9" idx="3"/>
+            <a:endCxn id="8" idx="7"/>
+          </p:cNvCxnSpPr>
+          <p:nvPr/>
+        </p:nvCxnSpPr>
+        <p:spPr bwMode="auto">
+          <a:xfrm flipH="1">
+            <a:off x="4749015" y="4354535"/>
+            <a:ext cx="816966" cy="299700"/>
+          </a:xfrm>
+          <a:prstGeom prst="line">
+            <a:avLst/>
+          </a:prstGeom>
+          <a:solidFill>
+            <a:schemeClr val="accent1"/>
+          </a:solidFill>
+          <a:ln w="9525" cap="flat" cmpd="sng" algn="ctr">
+            <a:solidFill>
+              <a:schemeClr val="tx1"/>
+            </a:solidFill>
+            <a:prstDash val="solid"/>
+            <a:round/>
+            <a:headEnd type="none" w="med" len="med"/>
+            <a:tailEnd type="none" w="med" len="med"/>
+          </a:ln>
+          <a:effectLst/>
+          <a:extLst>
+            <a:ext uri="{AF507438-7753-43E0-B8FC-AC1667EBCBE1}">
+              <a14:hiddenEffects xmlns:a14="http://schemas.microsoft.com/office/drawing/2010/main">
+                <a:effectLst>
+                  <a:outerShdw dist="35921" dir="2700000" algn="ctr" rotWithShape="0">
+                    <a:schemeClr val="bg2"/>
+                  </a:outerShdw>
+                </a:effectLst>
+              </a14:hiddenEffects>
+            </a:ext>
+          </a:extLst>
+        </p:spPr>
+      </p:cxnSp>
+      <p:cxnSp>
+        <p:nvCxnSpPr>
+          <p:cNvPr id="16" name="Straight Connector 15"/>
+          <p:cNvCxnSpPr>
+            <a:stCxn id="9" idx="5"/>
+            <a:endCxn id="7" idx="1"/>
+          </p:cNvCxnSpPr>
+          <p:nvPr/>
+        </p:nvCxnSpPr>
+        <p:spPr bwMode="auto">
+          <a:xfrm>
+            <a:off x="6104797" y="4354535"/>
+            <a:ext cx="750008" cy="328847"/>
+          </a:xfrm>
+          <a:prstGeom prst="line">
+            <a:avLst/>
+          </a:prstGeom>
+          <a:solidFill>
+            <a:schemeClr val="accent1"/>
+          </a:solidFill>
+          <a:ln w="9525" cap="flat" cmpd="sng" algn="ctr">
+            <a:solidFill>
+              <a:schemeClr val="tx1"/>
+            </a:solidFill>
+            <a:prstDash val="solid"/>
+            <a:round/>
+            <a:headEnd type="none" w="med" len="med"/>
+            <a:tailEnd type="none" w="med" len="med"/>
+          </a:ln>
+          <a:effectLst/>
+          <a:extLst>
+            <a:ext uri="{AF507438-7753-43E0-B8FC-AC1667EBCBE1}">
+              <a14:hiddenEffects xmlns:a14="http://schemas.microsoft.com/office/drawing/2010/main">
+                <a:effectLst>
+                  <a:outerShdw dist="35921" dir="2700000" algn="ctr" rotWithShape="0">
+                    <a:schemeClr val="bg2"/>
+                  </a:outerShdw>
+                </a:effectLst>
+              </a14:hiddenEffects>
+            </a:ext>
+          </a:extLst>
+        </p:spPr>
+      </p:cxnSp>
+      <p:cxnSp>
+        <p:nvCxnSpPr>
+          <p:cNvPr id="17" name="Straight Connector 16"/>
+          <p:cNvCxnSpPr>
+            <a:stCxn id="8" idx="3"/>
+            <a:endCxn id="12" idx="0"/>
+          </p:cNvCxnSpPr>
+          <p:nvPr/>
+        </p:nvCxnSpPr>
+        <p:spPr bwMode="auto">
+          <a:xfrm flipH="1">
+            <a:off x="3695213" y="5246931"/>
+            <a:ext cx="514986" cy="239469"/>
+          </a:xfrm>
+          <a:prstGeom prst="line">
+            <a:avLst/>
+          </a:prstGeom>
+          <a:solidFill>
+            <a:schemeClr val="accent1"/>
+          </a:solidFill>
+          <a:ln w="9525" cap="flat" cmpd="sng" algn="ctr">
+            <a:solidFill>
+              <a:schemeClr val="tx1"/>
+            </a:solidFill>
+            <a:prstDash val="solid"/>
+            <a:round/>
+            <a:headEnd type="none" w="med" len="med"/>
+            <a:tailEnd type="none" w="med" len="med"/>
+          </a:ln>
+          <a:effectLst/>
+          <a:extLst>
+            <a:ext uri="{AF507438-7753-43E0-B8FC-AC1667EBCBE1}">
+              <a14:hiddenEffects xmlns:a14="http://schemas.microsoft.com/office/drawing/2010/main">
+                <a:effectLst>
+                  <a:outerShdw dist="35921" dir="2700000" algn="ctr" rotWithShape="0">
+                    <a:schemeClr val="bg2"/>
+                  </a:outerShdw>
+                </a:effectLst>
+              </a14:hiddenEffects>
+            </a:ext>
+          </a:extLst>
+        </p:spPr>
+      </p:cxnSp>
+      <p:cxnSp>
+        <p:nvCxnSpPr>
+          <p:cNvPr id="18" name="Straight Connector 17"/>
+          <p:cNvCxnSpPr>
+            <a:stCxn id="8" idx="5"/>
+            <a:endCxn id="11" idx="0"/>
+          </p:cNvCxnSpPr>
+          <p:nvPr/>
+        </p:nvCxnSpPr>
+        <p:spPr bwMode="auto">
+          <a:xfrm>
+            <a:off x="4749015" y="5246931"/>
+            <a:ext cx="425122" cy="239469"/>
+          </a:xfrm>
+          <a:prstGeom prst="line">
+            <a:avLst/>
+          </a:prstGeom>
+          <a:solidFill>
+            <a:schemeClr val="accent1"/>
+          </a:solidFill>
+          <a:ln w="9525" cap="flat" cmpd="sng" algn="ctr">
+            <a:solidFill>
+              <a:schemeClr val="tx1"/>
+            </a:solidFill>
+            <a:prstDash val="solid"/>
+            <a:round/>
+            <a:headEnd type="none" w="med" len="med"/>
+            <a:tailEnd type="none" w="med" len="med"/>
+          </a:ln>
+          <a:effectLst/>
+          <a:extLst>
+            <a:ext uri="{AF507438-7753-43E0-B8FC-AC1667EBCBE1}">
+              <a14:hiddenEffects xmlns:a14="http://schemas.microsoft.com/office/drawing/2010/main">
+                <a:effectLst>
+                  <a:outerShdw dist="35921" dir="2700000" algn="ctr" rotWithShape="0">
+                    <a:schemeClr val="bg2"/>
+                  </a:outerShdw>
+                </a:effectLst>
+              </a14:hiddenEffects>
+            </a:ext>
+          </a:extLst>
+        </p:spPr>
+      </p:cxnSp>
+      <p:cxnSp>
+        <p:nvCxnSpPr>
+          <p:cNvPr id="19" name="Straight Connector 18"/>
+          <p:cNvCxnSpPr>
+            <a:stCxn id="7" idx="5"/>
+            <a:endCxn id="10" idx="1"/>
+          </p:cNvCxnSpPr>
+          <p:nvPr/>
+        </p:nvCxnSpPr>
+        <p:spPr bwMode="auto">
+          <a:xfrm>
+            <a:off x="7393621" y="5276078"/>
+            <a:ext cx="559108" cy="333074"/>
+          </a:xfrm>
+          <a:prstGeom prst="line">
+            <a:avLst/>
+          </a:prstGeom>
+          <a:solidFill>
+            <a:schemeClr val="accent1"/>
+          </a:solidFill>
+          <a:ln w="9525" cap="flat" cmpd="sng" algn="ctr">
+            <a:solidFill>
+              <a:schemeClr val="tx1"/>
+            </a:solidFill>
+            <a:prstDash val="solid"/>
+            <a:round/>
+            <a:headEnd type="none" w="med" len="med"/>
+            <a:tailEnd type="none" w="med" len="med"/>
+          </a:ln>
+          <a:effectLst/>
+          <a:extLst>
+            <a:ext uri="{AF507438-7753-43E0-B8FC-AC1667EBCBE1}">
+              <a14:hiddenEffects xmlns:a14="http://schemas.microsoft.com/office/drawing/2010/main">
+                <a:effectLst>
+                  <a:outerShdw dist="35921" dir="2700000" algn="ctr" rotWithShape="0">
+                    <a:schemeClr val="bg2"/>
+                  </a:outerShdw>
+                </a:effectLst>
+              </a14:hiddenEffects>
+            </a:ext>
+          </a:extLst>
+        </p:spPr>
+      </p:cxnSp>
+      <p:cxnSp>
+        <p:nvCxnSpPr>
+          <p:cNvPr id="20" name="Straight Connector 19"/>
+          <p:cNvCxnSpPr>
+            <a:stCxn id="6" idx="3"/>
+          </p:cNvCxnSpPr>
+          <p:nvPr/>
+        </p:nvCxnSpPr>
+        <p:spPr bwMode="auto">
+          <a:xfrm flipH="1">
+            <a:off x="2394777" y="4257066"/>
+            <a:ext cx="263992" cy="351352"/>
+          </a:xfrm>
+          <a:prstGeom prst="line">
+            <a:avLst/>
+          </a:prstGeom>
+          <a:solidFill>
+            <a:schemeClr val="accent1"/>
+          </a:solidFill>
+          <a:ln w="9525" cap="flat" cmpd="sng" algn="ctr">
+            <a:solidFill>
+              <a:schemeClr val="tx1"/>
+            </a:solidFill>
+            <a:prstDash val="solid"/>
+            <a:round/>
+            <a:headEnd type="none" w="med" len="med"/>
+            <a:tailEnd type="none" w="med" len="med"/>
+          </a:ln>
+          <a:effectLst/>
+          <a:extLst>
+            <a:ext uri="{AF507438-7753-43E0-B8FC-AC1667EBCBE1}">
+              <a14:hiddenEffects xmlns:a14="http://schemas.microsoft.com/office/drawing/2010/main">
+                <a:effectLst>
+                  <a:outerShdw dist="35921" dir="2700000" algn="ctr" rotWithShape="0">
+                    <a:schemeClr val="bg2"/>
+                  </a:outerShdw>
+                </a:effectLst>
+              </a14:hiddenEffects>
+            </a:ext>
+          </a:extLst>
+        </p:spPr>
+      </p:cxnSp>
+      <p:cxnSp>
+        <p:nvCxnSpPr>
+          <p:cNvPr id="21" name="Straight Connector 20"/>
+          <p:cNvCxnSpPr>
+            <a:stCxn id="6" idx="5"/>
+          </p:cNvCxnSpPr>
+          <p:nvPr/>
+        </p:nvCxnSpPr>
+        <p:spPr bwMode="auto">
+          <a:xfrm>
+            <a:off x="3197585" y="4257066"/>
+            <a:ext cx="225892" cy="351352"/>
+          </a:xfrm>
+          <a:prstGeom prst="line">
+            <a:avLst/>
+          </a:prstGeom>
+          <a:solidFill>
+            <a:schemeClr val="accent1"/>
+          </a:solidFill>
+          <a:ln w="9525" cap="flat" cmpd="sng" algn="ctr">
+            <a:solidFill>
+              <a:schemeClr val="tx1"/>
+            </a:solidFill>
+            <a:prstDash val="solid"/>
+            <a:round/>
+            <a:headEnd type="none" w="med" len="med"/>
+            <a:tailEnd type="none" w="med" len="med"/>
+          </a:ln>
+          <a:effectLst/>
+          <a:extLst>
+            <a:ext uri="{AF507438-7753-43E0-B8FC-AC1667EBCBE1}">
+              <a14:hiddenEffects xmlns:a14="http://schemas.microsoft.com/office/drawing/2010/main">
+                <a:effectLst>
+                  <a:outerShdw dist="35921" dir="2700000" algn="ctr" rotWithShape="0">
+                    <a:schemeClr val="bg2"/>
+                  </a:outerShdw>
+                </a:effectLst>
+              </a14:hiddenEffects>
+            </a:ext>
+          </a:extLst>
+        </p:spPr>
+      </p:cxnSp>
+      <p:cxnSp>
+        <p:nvCxnSpPr>
+          <p:cNvPr id="22" name="Straight Connector 21"/>
+          <p:cNvCxnSpPr>
+            <a:stCxn id="12" idx="3"/>
+          </p:cNvCxnSpPr>
+          <p:nvPr/>
+        </p:nvCxnSpPr>
+        <p:spPr bwMode="auto">
+          <a:xfrm flipH="1">
+            <a:off x="3126421" y="6201848"/>
+            <a:ext cx="299384" cy="410648"/>
+          </a:xfrm>
+          <a:prstGeom prst="line">
+            <a:avLst/>
+          </a:prstGeom>
+          <a:solidFill>
+            <a:schemeClr val="accent1"/>
+          </a:solidFill>
+          <a:ln w="9525" cap="flat" cmpd="sng" algn="ctr">
+            <a:solidFill>
+              <a:schemeClr val="tx1"/>
+            </a:solidFill>
+            <a:prstDash val="solid"/>
+            <a:round/>
+            <a:headEnd type="none" w="med" len="med"/>
+            <a:tailEnd type="none" w="med" len="med"/>
+          </a:ln>
+          <a:effectLst/>
+          <a:extLst>
+            <a:ext uri="{AF507438-7753-43E0-B8FC-AC1667EBCBE1}">
+              <a14:hiddenEffects xmlns:a14="http://schemas.microsoft.com/office/drawing/2010/main">
+                <a:effectLst>
+                  <a:outerShdw dist="35921" dir="2700000" algn="ctr" rotWithShape="0">
+                    <a:schemeClr val="bg2"/>
+                  </a:outerShdw>
+                </a:effectLst>
+              </a14:hiddenEffects>
+            </a:ext>
+          </a:extLst>
+        </p:spPr>
+      </p:cxnSp>
+      <p:cxnSp>
+        <p:nvCxnSpPr>
+          <p:cNvPr id="23" name="Straight Connector 22"/>
+          <p:cNvCxnSpPr>
+            <a:stCxn id="12" idx="5"/>
+          </p:cNvCxnSpPr>
+          <p:nvPr/>
+        </p:nvCxnSpPr>
+        <p:spPr bwMode="auto">
+          <a:xfrm>
+            <a:off x="3964621" y="6201848"/>
+            <a:ext cx="178108" cy="410648"/>
+          </a:xfrm>
+          <a:prstGeom prst="line">
+            <a:avLst/>
+          </a:prstGeom>
+          <a:solidFill>
+            <a:schemeClr val="accent1"/>
+          </a:solidFill>
+          <a:ln w="9525" cap="flat" cmpd="sng" algn="ctr">
+            <a:solidFill>
+              <a:schemeClr val="tx1"/>
+            </a:solidFill>
+            <a:prstDash val="solid"/>
+            <a:round/>
+            <a:headEnd type="none" w="med" len="med"/>
+            <a:tailEnd type="none" w="med" len="med"/>
+          </a:ln>
+          <a:effectLst/>
+          <a:extLst>
+            <a:ext uri="{AF507438-7753-43E0-B8FC-AC1667EBCBE1}">
+              <a14:hiddenEffects xmlns:a14="http://schemas.microsoft.com/office/drawing/2010/main">
+                <a:effectLst>
+                  <a:outerShdw dist="35921" dir="2700000" algn="ctr" rotWithShape="0">
+                    <a:schemeClr val="bg2"/>
+                  </a:outerShdw>
+                </a:effectLst>
+              </a14:hiddenEffects>
+            </a:ext>
+          </a:extLst>
+        </p:spPr>
+      </p:cxnSp>
+      <p:cxnSp>
+        <p:nvCxnSpPr>
+          <p:cNvPr id="24" name="Straight Connector 23"/>
+          <p:cNvCxnSpPr/>
+          <p:nvPr/>
+        </p:nvCxnSpPr>
+        <p:spPr bwMode="auto">
+          <a:xfrm flipH="1">
+            <a:off x="4610187" y="6203257"/>
+            <a:ext cx="299384" cy="410648"/>
+          </a:xfrm>
+          <a:prstGeom prst="line">
+            <a:avLst/>
+          </a:prstGeom>
+          <a:solidFill>
+            <a:schemeClr val="accent1"/>
+          </a:solidFill>
+          <a:ln w="9525" cap="flat" cmpd="sng" algn="ctr">
+            <a:solidFill>
+              <a:schemeClr val="tx1"/>
+            </a:solidFill>
+            <a:prstDash val="solid"/>
+            <a:round/>
+            <a:headEnd type="none" w="med" len="med"/>
+            <a:tailEnd type="none" w="med" len="med"/>
+          </a:ln>
+          <a:effectLst/>
+          <a:extLst>
+            <a:ext uri="{AF507438-7753-43E0-B8FC-AC1667EBCBE1}">
+              <a14:hiddenEffects xmlns:a14="http://schemas.microsoft.com/office/drawing/2010/main">
+                <a:effectLst>
+                  <a:outerShdw dist="35921" dir="2700000" algn="ctr" rotWithShape="0">
+                    <a:schemeClr val="bg2"/>
+                  </a:outerShdw>
+                </a:effectLst>
+              </a14:hiddenEffects>
+            </a:ext>
+          </a:extLst>
+        </p:spPr>
+      </p:cxnSp>
+      <p:cxnSp>
+        <p:nvCxnSpPr>
+          <p:cNvPr id="25" name="Straight Connector 24"/>
+          <p:cNvCxnSpPr/>
+          <p:nvPr/>
+        </p:nvCxnSpPr>
+        <p:spPr bwMode="auto">
+          <a:xfrm flipH="1">
+            <a:off x="7659223" y="6201848"/>
+            <a:ext cx="299384" cy="410648"/>
+          </a:xfrm>
+          <a:prstGeom prst="line">
+            <a:avLst/>
+          </a:prstGeom>
+          <a:solidFill>
+            <a:schemeClr val="accent1"/>
+          </a:solidFill>
+          <a:ln w="9525" cap="flat" cmpd="sng" algn="ctr">
+            <a:solidFill>
+              <a:schemeClr val="tx1"/>
+            </a:solidFill>
+            <a:prstDash val="solid"/>
+            <a:round/>
+            <a:headEnd type="none" w="med" len="med"/>
+            <a:tailEnd type="none" w="med" len="med"/>
+          </a:ln>
+          <a:effectLst/>
+          <a:extLst>
+            <a:ext uri="{AF507438-7753-43E0-B8FC-AC1667EBCBE1}">
+              <a14:hiddenEffects xmlns:a14="http://schemas.microsoft.com/office/drawing/2010/main">
+                <a:effectLst>
+                  <a:outerShdw dist="35921" dir="2700000" algn="ctr" rotWithShape="0">
+                    <a:schemeClr val="bg2"/>
+                  </a:outerShdw>
+                </a:effectLst>
+              </a14:hiddenEffects>
+            </a:ext>
+          </a:extLst>
+        </p:spPr>
+      </p:cxnSp>
+      <p:cxnSp>
+        <p:nvCxnSpPr>
+          <p:cNvPr id="26" name="Straight Connector 25"/>
+          <p:cNvCxnSpPr/>
+          <p:nvPr/>
+        </p:nvCxnSpPr>
+        <p:spPr bwMode="auto">
+          <a:xfrm>
+            <a:off x="8492593" y="6221670"/>
+            <a:ext cx="178108" cy="410648"/>
+          </a:xfrm>
+          <a:prstGeom prst="line">
+            <a:avLst/>
+          </a:prstGeom>
+          <a:solidFill>
+            <a:schemeClr val="accent1"/>
+          </a:solidFill>
+          <a:ln w="9525" cap="flat" cmpd="sng" algn="ctr">
+            <a:solidFill>
+              <a:schemeClr val="tx1"/>
+            </a:solidFill>
+            <a:prstDash val="solid"/>
+            <a:round/>
+            <a:headEnd type="none" w="med" len="med"/>
+            <a:tailEnd type="none" w="med" len="med"/>
+          </a:ln>
+          <a:effectLst/>
+          <a:extLst>
+            <a:ext uri="{AF507438-7753-43E0-B8FC-AC1667EBCBE1}">
+              <a14:hiddenEffects xmlns:a14="http://schemas.microsoft.com/office/drawing/2010/main">
+                <a:effectLst>
+                  <a:outerShdw dist="35921" dir="2700000" algn="ctr" rotWithShape="0">
+                    <a:schemeClr val="bg2"/>
+                  </a:outerShdw>
+                </a:effectLst>
+              </a14:hiddenEffects>
+            </a:ext>
+          </a:extLst>
+        </p:spPr>
+      </p:cxnSp>
+      <p:cxnSp>
+        <p:nvCxnSpPr>
+          <p:cNvPr id="27" name="Straight Connector 26"/>
+          <p:cNvCxnSpPr/>
+          <p:nvPr/>
+        </p:nvCxnSpPr>
+        <p:spPr bwMode="auto">
+          <a:xfrm>
+            <a:off x="5402793" y="6263929"/>
+            <a:ext cx="178108" cy="410648"/>
+          </a:xfrm>
+          <a:prstGeom prst="line">
+            <a:avLst/>
+          </a:prstGeom>
+          <a:solidFill>
+            <a:schemeClr val="accent1"/>
+          </a:solidFill>
+          <a:ln w="9525" cap="flat" cmpd="sng" algn="ctr">
+            <a:solidFill>
+              <a:schemeClr val="tx1"/>
+            </a:solidFill>
+            <a:prstDash val="solid"/>
+            <a:round/>
+            <a:headEnd type="none" w="med" len="med"/>
+            <a:tailEnd type="none" w="med" len="med"/>
+          </a:ln>
+          <a:effectLst/>
+          <a:extLst>
+            <a:ext uri="{AF507438-7753-43E0-B8FC-AC1667EBCBE1}">
+              <a14:hiddenEffects xmlns:a14="http://schemas.microsoft.com/office/drawing/2010/main">
+                <a:effectLst>
+                  <a:outerShdw dist="35921" dir="2700000" algn="ctr" rotWithShape="0">
+                    <a:schemeClr val="bg2"/>
+                  </a:outerShdw>
+                </a:effectLst>
+              </a14:hiddenEffects>
+            </a:ext>
+          </a:extLst>
+        </p:spPr>
+      </p:cxnSp>
+      <p:cxnSp>
+        <p:nvCxnSpPr>
+          <p:cNvPr id="28" name="Straight Connector 27"/>
+          <p:cNvCxnSpPr/>
+          <p:nvPr/>
+        </p:nvCxnSpPr>
+        <p:spPr bwMode="auto">
+          <a:xfrm flipH="1">
+            <a:off x="6564593" y="5303313"/>
+            <a:ext cx="299384" cy="410648"/>
+          </a:xfrm>
+          <a:prstGeom prst="line">
+            <a:avLst/>
+          </a:prstGeom>
+          <a:solidFill>
+            <a:schemeClr val="accent1"/>
+          </a:solidFill>
+          <a:ln w="9525" cap="flat" cmpd="sng" algn="ctr">
+            <a:solidFill>
+              <a:schemeClr val="tx1"/>
+            </a:solidFill>
+            <a:prstDash val="solid"/>
+            <a:round/>
+            <a:headEnd type="none" w="med" len="med"/>
+            <a:tailEnd type="none" w="med" len="med"/>
+          </a:ln>
+          <a:effectLst/>
+          <a:extLst>
+            <a:ext uri="{AF507438-7753-43E0-B8FC-AC1667EBCBE1}">
+              <a14:hiddenEffects xmlns:a14="http://schemas.microsoft.com/office/drawing/2010/main">
+                <a:effectLst>
+                  <a:outerShdw dist="35921" dir="2700000" algn="ctr" rotWithShape="0">
+                    <a:schemeClr val="bg2"/>
+                  </a:outerShdw>
+                </a:effectLst>
+              </a14:hiddenEffects>
+            </a:ext>
+          </a:extLst>
+        </p:spPr>
+      </p:cxnSp>
+      <p:sp>
+        <p:nvSpPr>
+          <p:cNvPr id="29" name="TextBox 28"/>
+          <p:cNvSpPr txBox="1"/>
+          <p:nvPr/>
+        </p:nvSpPr>
+        <p:spPr>
+          <a:xfrm>
+            <a:off x="2153816" y="4504385"/>
+            <a:ext cx="762000" cy="400110"/>
+          </a:xfrm>
+          <a:prstGeom prst="rect">
+            <a:avLst/>
+          </a:prstGeom>
+          <a:noFill/>
+        </p:spPr>
+        <p:txBody>
+          <a:bodyPr wrap="square" rtlCol="0">
+            <a:spAutoFit/>
+          </a:bodyPr>
+          <a:lstStyle/>
+          <a:p>
+            <a:r>
+              <a:rPr lang="en-US" sz="2000" dirty="0" smtClean="0"/>
+              <a:t>nil</a:t>
+            </a:r>
+            <a:endParaRPr lang="en-US" sz="2000" dirty="0"/>
+          </a:p>
+        </p:txBody>
+      </p:sp>
+      <p:sp>
+        <p:nvSpPr>
+          <p:cNvPr id="30" name="TextBox 29"/>
+          <p:cNvSpPr txBox="1"/>
+          <p:nvPr/>
+        </p:nvSpPr>
+        <p:spPr>
+          <a:xfrm>
+            <a:off x="3888421" y="6565147"/>
+            <a:ext cx="762000" cy="400110"/>
+          </a:xfrm>
+          <a:prstGeom prst="rect">
+            <a:avLst/>
+          </a:prstGeom>
+          <a:noFill/>
+        </p:spPr>
+        <p:txBody>
+          <a:bodyPr wrap="square" rtlCol="0">
+            <a:spAutoFit/>
+          </a:bodyPr>
+          <a:lstStyle/>
+          <a:p>
+            <a:r>
+              <a:rPr lang="en-US" sz="2000" dirty="0" smtClean="0"/>
+              <a:t>nil</a:t>
+            </a:r>
+            <a:endParaRPr lang="en-US" sz="2000" dirty="0"/>
+          </a:p>
+        </p:txBody>
+      </p:sp>
+      <p:sp>
+        <p:nvSpPr>
+          <p:cNvPr id="31" name="TextBox 30"/>
+          <p:cNvSpPr txBox="1"/>
+          <p:nvPr/>
+        </p:nvSpPr>
+        <p:spPr>
+          <a:xfrm>
+            <a:off x="2796144" y="6612496"/>
+            <a:ext cx="762000" cy="400110"/>
+          </a:xfrm>
+          <a:prstGeom prst="rect">
+            <a:avLst/>
+          </a:prstGeom>
+          <a:noFill/>
+        </p:spPr>
+        <p:txBody>
+          <a:bodyPr wrap="square" rtlCol="0">
+            <a:spAutoFit/>
+          </a:bodyPr>
+          <a:lstStyle/>
+          <a:p>
+            <a:r>
+              <a:rPr lang="en-US" sz="2000" dirty="0" smtClean="0"/>
+              <a:t>nil</a:t>
+            </a:r>
+            <a:endParaRPr lang="en-US" sz="2000" dirty="0"/>
+          </a:p>
+        </p:txBody>
+      </p:sp>
+      <p:sp>
+        <p:nvSpPr>
+          <p:cNvPr id="32" name="TextBox 31"/>
+          <p:cNvSpPr txBox="1"/>
+          <p:nvPr/>
+        </p:nvSpPr>
+        <p:spPr>
+          <a:xfrm>
+            <a:off x="3202621" y="4489630"/>
+            <a:ext cx="762000" cy="400110"/>
+          </a:xfrm>
+          <a:prstGeom prst="rect">
+            <a:avLst/>
+          </a:prstGeom>
+          <a:noFill/>
+        </p:spPr>
+        <p:txBody>
+          <a:bodyPr wrap="square" rtlCol="0">
+            <a:spAutoFit/>
+          </a:bodyPr>
+          <a:lstStyle/>
+          <a:p>
+            <a:r>
+              <a:rPr lang="en-US" sz="2000" dirty="0" smtClean="0"/>
+              <a:t>nil</a:t>
+            </a:r>
+            <a:endParaRPr lang="en-US" sz="2000" dirty="0"/>
+          </a:p>
+        </p:txBody>
+      </p:sp>
+      <p:sp>
+        <p:nvSpPr>
+          <p:cNvPr id="33" name="TextBox 32"/>
+          <p:cNvSpPr txBox="1"/>
+          <p:nvPr/>
+        </p:nvSpPr>
+        <p:spPr>
+          <a:xfrm>
+            <a:off x="7460137" y="6563097"/>
+            <a:ext cx="762000" cy="400110"/>
+          </a:xfrm>
+          <a:prstGeom prst="rect">
+            <a:avLst/>
+          </a:prstGeom>
+          <a:noFill/>
+        </p:spPr>
+        <p:txBody>
+          <a:bodyPr wrap="square" rtlCol="0">
+            <a:spAutoFit/>
+          </a:bodyPr>
+          <a:lstStyle/>
+          <a:p>
+            <a:r>
+              <a:rPr lang="en-US" sz="2000" dirty="0" smtClean="0"/>
+              <a:t>nil</a:t>
+            </a:r>
+            <a:endParaRPr lang="en-US" sz="2000" dirty="0"/>
+          </a:p>
+        </p:txBody>
+      </p:sp>
+      <p:sp>
+        <p:nvSpPr>
+          <p:cNvPr id="34" name="TextBox 33"/>
+          <p:cNvSpPr txBox="1"/>
+          <p:nvPr/>
+        </p:nvSpPr>
+        <p:spPr>
+          <a:xfrm>
+            <a:off x="6333285" y="5650170"/>
+            <a:ext cx="762000" cy="400110"/>
+          </a:xfrm>
+          <a:prstGeom prst="rect">
+            <a:avLst/>
+          </a:prstGeom>
+          <a:noFill/>
+        </p:spPr>
+        <p:txBody>
+          <a:bodyPr wrap="square" rtlCol="0">
+            <a:spAutoFit/>
+          </a:bodyPr>
+          <a:lstStyle/>
+          <a:p>
+            <a:r>
+              <a:rPr lang="en-US" sz="2000" dirty="0" smtClean="0"/>
+              <a:t>nil</a:t>
+            </a:r>
+            <a:endParaRPr lang="en-US" sz="2000" dirty="0"/>
+          </a:p>
+        </p:txBody>
+      </p:sp>
+      <p:sp>
+        <p:nvSpPr>
+          <p:cNvPr id="35" name="TextBox 34"/>
+          <p:cNvSpPr txBox="1"/>
+          <p:nvPr/>
+        </p:nvSpPr>
+        <p:spPr>
+          <a:xfrm>
+            <a:off x="5402793" y="6563097"/>
+            <a:ext cx="762000" cy="400110"/>
+          </a:xfrm>
+          <a:prstGeom prst="rect">
+            <a:avLst/>
+          </a:prstGeom>
+          <a:noFill/>
+        </p:spPr>
+        <p:txBody>
+          <a:bodyPr wrap="square" rtlCol="0">
+            <a:spAutoFit/>
+          </a:bodyPr>
+          <a:lstStyle/>
+          <a:p>
+            <a:r>
+              <a:rPr lang="en-US" sz="2000" dirty="0" smtClean="0"/>
+              <a:t>nil</a:t>
+            </a:r>
+            <a:endParaRPr lang="en-US" sz="2000" dirty="0"/>
+          </a:p>
+        </p:txBody>
+      </p:sp>
+      <p:sp>
+        <p:nvSpPr>
+          <p:cNvPr id="36" name="TextBox 35"/>
+          <p:cNvSpPr txBox="1"/>
+          <p:nvPr/>
+        </p:nvSpPr>
+        <p:spPr>
+          <a:xfrm>
+            <a:off x="4373033" y="6563097"/>
+            <a:ext cx="762000" cy="400110"/>
+          </a:xfrm>
+          <a:prstGeom prst="rect">
+            <a:avLst/>
+          </a:prstGeom>
+          <a:noFill/>
+        </p:spPr>
+        <p:txBody>
+          <a:bodyPr wrap="square" rtlCol="0">
+            <a:spAutoFit/>
+          </a:bodyPr>
+          <a:lstStyle/>
+          <a:p>
+            <a:r>
+              <a:rPr lang="en-US" sz="2000" dirty="0" smtClean="0"/>
+              <a:t>nil</a:t>
+            </a:r>
+            <a:endParaRPr lang="en-US" sz="2000" dirty="0"/>
+          </a:p>
+        </p:txBody>
+      </p:sp>
+      <p:sp>
+        <p:nvSpPr>
+          <p:cNvPr id="49" name="TextBox 48"/>
+          <p:cNvSpPr txBox="1"/>
+          <p:nvPr/>
+        </p:nvSpPr>
+        <p:spPr>
+          <a:xfrm>
+            <a:off x="8421223" y="6521420"/>
+            <a:ext cx="762000" cy="400110"/>
+          </a:xfrm>
+          <a:prstGeom prst="rect">
+            <a:avLst/>
+          </a:prstGeom>
+          <a:noFill/>
+        </p:spPr>
+        <p:txBody>
+          <a:bodyPr wrap="square" rtlCol="0">
+            <a:spAutoFit/>
+          </a:bodyPr>
+          <a:lstStyle/>
+          <a:p>
+            <a:r>
+              <a:rPr lang="en-US" sz="2000" dirty="0" smtClean="0"/>
+              <a:t>nil</a:t>
+            </a:r>
+            <a:endParaRPr lang="en-US" sz="2000" dirty="0"/>
+          </a:p>
+        </p:txBody>
+      </p:sp>
+      <p:sp>
+        <p:nvSpPr>
+          <p:cNvPr id="51" name="TextBox 50"/>
+          <p:cNvSpPr txBox="1"/>
+          <p:nvPr/>
+        </p:nvSpPr>
+        <p:spPr>
+          <a:xfrm>
+            <a:off x="762000" y="609600"/>
+            <a:ext cx="7190729" cy="2308324"/>
+          </a:xfrm>
+          <a:prstGeom prst="rect">
+            <a:avLst/>
+          </a:prstGeom>
+          <a:noFill/>
+        </p:spPr>
+        <p:txBody>
+          <a:bodyPr wrap="square" rtlCol="0">
+            <a:spAutoFit/>
+          </a:bodyPr>
+          <a:lstStyle/>
+          <a:p>
+            <a:r>
+              <a:rPr lang="en-US" dirty="0"/>
+              <a:t>All path from node to nil descendants contain the same number of black nodes.</a:t>
+            </a:r>
+          </a:p>
+          <a:p>
+            <a:endParaRPr lang="en-US" dirty="0"/>
+          </a:p>
+        </p:txBody>
+      </p:sp>
+      <p:sp>
+        <p:nvSpPr>
+          <p:cNvPr id="54" name="Freeform 53"/>
+          <p:cNvSpPr/>
+          <p:nvPr/>
+        </p:nvSpPr>
+        <p:spPr bwMode="auto">
+          <a:xfrm>
+            <a:off x="1885949" y="3451538"/>
+            <a:ext cx="715583" cy="1485055"/>
+          </a:xfrm>
+          <a:custGeom>
+            <a:avLst/>
+            <a:gdLst>
+              <a:gd name="connsiteX0" fmla="*/ 715583 w 715583"/>
+              <a:gd name="connsiteY0" fmla="*/ 0 h 1485055"/>
+              <a:gd name="connsiteX1" fmla="*/ 33003 w 715583"/>
+              <a:gd name="connsiteY1" fmla="*/ 1146220 h 1485055"/>
+              <a:gd name="connsiteX2" fmla="*/ 110276 w 715583"/>
+              <a:gd name="connsiteY2" fmla="*/ 1455313 h 1485055"/>
+              <a:gd name="connsiteX3" fmla="*/ 136034 w 715583"/>
+              <a:gd name="connsiteY3" fmla="*/ 1455313 h 1485055"/>
+            </a:gdLst>
+            <a:ahLst/>
+            <a:cxnLst>
+              <a:cxn ang="0">
+                <a:pos x="connsiteX0" y="connsiteY0"/>
+              </a:cxn>
+              <a:cxn ang="0">
+                <a:pos x="connsiteX1" y="connsiteY1"/>
+              </a:cxn>
+              <a:cxn ang="0">
+                <a:pos x="connsiteX2" y="connsiteY2"/>
+              </a:cxn>
+              <a:cxn ang="0">
+                <a:pos x="connsiteX3" y="connsiteY3"/>
+              </a:cxn>
+            </a:cxnLst>
+            <a:rect l="l" t="t" r="r" b="b"/>
+            <a:pathLst>
+              <a:path w="715583" h="1485055">
+                <a:moveTo>
+                  <a:pt x="715583" y="0"/>
+                </a:moveTo>
+                <a:cubicBezTo>
+                  <a:pt x="424735" y="451834"/>
+                  <a:pt x="133887" y="903668"/>
+                  <a:pt x="33003" y="1146220"/>
+                </a:cubicBezTo>
+                <a:cubicBezTo>
+                  <a:pt x="-67882" y="1388772"/>
+                  <a:pt x="93104" y="1403797"/>
+                  <a:pt x="110276" y="1455313"/>
+                </a:cubicBezTo>
+                <a:cubicBezTo>
+                  <a:pt x="127448" y="1506829"/>
+                  <a:pt x="131741" y="1481071"/>
+                  <a:pt x="136034" y="1455313"/>
+                </a:cubicBezTo>
+              </a:path>
+            </a:pathLst>
+          </a:custGeom>
+          <a:noFill/>
+          <a:ln w="9525" cap="flat" cmpd="sng" algn="ctr">
+            <a:solidFill>
+              <a:schemeClr val="tx1"/>
+            </a:solidFill>
+            <a:prstDash val="solid"/>
+            <a:round/>
+            <a:headEnd type="none" w="med" len="med"/>
+            <a:tailEnd type="none" w="med" len="med"/>
+          </a:ln>
+          <a:effectLst/>
+          <a:extLst>
+            <a:ext uri="{AF507438-7753-43E0-B8FC-AC1667EBCBE1}">
+              <a14:hiddenEffects xmlns:a14="http://schemas.microsoft.com/office/drawing/2010/main">
+                <a:effectLst>
+                  <a:outerShdw dist="35921" dir="2700000" algn="ctr" rotWithShape="0">
+                    <a:schemeClr val="bg2"/>
+                  </a:outerShdw>
+                </a:effectLst>
+              </a14:hiddenEffects>
+            </a:ext>
+          </a:extLst>
+        </p:spPr>
+        <p:txBody>
+          <a:bodyPr vert="horz" wrap="square" lIns="91440" tIns="45720" rIns="91440" bIns="45720" numCol="1" rtlCol="0" anchor="t" anchorCtr="0" compatLnSpc="1">
+            <a:prstTxWarp prst="textNoShape">
+              <a:avLst/>
+            </a:prstTxWarp>
+          </a:bodyPr>
+          <a:lstStyle/>
+          <a:p>
+            <a:pPr marL="0" marR="0" indent="0" algn="l" defTabSz="914400" rtl="0" eaLnBrk="1" fontAlgn="base" latinLnBrk="0" hangingPunct="1">
+              <a:lnSpc>
+                <a:spcPct val="100000"/>
+              </a:lnSpc>
+              <a:spcBef>
+                <a:spcPct val="0"/>
+              </a:spcBef>
+              <a:spcAft>
+                <a:spcPct val="0"/>
+              </a:spcAft>
+              <a:buClrTx/>
+              <a:buSzTx/>
+              <a:buFontTx/>
+              <a:buNone/>
+              <a:tabLst/>
+            </a:pPr>
+            <a:endParaRPr kumimoji="0" lang="en-US" sz="3600" b="0" i="0" u="none" strike="noStrike" cap="none" normalizeH="0" baseline="0" smtClean="0">
+              <a:ln>
+                <a:noFill/>
+              </a:ln>
+              <a:solidFill>
+                <a:schemeClr val="tx2"/>
+              </a:solidFill>
+              <a:effectLst/>
+              <a:latin typeface="Futura LT Book" pitchFamily="2" charset="0"/>
+              <a:ea typeface="굴림" pitchFamily="34" charset="-127"/>
+            </a:endParaRPr>
+          </a:p>
+        </p:txBody>
+      </p:sp>
+      <p:sp>
+        <p:nvSpPr>
+          <p:cNvPr id="55" name="TextBox 54"/>
+          <p:cNvSpPr txBox="1"/>
+          <p:nvPr/>
+        </p:nvSpPr>
+        <p:spPr>
+          <a:xfrm>
+            <a:off x="2153816" y="3541618"/>
+            <a:ext cx="240961" cy="400110"/>
+          </a:xfrm>
+          <a:prstGeom prst="rect">
+            <a:avLst/>
+          </a:prstGeom>
+          <a:noFill/>
+        </p:spPr>
+        <p:txBody>
+          <a:bodyPr wrap="square" rtlCol="0">
+            <a:spAutoFit/>
+          </a:bodyPr>
+          <a:lstStyle/>
+          <a:p>
+            <a:r>
+              <a:rPr lang="en-US" sz="2000" dirty="0"/>
+              <a:t>1</a:t>
+            </a:r>
+          </a:p>
+        </p:txBody>
+      </p:sp>
+      <p:sp>
+        <p:nvSpPr>
+          <p:cNvPr id="56" name="TextBox 55"/>
+          <p:cNvSpPr txBox="1"/>
+          <p:nvPr/>
+        </p:nvSpPr>
+        <p:spPr>
+          <a:xfrm>
+            <a:off x="1676400" y="4683382"/>
+            <a:ext cx="209549" cy="400110"/>
+          </a:xfrm>
+          <a:prstGeom prst="rect">
+            <a:avLst/>
+          </a:prstGeom>
+          <a:noFill/>
+        </p:spPr>
+        <p:txBody>
+          <a:bodyPr wrap="square" rtlCol="0">
+            <a:spAutoFit/>
+          </a:bodyPr>
+          <a:lstStyle/>
+          <a:p>
+            <a:r>
+              <a:rPr lang="en-US" sz="2000" dirty="0" smtClean="0"/>
+              <a:t>2</a:t>
+            </a:r>
+            <a:endParaRPr lang="en-US" sz="2000" dirty="0"/>
+          </a:p>
+        </p:txBody>
+      </p:sp>
+      <p:sp>
+        <p:nvSpPr>
+          <p:cNvPr id="57" name="Freeform 56"/>
+          <p:cNvSpPr/>
+          <p:nvPr/>
+        </p:nvSpPr>
+        <p:spPr bwMode="auto">
+          <a:xfrm>
+            <a:off x="7328079" y="4391696"/>
+            <a:ext cx="1576932" cy="2373902"/>
+          </a:xfrm>
+          <a:custGeom>
+            <a:avLst/>
+            <a:gdLst>
+              <a:gd name="connsiteX0" fmla="*/ 0 w 1576932"/>
+              <a:gd name="connsiteY0" fmla="*/ 0 h 2373902"/>
+              <a:gd name="connsiteX1" fmla="*/ 1365160 w 1576932"/>
+              <a:gd name="connsiteY1" fmla="*/ 1171977 h 2373902"/>
+              <a:gd name="connsiteX2" fmla="*/ 1558344 w 1576932"/>
+              <a:gd name="connsiteY2" fmla="*/ 2305318 h 2373902"/>
+              <a:gd name="connsiteX3" fmla="*/ 1558344 w 1576932"/>
+              <a:gd name="connsiteY3" fmla="*/ 2150772 h 2373902"/>
+            </a:gdLst>
+            <a:ahLst/>
+            <a:cxnLst>
+              <a:cxn ang="0">
+                <a:pos x="connsiteX0" y="connsiteY0"/>
+              </a:cxn>
+              <a:cxn ang="0">
+                <a:pos x="connsiteX1" y="connsiteY1"/>
+              </a:cxn>
+              <a:cxn ang="0">
+                <a:pos x="connsiteX2" y="connsiteY2"/>
+              </a:cxn>
+              <a:cxn ang="0">
+                <a:pos x="connsiteX3" y="connsiteY3"/>
+              </a:cxn>
+            </a:cxnLst>
+            <a:rect l="l" t="t" r="r" b="b"/>
+            <a:pathLst>
+              <a:path w="1576932" h="2373902">
+                <a:moveTo>
+                  <a:pt x="0" y="0"/>
+                </a:moveTo>
+                <a:cubicBezTo>
+                  <a:pt x="552718" y="393878"/>
+                  <a:pt x="1105436" y="787757"/>
+                  <a:pt x="1365160" y="1171977"/>
+                </a:cubicBezTo>
+                <a:cubicBezTo>
+                  <a:pt x="1624884" y="1556197"/>
+                  <a:pt x="1526147" y="2142186"/>
+                  <a:pt x="1558344" y="2305318"/>
+                </a:cubicBezTo>
+                <a:cubicBezTo>
+                  <a:pt x="1590541" y="2468451"/>
+                  <a:pt x="1574442" y="2309611"/>
+                  <a:pt x="1558344" y="2150772"/>
+                </a:cubicBezTo>
+              </a:path>
+            </a:pathLst>
+          </a:custGeom>
+          <a:noFill/>
+          <a:ln w="9525" cap="flat" cmpd="sng" algn="ctr">
+            <a:solidFill>
+              <a:schemeClr val="tx1"/>
+            </a:solidFill>
+            <a:prstDash val="solid"/>
+            <a:round/>
+            <a:headEnd type="none" w="med" len="med"/>
+            <a:tailEnd type="none" w="med" len="med"/>
+          </a:ln>
+          <a:effectLst/>
+          <a:extLst>
+            <a:ext uri="{AF507438-7753-43E0-B8FC-AC1667EBCBE1}">
+              <a14:hiddenEffects xmlns:a14="http://schemas.microsoft.com/office/drawing/2010/main">
+                <a:effectLst>
+                  <a:outerShdw dist="35921" dir="2700000" algn="ctr" rotWithShape="0">
+                    <a:schemeClr val="bg2"/>
+                  </a:outerShdw>
+                </a:effectLst>
+              </a14:hiddenEffects>
+            </a:ext>
+          </a:extLst>
+        </p:spPr>
+        <p:txBody>
+          <a:bodyPr vert="horz" wrap="square" lIns="91440" tIns="45720" rIns="91440" bIns="45720" numCol="1" rtlCol="0" anchor="t" anchorCtr="0" compatLnSpc="1">
+            <a:prstTxWarp prst="textNoShape">
+              <a:avLst/>
+            </a:prstTxWarp>
+          </a:bodyPr>
+          <a:lstStyle/>
+          <a:p>
+            <a:pPr marL="0" marR="0" indent="0" algn="l" defTabSz="914400" rtl="0" eaLnBrk="1" fontAlgn="base" latinLnBrk="0" hangingPunct="1">
+              <a:lnSpc>
+                <a:spcPct val="100000"/>
+              </a:lnSpc>
+              <a:spcBef>
+                <a:spcPct val="0"/>
+              </a:spcBef>
+              <a:spcAft>
+                <a:spcPct val="0"/>
+              </a:spcAft>
+              <a:buClrTx/>
+              <a:buSzTx/>
+              <a:buFontTx/>
+              <a:buNone/>
+              <a:tabLst/>
+            </a:pPr>
+            <a:endParaRPr kumimoji="0" lang="en-US" sz="3600" b="0" i="0" u="none" strike="noStrike" cap="none" normalizeH="0" baseline="0" smtClean="0">
+              <a:ln>
+                <a:noFill/>
+              </a:ln>
+              <a:solidFill>
+                <a:schemeClr val="tx2"/>
+              </a:solidFill>
+              <a:effectLst/>
+              <a:latin typeface="Futura LT Book" pitchFamily="2" charset="0"/>
+              <a:ea typeface="굴림" pitchFamily="34" charset="-127"/>
+            </a:endParaRPr>
+          </a:p>
+        </p:txBody>
+      </p:sp>
+      <p:sp>
+        <p:nvSpPr>
+          <p:cNvPr id="58" name="TextBox 57"/>
+          <p:cNvSpPr txBox="1"/>
+          <p:nvPr/>
+        </p:nvSpPr>
+        <p:spPr>
+          <a:xfrm>
+            <a:off x="7659223" y="4391696"/>
+            <a:ext cx="562914" cy="400110"/>
+          </a:xfrm>
+          <a:prstGeom prst="rect">
+            <a:avLst/>
+          </a:prstGeom>
+          <a:noFill/>
+        </p:spPr>
+        <p:txBody>
+          <a:bodyPr wrap="square" rtlCol="0">
+            <a:spAutoFit/>
+          </a:bodyPr>
+          <a:lstStyle/>
+          <a:p>
+            <a:r>
+              <a:rPr lang="en-US" sz="2000" dirty="0" smtClean="0"/>
+              <a:t>1</a:t>
+            </a:r>
+            <a:endParaRPr lang="en-US" sz="2000" dirty="0"/>
+          </a:p>
+        </p:txBody>
+      </p:sp>
+      <p:sp>
+        <p:nvSpPr>
+          <p:cNvPr id="59" name="TextBox 58"/>
+          <p:cNvSpPr txBox="1"/>
+          <p:nvPr/>
+        </p:nvSpPr>
+        <p:spPr>
+          <a:xfrm>
+            <a:off x="8686800" y="6453188"/>
+            <a:ext cx="381000" cy="400110"/>
+          </a:xfrm>
+          <a:prstGeom prst="rect">
+            <a:avLst/>
+          </a:prstGeom>
+          <a:noFill/>
+        </p:spPr>
+        <p:txBody>
+          <a:bodyPr wrap="square" rtlCol="0">
+            <a:spAutoFit/>
+          </a:bodyPr>
+          <a:lstStyle/>
+          <a:p>
+            <a:r>
+              <a:rPr lang="en-US" sz="2000" dirty="0" smtClean="0"/>
+              <a:t>2</a:t>
+            </a:r>
+            <a:endParaRPr lang="en-US" sz="2000" dirty="0"/>
+          </a:p>
+        </p:txBody>
+      </p:sp>
+      <p:sp>
+        <p:nvSpPr>
+          <p:cNvPr id="60" name="TextBox 59"/>
+          <p:cNvSpPr txBox="1"/>
+          <p:nvPr/>
+        </p:nvSpPr>
+        <p:spPr>
+          <a:xfrm>
+            <a:off x="304800" y="5486400"/>
+            <a:ext cx="2089977" cy="1015663"/>
+          </a:xfrm>
+          <a:prstGeom prst="rect">
+            <a:avLst/>
+          </a:prstGeom>
+          <a:noFill/>
+        </p:spPr>
+        <p:txBody>
+          <a:bodyPr wrap="square" rtlCol="0">
+            <a:spAutoFit/>
+          </a:bodyPr>
+          <a:lstStyle/>
+          <a:p>
+            <a:r>
+              <a:rPr lang="en-US" sz="2000" dirty="0" smtClean="0"/>
+              <a:t>Total Black nodes from root to leaves =2</a:t>
+            </a:r>
+            <a:endParaRPr lang="en-US" sz="2000" dirty="0"/>
+          </a:p>
+        </p:txBody>
+      </p:sp>
+    </p:spTree>
+    <p:extLst>
+      <p:ext uri="{BB962C8B-B14F-4D97-AF65-F5344CB8AC3E}">
+        <p14:creationId xmlns:p14="http://schemas.microsoft.com/office/powerpoint/2010/main" val="2515545673"/>
+      </p:ext>
+    </p:extLst>
+  </p:cSld>
+  <p:clrMapOvr>
+    <a:masterClrMapping/>
+  </p:clrMapOvr>
+</p:sld>
+</file>
+
+<file path=ppt/slides/slide6.xml><?xml version="1.0" encoding="utf-8"?>
+<p:sld xmlns:a="http://schemas.openxmlformats.org/drawingml/2006/main" xmlns:r="http://schemas.openxmlformats.org/officeDocument/2006/relationships" xmlns:p="http://schemas.openxmlformats.org/presentationml/2006/main">
+  <p:cSld>
+    <p:spTree>
+      <p:nvGrpSpPr>
+        <p:cNvPr id="1" name=""/>
+        <p:cNvGrpSpPr/>
+        <p:nvPr/>
+      </p:nvGrpSpPr>
+      <p:grpSpPr>
+        <a:xfrm>
+          <a:off x="0" y="0"/>
+          <a:ext cx="0" cy="0"/>
+          <a:chOff x="0" y="0"/>
+          <a:chExt cx="0" cy="0"/>
+        </a:xfrm>
+      </p:grpSpPr>
+      <p:sp>
+        <p:nvSpPr>
           <p:cNvPr id="6" name="Slide Number Placeholder 5"/>
           <p:cNvSpPr>
             <a:spLocks noGrp="1"/>
@@ -9002,17 +12510,42 @@
             <a:fld id="{2089B31F-D0E7-4BF9-AC86-28FA790973BB}" type="slidenum">
               <a:rPr lang="ru-RU" altLang="en-US"/>
               <a:pPr/>
-              <a:t>4</a:t>
+              <a:t>6</a:t>
             </a:fld>
             <a:endParaRPr lang="ru-RU" altLang="en-US"/>
           </a:p>
         </p:txBody>
       </p:sp>
-      <p:sp>
-        <p:nvSpPr>
-          <p:cNvPr id="195586" name="Rectangle 2"/>
+    </p:spTree>
+  </p:cSld>
+  <p:clrMapOvr>
+    <a:masterClrMapping/>
+  </p:clrMapOvr>
+</p:sld>
+</file>
+
+<file path=ppt/slides/slide7.xml><?xml version="1.0" encoding="utf-8"?>
+<p:sld xmlns:a="http://schemas.openxmlformats.org/drawingml/2006/main" xmlns:r="http://schemas.openxmlformats.org/officeDocument/2006/relationships" xmlns:p="http://schemas.openxmlformats.org/presentationml/2006/main">
+  <p:cSld>
+    <p:spTree>
+      <p:nvGrpSpPr>
+        <p:cNvPr id="1" name=""/>
+        <p:cNvGrpSpPr/>
+        <p:nvPr/>
+      </p:nvGrpSpPr>
+      <p:grpSpPr>
+        <a:xfrm>
+          <a:off x="0" y="0"/>
+          <a:ext cx="0" cy="0"/>
+          <a:chOff x="0" y="0"/>
+          <a:chExt cx="0" cy="0"/>
+        </a:xfrm>
+      </p:grpSpPr>
+      <p:sp>
+        <p:nvSpPr>
+          <p:cNvPr id="2" name="Title 1"/>
           <p:cNvSpPr>
-            <a:spLocks noGrp="1" noChangeArrowheads="1"/>
+            <a:spLocks noGrp="1"/>
           </p:cNvSpPr>
           <p:nvPr>
             <p:ph type="title"/>
@@ -9020,8 +12553,8 @@
         </p:nvSpPr>
         <p:spPr>
           <a:xfrm>
-            <a:off x="1908175" y="346075"/>
-            <a:ext cx="6911975" cy="922338"/>
+            <a:off x="3657600" y="2667000"/>
+            <a:ext cx="3276600" cy="1143000"/>
           </a:xfrm>
         </p:spPr>
         <p:txBody>
@@ -9029,75 +12562,43 @@
           <a:lstStyle/>
           <a:p>
             <a:r>
-              <a:rPr lang="en-US" altLang="en-US"/>
-              <a:t>Click to add title</a:t>
-            </a:r>
-          </a:p>
-        </p:txBody>
-      </p:sp>
-      <p:sp>
-        <p:nvSpPr>
-          <p:cNvPr id="195587" name="Rectangle 3"/>
+              <a:rPr lang="en-US" dirty="0" smtClean="0"/>
+              <a:t>THANK YOU!</a:t>
+            </a:r>
+            <a:endParaRPr lang="en-US" dirty="0"/>
+          </a:p>
+        </p:txBody>
+      </p:sp>
+      <p:sp>
+        <p:nvSpPr>
+          <p:cNvPr id="4" name="Slide Number Placeholder 3"/>
           <p:cNvSpPr>
-            <a:spLocks noGrp="1" noChangeArrowheads="1"/>
+            <a:spLocks noGrp="1"/>
           </p:cNvSpPr>
           <p:nvPr>
-            <p:ph type="body" idx="1"/>
+            <p:ph type="sldNum" sz="quarter" idx="12"/>
           </p:nvPr>
         </p:nvSpPr>
-        <p:spPr>
-          <a:xfrm>
-            <a:off x="1908175" y="1341438"/>
-            <a:ext cx="6911975" cy="5183187"/>
-          </a:xfrm>
-        </p:spPr>
+        <p:spPr/>
         <p:txBody>
           <a:bodyPr/>
           <a:lstStyle/>
           <a:p>
-            <a:r>
-              <a:rPr lang="en-US" altLang="ko-KR">
-                <a:ea typeface="굴림" pitchFamily="34" charset="-127"/>
-              </a:rPr>
-              <a:t>Your Text here</a:t>
-            </a:r>
-          </a:p>
-          <a:p>
-            <a:endParaRPr lang="en-US" altLang="ko-KR">
-              <a:ea typeface="굴림" pitchFamily="34" charset="-127"/>
-            </a:endParaRPr>
-          </a:p>
-          <a:p>
-            <a:r>
-              <a:rPr lang="ru-RU" altLang="ko-KR">
-                <a:ea typeface="굴림" pitchFamily="34" charset="-127"/>
-              </a:rPr>
-              <a:t>Lorem ipsum dolor sit amet, consectetuer adipiscing elit, sed diam nonummy nibh euismod tincidunt ut laoreet dolore magna aliquam erat volutpat. Ut wisi enim ad minim veniam, quis nostrud exerci tation ullamcorper suscipit lobortis nisl ut aliquip ex ea commodo consequat. </a:t>
-            </a:r>
-            <a:endParaRPr lang="en-US" altLang="ko-KR">
-              <a:ea typeface="굴림" pitchFamily="34" charset="-127"/>
-            </a:endParaRPr>
-          </a:p>
-          <a:p>
-            <a:endParaRPr lang="en-US" altLang="ko-KR">
-              <a:ea typeface="굴림" pitchFamily="34" charset="-127"/>
-            </a:endParaRPr>
-          </a:p>
-          <a:p>
-            <a:r>
-              <a:rPr lang="ru-RU" altLang="ko-KR">
-                <a:ea typeface="굴림" pitchFamily="34" charset="-127"/>
-              </a:rPr>
-              <a:t>Duis autem vel eum iriure dolor in hendrerit in vulputate velit esse molestie consequat, vel illum dolore eu feugiat nulla facilisis at vero eros et accumsan et iusto odio dignissim qui blandit praesent luptatum zzril delenit augue duis dolore te feugait nulla facilisi. </a:t>
-            </a:r>
-            <a:endParaRPr lang="uk-UA" altLang="en-US"/>
-          </a:p>
-          <a:p>
-            <a:endParaRPr lang="en-US" altLang="en-US"/>
+            <a:fld id="{DC648F6B-E850-4720-B097-9A485469B1BB}" type="slidenum">
+              <a:rPr lang="ru-RU" altLang="en-US" smtClean="0"/>
+              <a:pPr/>
+              <a:t>7</a:t>
+            </a:fld>
+            <a:endParaRPr lang="ru-RU" altLang="en-US"/>
           </a:p>
         </p:txBody>
       </p:sp>
     </p:spTree>
+    <p:extLst>
+      <p:ext uri="{BB962C8B-B14F-4D97-AF65-F5344CB8AC3E}">
+        <p14:creationId xmlns:p14="http://schemas.microsoft.com/office/powerpoint/2010/main" val="2967516767"/>
+      </p:ext>
+    </p:extLst>
   </p:cSld>
   <p:clrMapOvr>
     <a:masterClrMapping/>

--- a/RedBlack.pptx
+++ b/RedBlack.pptx
@@ -6,19 +6,20 @@
     <p:sldMasterId id="2147483650" r:id="rId2"/>
   </p:sldMasterIdLst>
   <p:notesMasterIdLst>
-    <p:notesMasterId r:id="rId10"/>
+    <p:notesMasterId r:id="rId11"/>
   </p:notesMasterIdLst>
   <p:handoutMasterIdLst>
-    <p:handoutMasterId r:id="rId11"/>
+    <p:handoutMasterId r:id="rId12"/>
   </p:handoutMasterIdLst>
   <p:sldIdLst>
     <p:sldId id="256" r:id="rId3"/>
     <p:sldId id="260" r:id="rId4"/>
     <p:sldId id="257" r:id="rId5"/>
     <p:sldId id="261" r:id="rId6"/>
-    <p:sldId id="262" r:id="rId7"/>
-    <p:sldId id="259" r:id="rId8"/>
-    <p:sldId id="263" r:id="rId9"/>
+    <p:sldId id="264" r:id="rId7"/>
+    <p:sldId id="262" r:id="rId8"/>
+    <p:sldId id="265" r:id="rId9"/>
+    <p:sldId id="263" r:id="rId10"/>
   </p:sldIdLst>
   <p:sldSz cx="9144000" cy="6858000" type="screen4x3"/>
   <p:notesSz cx="6858000" cy="9144000"/>
@@ -10522,6 +10523,44 @@
       </p:grpSpPr>
       <p:sp>
         <p:nvSpPr>
+          <p:cNvPr id="2" name="Title 1"/>
+          <p:cNvSpPr>
+            <a:spLocks noGrp="1"/>
+          </p:cNvSpPr>
+          <p:nvPr>
+            <p:ph type="title"/>
+          </p:nvPr>
+        </p:nvSpPr>
+        <p:spPr/>
+        <p:txBody>
+          <a:bodyPr/>
+          <a:lstStyle/>
+          <a:p>
+            <a:endParaRPr lang="en-US"/>
+          </a:p>
+        </p:txBody>
+      </p:sp>
+      <p:sp>
+        <p:nvSpPr>
+          <p:cNvPr id="3" name="Content Placeholder 2"/>
+          <p:cNvSpPr>
+            <a:spLocks noGrp="1"/>
+          </p:cNvSpPr>
+          <p:nvPr>
+            <p:ph idx="1"/>
+          </p:nvPr>
+        </p:nvSpPr>
+        <p:spPr/>
+        <p:txBody>
+          <a:bodyPr/>
+          <a:lstStyle/>
+          <a:p>
+            <a:endParaRPr lang="en-US"/>
+          </a:p>
+        </p:txBody>
+      </p:sp>
+      <p:sp>
+        <p:nvSpPr>
           <p:cNvPr id="4" name="Slide Number Placeholder 3"/>
           <p:cNvSpPr>
             <a:spLocks noGrp="1"/>
@@ -10539,6 +10578,60 @@
               <a:rPr lang="ru-RU" altLang="en-US" smtClean="0"/>
               <a:pPr/>
               <a:t>5</a:t>
+            </a:fld>
+            <a:endParaRPr lang="ru-RU" altLang="en-US"/>
+          </a:p>
+        </p:txBody>
+      </p:sp>
+    </p:spTree>
+    <p:extLst>
+      <p:ext uri="{BB962C8B-B14F-4D97-AF65-F5344CB8AC3E}">
+        <p14:creationId xmlns:p14="http://schemas.microsoft.com/office/powerpoint/2010/main" val="3292916535"/>
+      </p:ext>
+    </p:extLst>
+  </p:cSld>
+  <p:clrMapOvr>
+    <a:masterClrMapping/>
+  </p:clrMapOvr>
+</p:sld>
+</file>
+
+<file path=ppt/slides/slide6.xml><?xml version="1.0" encoding="utf-8"?>
+<p:sld xmlns:a="http://schemas.openxmlformats.org/drawingml/2006/main" xmlns:r="http://schemas.openxmlformats.org/officeDocument/2006/relationships" xmlns:p="http://schemas.openxmlformats.org/presentationml/2006/main">
+  <p:cSld>
+    <p:spTree>
+      <p:nvGrpSpPr>
+        <p:cNvPr id="1" name=""/>
+        <p:cNvGrpSpPr/>
+        <p:nvPr/>
+      </p:nvGrpSpPr>
+      <p:grpSpPr>
+        <a:xfrm>
+          <a:off x="0" y="0"/>
+          <a:ext cx="0" cy="0"/>
+          <a:chOff x="0" y="0"/>
+          <a:chExt cx="0" cy="0"/>
+        </a:xfrm>
+      </p:grpSpPr>
+      <p:sp>
+        <p:nvSpPr>
+          <p:cNvPr id="4" name="Slide Number Placeholder 3"/>
+          <p:cNvSpPr>
+            <a:spLocks noGrp="1"/>
+          </p:cNvSpPr>
+          <p:nvPr>
+            <p:ph type="sldNum" sz="quarter" idx="12"/>
+          </p:nvPr>
+        </p:nvSpPr>
+        <p:spPr/>
+        <p:txBody>
+          <a:bodyPr/>
+          <a:lstStyle/>
+          <a:p>
+            <a:fld id="{D3BD345E-2A33-44BF-900A-E35B6218E90E}" type="slidenum">
+              <a:rPr lang="ru-RU" altLang="en-US" smtClean="0"/>
+              <a:pPr/>
+              <a:t>6</a:t>
             </a:fld>
             <a:endParaRPr lang="ru-RU" altLang="en-US"/>
           </a:p>
@@ -12475,55 +12568,6 @@
 </p:sld>
 </file>
 
-<file path=ppt/slides/slide6.xml><?xml version="1.0" encoding="utf-8"?>
-<p:sld xmlns:a="http://schemas.openxmlformats.org/drawingml/2006/main" xmlns:r="http://schemas.openxmlformats.org/officeDocument/2006/relationships" xmlns:p="http://schemas.openxmlformats.org/presentationml/2006/main">
-  <p:cSld>
-    <p:spTree>
-      <p:nvGrpSpPr>
-        <p:cNvPr id="1" name=""/>
-        <p:cNvGrpSpPr/>
-        <p:nvPr/>
-      </p:nvGrpSpPr>
-      <p:grpSpPr>
-        <a:xfrm>
-          <a:off x="0" y="0"/>
-          <a:ext cx="0" cy="0"/>
-          <a:chOff x="0" y="0"/>
-          <a:chExt cx="0" cy="0"/>
-        </a:xfrm>
-      </p:grpSpPr>
-      <p:sp>
-        <p:nvSpPr>
-          <p:cNvPr id="6" name="Slide Number Placeholder 5"/>
-          <p:cNvSpPr>
-            <a:spLocks noGrp="1"/>
-          </p:cNvSpPr>
-          <p:nvPr>
-            <p:ph type="sldNum" sz="quarter" idx="12"/>
-          </p:nvPr>
-        </p:nvSpPr>
-        <p:spPr/>
-        <p:txBody>
-          <a:bodyPr/>
-          <a:lstStyle/>
-          <a:p>
-            <a:fld id="{2089B31F-D0E7-4BF9-AC86-28FA790973BB}" type="slidenum">
-              <a:rPr lang="ru-RU" altLang="en-US"/>
-              <a:pPr/>
-              <a:t>6</a:t>
-            </a:fld>
-            <a:endParaRPr lang="ru-RU" altLang="en-US"/>
-          </a:p>
-        </p:txBody>
-      </p:sp>
-    </p:spTree>
-  </p:cSld>
-  <p:clrMapOvr>
-    <a:masterClrMapping/>
-  </p:clrMapOvr>
-</p:sld>
-</file>
-
 <file path=ppt/slides/slide7.xml><?xml version="1.0" encoding="utf-8"?>
 <p:sld xmlns:a="http://schemas.openxmlformats.org/drawingml/2006/main" xmlns:r="http://schemas.openxmlformats.org/officeDocument/2006/relationships" xmlns:p="http://schemas.openxmlformats.org/presentationml/2006/main">
   <p:cSld>
@@ -12551,20 +12595,61 @@
             <p:ph type="title"/>
           </p:nvPr>
         </p:nvSpPr>
-        <p:spPr>
-          <a:xfrm>
-            <a:off x="3657600" y="2667000"/>
-            <a:ext cx="3276600" cy="1143000"/>
-          </a:xfrm>
-        </p:spPr>
+        <p:spPr/>
         <p:txBody>
           <a:bodyPr/>
           <a:lstStyle/>
           <a:p>
             <a:r>
               <a:rPr lang="en-US" dirty="0" smtClean="0"/>
-              <a:t>THANK YOU!</a:t>
-            </a:r>
+              <a:t>Basic Operations</a:t>
+            </a:r>
+            <a:endParaRPr lang="en-US" dirty="0"/>
+          </a:p>
+        </p:txBody>
+      </p:sp>
+      <p:sp>
+        <p:nvSpPr>
+          <p:cNvPr id="3" name="Content Placeholder 2"/>
+          <p:cNvSpPr>
+            <a:spLocks noGrp="1"/>
+          </p:cNvSpPr>
+          <p:nvPr>
+            <p:ph idx="1"/>
+          </p:nvPr>
+        </p:nvSpPr>
+        <p:spPr/>
+        <p:txBody>
+          <a:bodyPr/>
+          <a:lstStyle/>
+          <a:p>
+            <a:r>
+              <a:rPr lang="en-US" dirty="0" smtClean="0"/>
+              <a:t>Searching </a:t>
+            </a:r>
+          </a:p>
+          <a:p>
+            <a:r>
+              <a:rPr lang="en-US" dirty="0" smtClean="0"/>
+              <a:t>Insertion </a:t>
+            </a:r>
+          </a:p>
+          <a:p>
+            <a:r>
+              <a:rPr lang="en-US" dirty="0" smtClean="0"/>
+              <a:t>Deletion</a:t>
+            </a:r>
+          </a:p>
+          <a:p>
+            <a:pPr marL="0" indent="0">
+              <a:buNone/>
+            </a:pPr>
+            <a:endParaRPr lang="en-US" dirty="0" smtClean="0"/>
+          </a:p>
+          <a:p>
+            <a:pPr marL="0" indent="0">
+              <a:buNone/>
+            </a:pPr>
             <a:endParaRPr lang="en-US" dirty="0"/>
           </a:p>
         </p:txBody>
@@ -12584,10 +12669,92 @@
           <a:bodyPr/>
           <a:lstStyle/>
           <a:p>
+            <a:fld id="{D3BD345E-2A33-44BF-900A-E35B6218E90E}" type="slidenum">
+              <a:rPr lang="ru-RU" altLang="en-US" smtClean="0"/>
+              <a:pPr/>
+              <a:t>7</a:t>
+            </a:fld>
+            <a:endParaRPr lang="ru-RU" altLang="en-US"/>
+          </a:p>
+        </p:txBody>
+      </p:sp>
+    </p:spTree>
+    <p:extLst>
+      <p:ext uri="{BB962C8B-B14F-4D97-AF65-F5344CB8AC3E}">
+        <p14:creationId xmlns:p14="http://schemas.microsoft.com/office/powerpoint/2010/main" val="2026787380"/>
+      </p:ext>
+    </p:extLst>
+  </p:cSld>
+  <p:clrMapOvr>
+    <a:masterClrMapping/>
+  </p:clrMapOvr>
+</p:sld>
+</file>
+
+<file path=ppt/slides/slide8.xml><?xml version="1.0" encoding="utf-8"?>
+<p:sld xmlns:a="http://schemas.openxmlformats.org/drawingml/2006/main" xmlns:r="http://schemas.openxmlformats.org/officeDocument/2006/relationships" xmlns:p="http://schemas.openxmlformats.org/presentationml/2006/main">
+  <p:cSld>
+    <p:spTree>
+      <p:nvGrpSpPr>
+        <p:cNvPr id="1" name=""/>
+        <p:cNvGrpSpPr/>
+        <p:nvPr/>
+      </p:nvGrpSpPr>
+      <p:grpSpPr>
+        <a:xfrm>
+          <a:off x="0" y="0"/>
+          <a:ext cx="0" cy="0"/>
+          <a:chOff x="0" y="0"/>
+          <a:chExt cx="0" cy="0"/>
+        </a:xfrm>
+      </p:grpSpPr>
+      <p:sp>
+        <p:nvSpPr>
+          <p:cNvPr id="2" name="Title 1"/>
+          <p:cNvSpPr>
+            <a:spLocks noGrp="1"/>
+          </p:cNvSpPr>
+          <p:nvPr>
+            <p:ph type="title"/>
+          </p:nvPr>
+        </p:nvSpPr>
+        <p:spPr>
+          <a:xfrm>
+            <a:off x="3657600" y="2667000"/>
+            <a:ext cx="3276600" cy="1143000"/>
+          </a:xfrm>
+        </p:spPr>
+        <p:txBody>
+          <a:bodyPr/>
+          <a:lstStyle/>
+          <a:p>
+            <a:r>
+              <a:rPr lang="en-US" dirty="0" smtClean="0"/>
+              <a:t>THANK YOU!</a:t>
+            </a:r>
+            <a:endParaRPr lang="en-US" dirty="0"/>
+          </a:p>
+        </p:txBody>
+      </p:sp>
+      <p:sp>
+        <p:nvSpPr>
+          <p:cNvPr id="4" name="Slide Number Placeholder 3"/>
+          <p:cNvSpPr>
+            <a:spLocks noGrp="1"/>
+          </p:cNvSpPr>
+          <p:nvPr>
+            <p:ph type="sldNum" sz="quarter" idx="12"/>
+          </p:nvPr>
+        </p:nvSpPr>
+        <p:spPr/>
+        <p:txBody>
+          <a:bodyPr/>
+          <a:lstStyle/>
+          <a:p>
             <a:fld id="{DC648F6B-E850-4720-B097-9A485469B1BB}" type="slidenum">
               <a:rPr lang="ru-RU" altLang="en-US" smtClean="0"/>
               <a:pPr/>
-              <a:t>7</a:t>
+              <a:t>8</a:t>
             </a:fld>
             <a:endParaRPr lang="ru-RU" altLang="en-US"/>
           </a:p>

--- a/RedBlack.pptx
+++ b/RedBlack.pptx
@@ -6,20 +6,19 @@
     <p:sldMasterId id="2147483650" r:id="rId2"/>
   </p:sldMasterIdLst>
   <p:notesMasterIdLst>
-    <p:notesMasterId r:id="rId11"/>
+    <p:notesMasterId r:id="rId10"/>
   </p:notesMasterIdLst>
   <p:handoutMasterIdLst>
-    <p:handoutMasterId r:id="rId12"/>
+    <p:handoutMasterId r:id="rId11"/>
   </p:handoutMasterIdLst>
   <p:sldIdLst>
     <p:sldId id="256" r:id="rId3"/>
     <p:sldId id="260" r:id="rId4"/>
     <p:sldId id="257" r:id="rId5"/>
     <p:sldId id="261" r:id="rId6"/>
-    <p:sldId id="264" r:id="rId7"/>
-    <p:sldId id="262" r:id="rId8"/>
-    <p:sldId id="265" r:id="rId9"/>
-    <p:sldId id="263" r:id="rId10"/>
+    <p:sldId id="262" r:id="rId7"/>
+    <p:sldId id="265" r:id="rId8"/>
+    <p:sldId id="263" r:id="rId9"/>
   </p:sldIdLst>
   <p:sldSz cx="9144000" cy="6858000" type="screen4x3"/>
   <p:notesSz cx="6858000" cy="9144000"/>
@@ -7198,1260 +7197,1521 @@
           <a:chExt cx="0" cy="0"/>
         </a:xfrm>
       </p:grpSpPr>
-      <p:sp>
-        <p:nvSpPr>
-          <p:cNvPr id="4" name="Slide Number Placeholder 3"/>
-          <p:cNvSpPr>
-            <a:spLocks noGrp="1"/>
-          </p:cNvSpPr>
-          <p:nvPr>
-            <p:ph type="sldNum" sz="quarter" idx="12"/>
-          </p:nvPr>
-        </p:nvSpPr>
-        <p:spPr/>
-        <p:txBody>
-          <a:bodyPr/>
-          <a:lstStyle/>
-          <a:p>
-            <a:fld id="{D3BD345E-2A33-44BF-900A-E35B6218E90E}" type="slidenum">
-              <a:rPr lang="ru-RU" altLang="en-US" smtClean="0"/>
-              <a:pPr/>
-              <a:t>2</a:t>
-            </a:fld>
-            <a:endParaRPr lang="ru-RU" altLang="en-US"/>
-          </a:p>
-        </p:txBody>
-      </p:sp>
-      <p:sp>
-        <p:nvSpPr>
-          <p:cNvPr id="5" name="Oval 4"/>
-          <p:cNvSpPr/>
+      <p:grpSp>
+        <p:nvGrpSpPr>
+          <p:cNvPr id="3" name="Group 2"/>
+          <p:cNvGrpSpPr/>
           <p:nvPr/>
-        </p:nvSpPr>
-        <p:spPr bwMode="auto">
+        </p:nvGrpSpPr>
+        <p:grpSpPr>
           <a:xfrm>
-            <a:off x="3276600" y="381000"/>
-            <a:ext cx="762000" cy="838200"/>
+            <a:off x="1524000" y="1524000"/>
+            <a:ext cx="7315200" cy="4038600"/>
+            <a:chOff x="1905000" y="381000"/>
+            <a:chExt cx="7280856" cy="5717206"/>
           </a:xfrm>
-          <a:prstGeom prst="ellipse">
-            <a:avLst/>
-          </a:prstGeom>
-          <a:solidFill>
-            <a:schemeClr val="tx2"/>
-          </a:solidFill>
-          <a:ln w="9525" cap="flat" cmpd="sng" algn="ctr">
+        </p:grpSpPr>
+        <p:sp>
+          <p:nvSpPr>
+            <p:cNvPr id="5" name="Oval 4"/>
+            <p:cNvSpPr/>
+            <p:nvPr/>
+          </p:nvSpPr>
+          <p:spPr bwMode="auto">
+            <a:xfrm>
+              <a:off x="3276600" y="381000"/>
+              <a:ext cx="762000" cy="838200"/>
+            </a:xfrm>
+            <a:prstGeom prst="ellipse">
+              <a:avLst/>
+            </a:prstGeom>
             <a:solidFill>
-              <a:schemeClr val="tx1"/>
+              <a:schemeClr val="tx2"/>
             </a:solidFill>
-            <a:prstDash val="solid"/>
-            <a:round/>
-            <a:headEnd type="none" w="med" len="med"/>
-            <a:tailEnd type="none" w="med" len="med"/>
-          </a:ln>
-          <a:effectLst/>
-        </p:spPr>
-        <p:txBody>
-          <a:bodyPr vert="horz" wrap="square" lIns="91440" tIns="45720" rIns="91440" bIns="45720" numCol="1" rtlCol="0" anchor="t" anchorCtr="0" compatLnSpc="1">
-            <a:prstTxWarp prst="textNoShape">
+            <a:ln w="9525" cap="flat" cmpd="sng" algn="ctr">
+              <a:solidFill>
+                <a:schemeClr val="tx1"/>
+              </a:solidFill>
+              <a:prstDash val="solid"/>
+              <a:round/>
+              <a:headEnd type="none" w="med" len="med"/>
+              <a:tailEnd type="none" w="med" len="med"/>
+            </a:ln>
+            <a:effectLst/>
+          </p:spPr>
+          <p:txBody>
+            <a:bodyPr vert="horz" wrap="square" lIns="91440" tIns="45720" rIns="91440" bIns="45720" numCol="1" rtlCol="0" anchor="t" anchorCtr="0" compatLnSpc="1">
+              <a:prstTxWarp prst="textNoShape">
+                <a:avLst/>
+              </a:prstTxWarp>
+            </a:bodyPr>
+            <a:lstStyle/>
+            <a:p>
+              <a:pPr marL="0" marR="0" indent="0" algn="l" defTabSz="914400" rtl="0" eaLnBrk="1" fontAlgn="base" latinLnBrk="0" hangingPunct="1">
+                <a:lnSpc>
+                  <a:spcPct val="100000"/>
+                </a:lnSpc>
+                <a:spcBef>
+                  <a:spcPct val="0"/>
+                </a:spcBef>
+                <a:spcAft>
+                  <a:spcPct val="0"/>
+                </a:spcAft>
+                <a:buClrTx/>
+                <a:buSzTx/>
+                <a:buFontTx/>
+                <a:buNone/>
+                <a:tabLst/>
+              </a:pPr>
+              <a:r>
+                <a:rPr kumimoji="0" lang="en-US" sz="3600" b="0" i="0" u="none" strike="noStrike" cap="none" normalizeH="0" baseline="0" dirty="0" smtClean="0">
+                  <a:ln>
+                    <a:noFill/>
+                  </a:ln>
+                  <a:solidFill>
+                    <a:schemeClr val="bg1"/>
+                  </a:solidFill>
+                  <a:effectLst/>
+                  <a:latin typeface="Futura LT Book" pitchFamily="2" charset="0"/>
+                  <a:ea typeface="굴림" pitchFamily="34" charset="-127"/>
+                </a:rPr>
+                <a:t>8</a:t>
+              </a:r>
+            </a:p>
+          </p:txBody>
+        </p:sp>
+        <p:sp>
+          <p:nvSpPr>
+            <p:cNvPr id="6" name="Oval 5"/>
+            <p:cNvSpPr/>
+            <p:nvPr/>
+          </p:nvSpPr>
+          <p:spPr bwMode="auto">
+            <a:xfrm>
+              <a:off x="2286000" y="1676400"/>
+              <a:ext cx="762000" cy="838200"/>
+            </a:xfrm>
+            <a:prstGeom prst="ellipse">
               <a:avLst/>
-            </a:prstTxWarp>
-          </a:bodyPr>
-          <a:lstStyle/>
-          <a:p>
-            <a:pPr marL="0" marR="0" indent="0" algn="l" defTabSz="914400" rtl="0" eaLnBrk="1" fontAlgn="base" latinLnBrk="0" hangingPunct="1">
-              <a:lnSpc>
-                <a:spcPct val="100000"/>
-              </a:lnSpc>
-              <a:spcBef>
-                <a:spcPct val="0"/>
-              </a:spcBef>
-              <a:spcAft>
-                <a:spcPct val="0"/>
-              </a:spcAft>
-              <a:buClrTx/>
-              <a:buSzTx/>
-              <a:buFontTx/>
-              <a:buNone/>
-              <a:tabLst/>
-            </a:pPr>
-            <a:r>
-              <a:rPr kumimoji="0" lang="en-US" sz="3600" b="0" i="0" u="none" strike="noStrike" cap="none" normalizeH="0" baseline="0" dirty="0" smtClean="0">
-                <a:ln>
-                  <a:noFill/>
-                </a:ln>
-                <a:solidFill>
-                  <a:schemeClr val="bg1"/>
-                </a:solidFill>
-                <a:effectLst/>
-                <a:latin typeface="Futura LT Book" pitchFamily="2" charset="0"/>
-                <a:ea typeface="굴림" pitchFamily="34" charset="-127"/>
-              </a:rPr>
-              <a:t>8</a:t>
-            </a:r>
-          </a:p>
-        </p:txBody>
-      </p:sp>
-      <p:sp>
-        <p:nvSpPr>
-          <p:cNvPr id="6" name="Oval 5"/>
-          <p:cNvSpPr/>
-          <p:nvPr/>
-        </p:nvSpPr>
-        <p:spPr bwMode="auto">
-          <a:xfrm>
-            <a:off x="2286000" y="1676400"/>
-            <a:ext cx="762000" cy="838200"/>
-          </a:xfrm>
-          <a:prstGeom prst="ellipse">
-            <a:avLst/>
-          </a:prstGeom>
-          <a:solidFill>
-            <a:schemeClr val="tx2"/>
-          </a:solidFill>
-          <a:ln w="9525" cap="flat" cmpd="sng" algn="ctr">
+            </a:prstGeom>
             <a:solidFill>
-              <a:schemeClr val="tx1"/>
+              <a:schemeClr val="tx2"/>
             </a:solidFill>
-            <a:prstDash val="solid"/>
-            <a:round/>
-            <a:headEnd type="none" w="med" len="med"/>
-            <a:tailEnd type="none" w="med" len="med"/>
-          </a:ln>
-          <a:effectLst/>
-        </p:spPr>
-        <p:txBody>
-          <a:bodyPr vert="horz" wrap="square" lIns="91440" tIns="45720" rIns="91440" bIns="45720" numCol="1" rtlCol="0" anchor="t" anchorCtr="0" compatLnSpc="1">
-            <a:prstTxWarp prst="textNoShape">
+            <a:ln w="9525" cap="flat" cmpd="sng" algn="ctr">
+              <a:solidFill>
+                <a:schemeClr val="tx1"/>
+              </a:solidFill>
+              <a:prstDash val="solid"/>
+              <a:round/>
+              <a:headEnd type="none" w="med" len="med"/>
+              <a:tailEnd type="none" w="med" len="med"/>
+            </a:ln>
+            <a:effectLst/>
+          </p:spPr>
+          <p:txBody>
+            <a:bodyPr vert="horz" wrap="square" lIns="91440" tIns="45720" rIns="91440" bIns="45720" numCol="1" rtlCol="0" anchor="t" anchorCtr="0" compatLnSpc="1">
+              <a:prstTxWarp prst="textNoShape">
+                <a:avLst/>
+              </a:prstTxWarp>
+            </a:bodyPr>
+            <a:lstStyle/>
+            <a:p>
+              <a:pPr marL="0" marR="0" indent="0" algn="l" defTabSz="914400" rtl="0" eaLnBrk="1" fontAlgn="base" latinLnBrk="0" hangingPunct="1">
+                <a:lnSpc>
+                  <a:spcPct val="100000"/>
+                </a:lnSpc>
+                <a:spcBef>
+                  <a:spcPct val="0"/>
+                </a:spcBef>
+                <a:spcAft>
+                  <a:spcPct val="0"/>
+                </a:spcAft>
+                <a:buClrTx/>
+                <a:buSzTx/>
+                <a:buFontTx/>
+                <a:buNone/>
+                <a:tabLst/>
+              </a:pPr>
+              <a:r>
+                <a:rPr kumimoji="0" lang="en-US" sz="3600" b="0" i="0" u="none" strike="noStrike" cap="none" normalizeH="0" baseline="0" dirty="0" smtClean="0">
+                  <a:ln>
+                    <a:noFill/>
+                  </a:ln>
+                  <a:solidFill>
+                    <a:schemeClr val="bg1"/>
+                  </a:solidFill>
+                  <a:effectLst/>
+                  <a:latin typeface="Futura LT Book" pitchFamily="2" charset="0"/>
+                  <a:ea typeface="굴림" pitchFamily="34" charset="-127"/>
+                </a:rPr>
+                <a:t>5</a:t>
+              </a:r>
+            </a:p>
+          </p:txBody>
+        </p:sp>
+        <p:sp>
+          <p:nvSpPr>
+            <p:cNvPr id="7" name="Oval 6"/>
+            <p:cNvSpPr/>
+            <p:nvPr/>
+          </p:nvSpPr>
+          <p:spPr bwMode="auto">
+            <a:xfrm>
+              <a:off x="6587544" y="2971800"/>
+              <a:ext cx="762000" cy="838200"/>
+            </a:xfrm>
+            <a:prstGeom prst="ellipse">
               <a:avLst/>
-            </a:prstTxWarp>
-          </a:bodyPr>
-          <a:lstStyle/>
-          <a:p>
-            <a:pPr marL="0" marR="0" indent="0" algn="l" defTabSz="914400" rtl="0" eaLnBrk="1" fontAlgn="base" latinLnBrk="0" hangingPunct="1">
-              <a:lnSpc>
-                <a:spcPct val="100000"/>
-              </a:lnSpc>
-              <a:spcBef>
-                <a:spcPct val="0"/>
-              </a:spcBef>
-              <a:spcAft>
-                <a:spcPct val="0"/>
-              </a:spcAft>
-              <a:buClrTx/>
-              <a:buSzTx/>
-              <a:buFontTx/>
-              <a:buNone/>
-              <a:tabLst/>
-            </a:pPr>
-            <a:r>
-              <a:rPr kumimoji="0" lang="en-US" sz="3600" b="0" i="0" u="none" strike="noStrike" cap="none" normalizeH="0" baseline="0" dirty="0" smtClean="0">
-                <a:ln>
-                  <a:noFill/>
-                </a:ln>
-                <a:solidFill>
-                  <a:schemeClr val="bg1"/>
-                </a:solidFill>
-                <a:effectLst/>
-                <a:latin typeface="Futura LT Book" pitchFamily="2" charset="0"/>
-                <a:ea typeface="굴림" pitchFamily="34" charset="-127"/>
-              </a:rPr>
-              <a:t>5</a:t>
-            </a:r>
-          </a:p>
-        </p:txBody>
-      </p:sp>
-      <p:sp>
-        <p:nvSpPr>
-          <p:cNvPr id="7" name="Oval 6"/>
-          <p:cNvSpPr/>
-          <p:nvPr/>
-        </p:nvSpPr>
-        <p:spPr bwMode="auto">
-          <a:xfrm>
-            <a:off x="6587544" y="2971800"/>
-            <a:ext cx="762000" cy="838200"/>
-          </a:xfrm>
-          <a:prstGeom prst="ellipse">
-            <a:avLst/>
-          </a:prstGeom>
-          <a:solidFill>
-            <a:schemeClr val="tx2"/>
-          </a:solidFill>
-          <a:ln w="9525" cap="flat" cmpd="sng" algn="ctr">
+            </a:prstGeom>
             <a:solidFill>
-              <a:schemeClr val="tx1"/>
+              <a:schemeClr val="tx2"/>
             </a:solidFill>
-            <a:prstDash val="solid"/>
-            <a:round/>
-            <a:headEnd type="none" w="med" len="med"/>
-            <a:tailEnd type="none" w="med" len="med"/>
-          </a:ln>
-          <a:effectLst/>
-        </p:spPr>
-        <p:txBody>
-          <a:bodyPr vert="horz" wrap="square" lIns="91440" tIns="45720" rIns="91440" bIns="45720" numCol="1" rtlCol="0" anchor="t" anchorCtr="0" compatLnSpc="1">
-            <a:prstTxWarp prst="textNoShape">
+            <a:ln w="9525" cap="flat" cmpd="sng" algn="ctr">
+              <a:solidFill>
+                <a:schemeClr val="tx1"/>
+              </a:solidFill>
+              <a:prstDash val="solid"/>
+              <a:round/>
+              <a:headEnd type="none" w="med" len="med"/>
+              <a:tailEnd type="none" w="med" len="med"/>
+            </a:ln>
+            <a:effectLst/>
+          </p:spPr>
+          <p:txBody>
+            <a:bodyPr vert="horz" wrap="square" lIns="91440" tIns="45720" rIns="91440" bIns="45720" numCol="1" rtlCol="0" anchor="t" anchorCtr="0" compatLnSpc="1">
+              <a:prstTxWarp prst="textNoShape">
+                <a:avLst/>
+              </a:prstTxWarp>
+            </a:bodyPr>
+            <a:lstStyle/>
+            <a:p>
+              <a:pPr marL="0" marR="0" indent="0" algn="l" defTabSz="914400" rtl="0" eaLnBrk="1" fontAlgn="base" latinLnBrk="0" hangingPunct="1">
+                <a:lnSpc>
+                  <a:spcPct val="100000"/>
+                </a:lnSpc>
+                <a:spcBef>
+                  <a:spcPct val="0"/>
+                </a:spcBef>
+                <a:spcAft>
+                  <a:spcPct val="0"/>
+                </a:spcAft>
+                <a:buClrTx/>
+                <a:buSzTx/>
+                <a:buFontTx/>
+                <a:buNone/>
+                <a:tabLst/>
+              </a:pPr>
+              <a:r>
+                <a:rPr kumimoji="0" lang="en-US" sz="2400" b="0" i="0" u="none" strike="noStrike" cap="none" normalizeH="0" baseline="0" dirty="0" smtClean="0">
+                  <a:ln>
+                    <a:noFill/>
+                  </a:ln>
+                  <a:solidFill>
+                    <a:schemeClr val="bg1"/>
+                  </a:solidFill>
+                  <a:effectLst/>
+                  <a:latin typeface="Futura LT Book" pitchFamily="2" charset="0"/>
+                  <a:ea typeface="굴림" pitchFamily="34" charset="-127"/>
+                </a:rPr>
+                <a:t>14</a:t>
+              </a:r>
+            </a:p>
+          </p:txBody>
+        </p:sp>
+        <p:sp>
+          <p:nvSpPr>
+            <p:cNvPr id="8" name="Oval 7"/>
+            <p:cNvSpPr/>
+            <p:nvPr/>
+          </p:nvSpPr>
+          <p:spPr bwMode="auto">
+            <a:xfrm>
+              <a:off x="4007476" y="2971800"/>
+              <a:ext cx="762000" cy="838200"/>
+            </a:xfrm>
+            <a:prstGeom prst="ellipse">
               <a:avLst/>
-            </a:prstTxWarp>
-          </a:bodyPr>
-          <a:lstStyle/>
-          <a:p>
-            <a:pPr marL="0" marR="0" indent="0" algn="l" defTabSz="914400" rtl="0" eaLnBrk="1" fontAlgn="base" latinLnBrk="0" hangingPunct="1">
-              <a:lnSpc>
-                <a:spcPct val="100000"/>
-              </a:lnSpc>
-              <a:spcBef>
-                <a:spcPct val="0"/>
-              </a:spcBef>
-              <a:spcAft>
-                <a:spcPct val="0"/>
-              </a:spcAft>
-              <a:buClrTx/>
-              <a:buSzTx/>
-              <a:buFontTx/>
-              <a:buNone/>
-              <a:tabLst/>
-            </a:pPr>
-            <a:r>
-              <a:rPr kumimoji="0" lang="en-US" sz="2400" b="0" i="0" u="none" strike="noStrike" cap="none" normalizeH="0" baseline="0" dirty="0" smtClean="0">
-                <a:ln>
-                  <a:noFill/>
-                </a:ln>
-                <a:solidFill>
-                  <a:schemeClr val="bg1"/>
-                </a:solidFill>
-                <a:effectLst/>
-                <a:latin typeface="Futura LT Book" pitchFamily="2" charset="0"/>
-                <a:ea typeface="굴림" pitchFamily="34" charset="-127"/>
-              </a:rPr>
-              <a:t>14</a:t>
-            </a:r>
-          </a:p>
-        </p:txBody>
-      </p:sp>
-      <p:sp>
-        <p:nvSpPr>
-          <p:cNvPr id="8" name="Oval 7"/>
-          <p:cNvSpPr/>
-          <p:nvPr/>
-        </p:nvSpPr>
-        <p:spPr bwMode="auto">
-          <a:xfrm>
-            <a:off x="4007476" y="2971800"/>
-            <a:ext cx="762000" cy="838200"/>
-          </a:xfrm>
-          <a:prstGeom prst="ellipse">
-            <a:avLst/>
-          </a:prstGeom>
-          <a:solidFill>
-            <a:schemeClr val="tx2"/>
-          </a:solidFill>
-          <a:ln w="9525" cap="flat" cmpd="sng" algn="ctr">
+            </a:prstGeom>
             <a:solidFill>
-              <a:schemeClr val="tx1"/>
+              <a:schemeClr val="tx2"/>
             </a:solidFill>
-            <a:prstDash val="solid"/>
-            <a:round/>
-            <a:headEnd type="none" w="med" len="med"/>
-            <a:tailEnd type="none" w="med" len="med"/>
-          </a:ln>
-          <a:effectLst/>
-        </p:spPr>
-        <p:txBody>
-          <a:bodyPr vert="horz" wrap="square" lIns="91440" tIns="45720" rIns="91440" bIns="45720" numCol="1" rtlCol="0" anchor="t" anchorCtr="0" compatLnSpc="1">
-            <a:prstTxWarp prst="textNoShape">
+            <a:ln w="9525" cap="flat" cmpd="sng" algn="ctr">
+              <a:solidFill>
+                <a:schemeClr val="tx1"/>
+              </a:solidFill>
+              <a:prstDash val="solid"/>
+              <a:round/>
+              <a:headEnd type="none" w="med" len="med"/>
+              <a:tailEnd type="none" w="med" len="med"/>
+            </a:ln>
+            <a:effectLst/>
+          </p:spPr>
+          <p:txBody>
+            <a:bodyPr vert="horz" wrap="square" lIns="91440" tIns="45720" rIns="91440" bIns="45720" numCol="1" rtlCol="0" anchor="t" anchorCtr="0" compatLnSpc="1">
+              <a:prstTxWarp prst="textNoShape">
+                <a:avLst/>
+              </a:prstTxWarp>
+            </a:bodyPr>
+            <a:lstStyle/>
+            <a:p>
+              <a:pPr marL="0" marR="0" indent="0" algn="l" defTabSz="914400" rtl="0" eaLnBrk="1" fontAlgn="base" latinLnBrk="0" hangingPunct="1">
+                <a:lnSpc>
+                  <a:spcPct val="100000"/>
+                </a:lnSpc>
+                <a:spcBef>
+                  <a:spcPct val="0"/>
+                </a:spcBef>
+                <a:spcAft>
+                  <a:spcPct val="0"/>
+                </a:spcAft>
+                <a:buClrTx/>
+                <a:buSzTx/>
+                <a:buFontTx/>
+                <a:buNone/>
+                <a:tabLst/>
+              </a:pPr>
+              <a:r>
+                <a:rPr kumimoji="0" lang="en-US" sz="2400" b="0" i="0" u="none" strike="noStrike" cap="none" normalizeH="0" baseline="0" dirty="0" smtClean="0">
+                  <a:ln>
+                    <a:noFill/>
+                  </a:ln>
+                  <a:solidFill>
+                    <a:schemeClr val="bg1"/>
+                  </a:solidFill>
+                  <a:effectLst/>
+                  <a:latin typeface="Futura LT Book" pitchFamily="2" charset="0"/>
+                  <a:ea typeface="굴림" pitchFamily="34" charset="-127"/>
+                </a:rPr>
+                <a:t>10</a:t>
+              </a:r>
+            </a:p>
+          </p:txBody>
+        </p:sp>
+        <p:sp>
+          <p:nvSpPr>
+            <p:cNvPr id="9" name="Oval 8"/>
+            <p:cNvSpPr/>
+            <p:nvPr/>
+          </p:nvSpPr>
+          <p:spPr bwMode="auto">
+            <a:xfrm>
+              <a:off x="5257800" y="1676400"/>
+              <a:ext cx="762000" cy="838200"/>
+            </a:xfrm>
+            <a:prstGeom prst="ellipse">
               <a:avLst/>
-            </a:prstTxWarp>
-          </a:bodyPr>
-          <a:lstStyle/>
-          <a:p>
-            <a:pPr marL="0" marR="0" indent="0" algn="l" defTabSz="914400" rtl="0" eaLnBrk="1" fontAlgn="base" latinLnBrk="0" hangingPunct="1">
-              <a:lnSpc>
-                <a:spcPct val="100000"/>
-              </a:lnSpc>
-              <a:spcBef>
-                <a:spcPct val="0"/>
-              </a:spcBef>
-              <a:spcAft>
-                <a:spcPct val="0"/>
-              </a:spcAft>
-              <a:buClrTx/>
-              <a:buSzTx/>
-              <a:buFontTx/>
-              <a:buNone/>
-              <a:tabLst/>
-            </a:pPr>
-            <a:r>
-              <a:rPr kumimoji="0" lang="en-US" sz="2400" b="0" i="0" u="none" strike="noStrike" cap="none" normalizeH="0" baseline="0" dirty="0" smtClean="0">
-                <a:ln>
-                  <a:noFill/>
-                </a:ln>
-                <a:solidFill>
-                  <a:schemeClr val="bg1"/>
-                </a:solidFill>
-                <a:effectLst/>
-                <a:latin typeface="Futura LT Book" pitchFamily="2" charset="0"/>
-                <a:ea typeface="굴림" pitchFamily="34" charset="-127"/>
-              </a:rPr>
-              <a:t>10</a:t>
-            </a:r>
-          </a:p>
-        </p:txBody>
-      </p:sp>
-      <p:sp>
-        <p:nvSpPr>
-          <p:cNvPr id="9" name="Oval 8"/>
-          <p:cNvSpPr/>
-          <p:nvPr/>
-        </p:nvSpPr>
-        <p:spPr bwMode="auto">
-          <a:xfrm>
-            <a:off x="5257800" y="1676400"/>
-            <a:ext cx="762000" cy="838200"/>
-          </a:xfrm>
-          <a:prstGeom prst="ellipse">
-            <a:avLst/>
-          </a:prstGeom>
-          <a:solidFill>
-            <a:srgbClr val="FF0000"/>
-          </a:solidFill>
-          <a:ln w="9525" cap="flat" cmpd="sng" algn="ctr">
+            </a:prstGeom>
             <a:solidFill>
               <a:srgbClr val="FF0000"/>
             </a:solidFill>
-            <a:prstDash val="solid"/>
-            <a:round/>
-            <a:headEnd type="none" w="med" len="med"/>
-            <a:tailEnd type="none" w="med" len="med"/>
-          </a:ln>
-          <a:effectLst/>
-        </p:spPr>
-        <p:txBody>
-          <a:bodyPr vert="horz" wrap="square" lIns="91440" tIns="45720" rIns="91440" bIns="45720" numCol="1" rtlCol="0" anchor="t" anchorCtr="0" compatLnSpc="1">
-            <a:prstTxWarp prst="textNoShape">
+            <a:ln w="9525" cap="flat" cmpd="sng" algn="ctr">
+              <a:solidFill>
+                <a:srgbClr val="FF0000"/>
+              </a:solidFill>
+              <a:prstDash val="solid"/>
+              <a:round/>
+              <a:headEnd type="none" w="med" len="med"/>
+              <a:tailEnd type="none" w="med" len="med"/>
+            </a:ln>
+            <a:effectLst/>
+          </p:spPr>
+          <p:txBody>
+            <a:bodyPr vert="horz" wrap="square" lIns="91440" tIns="45720" rIns="91440" bIns="45720" numCol="1" rtlCol="0" anchor="t" anchorCtr="0" compatLnSpc="1">
+              <a:prstTxWarp prst="textNoShape">
+                <a:avLst/>
+              </a:prstTxWarp>
+            </a:bodyPr>
+            <a:lstStyle/>
+            <a:p>
+              <a:pPr marL="0" marR="0" indent="0" algn="l" defTabSz="914400" rtl="0" eaLnBrk="1" fontAlgn="base" latinLnBrk="0" hangingPunct="1">
+                <a:lnSpc>
+                  <a:spcPct val="100000"/>
+                </a:lnSpc>
+                <a:spcBef>
+                  <a:spcPct val="0"/>
+                </a:spcBef>
+                <a:spcAft>
+                  <a:spcPct val="0"/>
+                </a:spcAft>
+                <a:buClrTx/>
+                <a:buSzTx/>
+                <a:buFontTx/>
+                <a:buNone/>
+                <a:tabLst/>
+              </a:pPr>
+              <a:r>
+                <a:rPr kumimoji="0" lang="en-US" sz="2400" b="0" i="0" u="none" strike="noStrike" cap="none" normalizeH="0" baseline="0" dirty="0" smtClean="0">
+                  <a:ln>
+                    <a:noFill/>
+                  </a:ln>
+                  <a:solidFill>
+                    <a:schemeClr val="bg1"/>
+                  </a:solidFill>
+                  <a:effectLst/>
+                  <a:latin typeface="Futura LT Book" pitchFamily="2" charset="0"/>
+                  <a:ea typeface="굴림" pitchFamily="34" charset="-127"/>
+                </a:rPr>
+                <a:t>19</a:t>
+              </a:r>
+            </a:p>
+          </p:txBody>
+        </p:sp>
+        <p:sp>
+          <p:nvSpPr>
+            <p:cNvPr id="10" name="Oval 9"/>
+            <p:cNvSpPr/>
+            <p:nvPr/>
+          </p:nvSpPr>
+          <p:spPr bwMode="auto">
+            <a:xfrm>
+              <a:off x="7772400" y="4572000"/>
+              <a:ext cx="762000" cy="838200"/>
+            </a:xfrm>
+            <a:prstGeom prst="ellipse">
               <a:avLst/>
-            </a:prstTxWarp>
-          </a:bodyPr>
-          <a:lstStyle/>
-          <a:p>
-            <a:pPr marL="0" marR="0" indent="0" algn="l" defTabSz="914400" rtl="0" eaLnBrk="1" fontAlgn="base" latinLnBrk="0" hangingPunct="1">
-              <a:lnSpc>
-                <a:spcPct val="100000"/>
-              </a:lnSpc>
-              <a:spcBef>
-                <a:spcPct val="0"/>
-              </a:spcBef>
-              <a:spcAft>
-                <a:spcPct val="0"/>
-              </a:spcAft>
-              <a:buClrTx/>
-              <a:buSzTx/>
-              <a:buFontTx/>
-              <a:buNone/>
-              <a:tabLst/>
-            </a:pPr>
-            <a:r>
-              <a:rPr kumimoji="0" lang="en-US" sz="2400" b="0" i="0" u="none" strike="noStrike" cap="none" normalizeH="0" baseline="0" dirty="0" smtClean="0">
-                <a:ln>
-                  <a:noFill/>
-                </a:ln>
-                <a:solidFill>
-                  <a:schemeClr val="bg1"/>
-                </a:solidFill>
-                <a:effectLst/>
-                <a:latin typeface="Futura LT Book" pitchFamily="2" charset="0"/>
-                <a:ea typeface="굴림" pitchFamily="34" charset="-127"/>
-              </a:rPr>
-              <a:t>19</a:t>
-            </a:r>
-          </a:p>
-        </p:txBody>
-      </p:sp>
-      <p:sp>
-        <p:nvSpPr>
-          <p:cNvPr id="10" name="Oval 9"/>
-          <p:cNvSpPr/>
-          <p:nvPr/>
-        </p:nvSpPr>
-        <p:spPr bwMode="auto">
-          <a:xfrm>
-            <a:off x="7772400" y="4572000"/>
-            <a:ext cx="762000" cy="838200"/>
-          </a:xfrm>
-          <a:prstGeom prst="ellipse">
-            <a:avLst/>
-          </a:prstGeom>
-          <a:solidFill>
-            <a:srgbClr val="FF0000"/>
-          </a:solidFill>
-          <a:ln w="9525" cap="flat" cmpd="sng" algn="ctr">
+            </a:prstGeom>
             <a:solidFill>
               <a:srgbClr val="FF0000"/>
             </a:solidFill>
-            <a:prstDash val="solid"/>
-            <a:round/>
-            <a:headEnd type="none" w="med" len="med"/>
-            <a:tailEnd type="none" w="med" len="med"/>
-          </a:ln>
-          <a:effectLst/>
-        </p:spPr>
-        <p:txBody>
-          <a:bodyPr vert="horz" wrap="square" lIns="91440" tIns="45720" rIns="91440" bIns="45720" numCol="1" rtlCol="0" anchor="t" anchorCtr="0" compatLnSpc="1">
-            <a:prstTxWarp prst="textNoShape">
+            <a:ln w="9525" cap="flat" cmpd="sng" algn="ctr">
+              <a:solidFill>
+                <a:srgbClr val="FF0000"/>
+              </a:solidFill>
+              <a:prstDash val="solid"/>
+              <a:round/>
+              <a:headEnd type="none" w="med" len="med"/>
+              <a:tailEnd type="none" w="med" len="med"/>
+            </a:ln>
+            <a:effectLst/>
+          </p:spPr>
+          <p:txBody>
+            <a:bodyPr vert="horz" wrap="square" lIns="91440" tIns="45720" rIns="91440" bIns="45720" numCol="1" rtlCol="0" anchor="t" anchorCtr="0" compatLnSpc="1">
+              <a:prstTxWarp prst="textNoShape">
+                <a:avLst/>
+              </a:prstTxWarp>
+            </a:bodyPr>
+            <a:lstStyle/>
+            <a:p>
+              <a:pPr marL="0" marR="0" indent="0" algn="l" defTabSz="914400" rtl="0" eaLnBrk="1" fontAlgn="base" latinLnBrk="0" hangingPunct="1">
+                <a:lnSpc>
+                  <a:spcPct val="100000"/>
+                </a:lnSpc>
+                <a:spcBef>
+                  <a:spcPct val="0"/>
+                </a:spcBef>
+                <a:spcAft>
+                  <a:spcPct val="0"/>
+                </a:spcAft>
+                <a:buClrTx/>
+                <a:buSzTx/>
+                <a:buFontTx/>
+                <a:buNone/>
+                <a:tabLst/>
+              </a:pPr>
+              <a:r>
+                <a:rPr kumimoji="0" lang="en-US" sz="2400" b="0" i="0" u="none" strike="noStrike" cap="none" normalizeH="0" baseline="0" dirty="0" smtClean="0">
+                  <a:ln>
+                    <a:noFill/>
+                  </a:ln>
+                  <a:solidFill>
+                    <a:schemeClr val="bg1"/>
+                  </a:solidFill>
+                  <a:effectLst/>
+                  <a:latin typeface="Futura LT Book" pitchFamily="2" charset="0"/>
+                  <a:ea typeface="굴림" pitchFamily="34" charset="-127"/>
+                </a:rPr>
+                <a:t>20</a:t>
+              </a:r>
+            </a:p>
+          </p:txBody>
+        </p:sp>
+        <p:sp>
+          <p:nvSpPr>
+            <p:cNvPr id="11" name="Oval 10"/>
+            <p:cNvSpPr/>
+            <p:nvPr/>
+          </p:nvSpPr>
+          <p:spPr bwMode="auto">
+            <a:xfrm>
+              <a:off x="4724400" y="4572000"/>
+              <a:ext cx="762000" cy="838200"/>
+            </a:xfrm>
+            <a:prstGeom prst="ellipse">
               <a:avLst/>
-            </a:prstTxWarp>
-          </a:bodyPr>
-          <a:lstStyle/>
-          <a:p>
-            <a:pPr marL="0" marR="0" indent="0" algn="l" defTabSz="914400" rtl="0" eaLnBrk="1" fontAlgn="base" latinLnBrk="0" hangingPunct="1">
-              <a:lnSpc>
-                <a:spcPct val="100000"/>
-              </a:lnSpc>
-              <a:spcBef>
-                <a:spcPct val="0"/>
-              </a:spcBef>
-              <a:spcAft>
-                <a:spcPct val="0"/>
-              </a:spcAft>
-              <a:buClrTx/>
-              <a:buSzTx/>
-              <a:buFontTx/>
-              <a:buNone/>
-              <a:tabLst/>
-            </a:pPr>
-            <a:r>
-              <a:rPr kumimoji="0" lang="en-US" sz="2400" b="0" i="0" u="none" strike="noStrike" cap="none" normalizeH="0" baseline="0" dirty="0" smtClean="0">
-                <a:ln>
-                  <a:noFill/>
-                </a:ln>
-                <a:solidFill>
-                  <a:schemeClr val="bg1"/>
-                </a:solidFill>
-                <a:effectLst/>
-                <a:latin typeface="Futura LT Book" pitchFamily="2" charset="0"/>
-                <a:ea typeface="굴림" pitchFamily="34" charset="-127"/>
-              </a:rPr>
-              <a:t>20</a:t>
-            </a:r>
-          </a:p>
-        </p:txBody>
-      </p:sp>
-      <p:sp>
-        <p:nvSpPr>
-          <p:cNvPr id="11" name="Oval 10"/>
-          <p:cNvSpPr/>
-          <p:nvPr/>
-        </p:nvSpPr>
-        <p:spPr bwMode="auto">
-          <a:xfrm>
-            <a:off x="4724400" y="4572000"/>
-            <a:ext cx="762000" cy="838200"/>
-          </a:xfrm>
-          <a:prstGeom prst="ellipse">
-            <a:avLst/>
-          </a:prstGeom>
-          <a:solidFill>
-            <a:srgbClr val="FF0000"/>
-          </a:solidFill>
-          <a:ln w="9525" cap="flat" cmpd="sng" algn="ctr">
+            </a:prstGeom>
             <a:solidFill>
               <a:srgbClr val="FF0000"/>
             </a:solidFill>
-            <a:prstDash val="solid"/>
-            <a:round/>
-            <a:headEnd type="none" w="med" len="med"/>
-            <a:tailEnd type="none" w="med" len="med"/>
-          </a:ln>
-          <a:effectLst/>
-        </p:spPr>
-        <p:txBody>
-          <a:bodyPr vert="horz" wrap="square" lIns="91440" tIns="45720" rIns="91440" bIns="45720" numCol="1" rtlCol="0" anchor="t" anchorCtr="0" compatLnSpc="1">
-            <a:prstTxWarp prst="textNoShape">
+            <a:ln w="9525" cap="flat" cmpd="sng" algn="ctr">
+              <a:solidFill>
+                <a:srgbClr val="FF0000"/>
+              </a:solidFill>
+              <a:prstDash val="solid"/>
+              <a:round/>
+              <a:headEnd type="none" w="med" len="med"/>
+              <a:tailEnd type="none" w="med" len="med"/>
+            </a:ln>
+            <a:effectLst/>
+          </p:spPr>
+          <p:txBody>
+            <a:bodyPr vert="horz" wrap="square" lIns="91440" tIns="45720" rIns="91440" bIns="45720" numCol="1" rtlCol="0" anchor="t" anchorCtr="0" compatLnSpc="1">
+              <a:prstTxWarp prst="textNoShape">
+                <a:avLst/>
+              </a:prstTxWarp>
+            </a:bodyPr>
+            <a:lstStyle/>
+            <a:p>
+              <a:pPr marL="0" marR="0" indent="0" algn="l" defTabSz="914400" rtl="0" eaLnBrk="1" fontAlgn="base" latinLnBrk="0" hangingPunct="1">
+                <a:lnSpc>
+                  <a:spcPct val="100000"/>
+                </a:lnSpc>
+                <a:spcBef>
+                  <a:spcPct val="0"/>
+                </a:spcBef>
+                <a:spcAft>
+                  <a:spcPct val="0"/>
+                </a:spcAft>
+                <a:buClrTx/>
+                <a:buSzTx/>
+                <a:buFontTx/>
+                <a:buNone/>
+                <a:tabLst/>
+              </a:pPr>
+              <a:r>
+                <a:rPr kumimoji="0" lang="en-US" sz="2400" b="0" i="0" u="none" strike="noStrike" cap="none" normalizeH="0" baseline="0" dirty="0" smtClean="0">
+                  <a:ln>
+                    <a:noFill/>
+                  </a:ln>
+                  <a:solidFill>
+                    <a:schemeClr val="bg1"/>
+                  </a:solidFill>
+                  <a:effectLst/>
+                  <a:latin typeface="Futura LT Book" pitchFamily="2" charset="0"/>
+                  <a:ea typeface="굴림" pitchFamily="34" charset="-127"/>
+                </a:rPr>
+                <a:t>13</a:t>
+              </a:r>
+            </a:p>
+          </p:txBody>
+        </p:sp>
+        <p:sp>
+          <p:nvSpPr>
+            <p:cNvPr id="12" name="Oval 11"/>
+            <p:cNvSpPr/>
+            <p:nvPr/>
+          </p:nvSpPr>
+          <p:spPr bwMode="auto">
+            <a:xfrm>
+              <a:off x="3245476" y="4572000"/>
+              <a:ext cx="762000" cy="838200"/>
+            </a:xfrm>
+            <a:prstGeom prst="ellipse">
               <a:avLst/>
-            </a:prstTxWarp>
-          </a:bodyPr>
-          <a:lstStyle/>
-          <a:p>
-            <a:pPr marL="0" marR="0" indent="0" algn="l" defTabSz="914400" rtl="0" eaLnBrk="1" fontAlgn="base" latinLnBrk="0" hangingPunct="1">
-              <a:lnSpc>
-                <a:spcPct val="100000"/>
-              </a:lnSpc>
-              <a:spcBef>
-                <a:spcPct val="0"/>
-              </a:spcBef>
-              <a:spcAft>
-                <a:spcPct val="0"/>
-              </a:spcAft>
-              <a:buClrTx/>
-              <a:buSzTx/>
-              <a:buFontTx/>
-              <a:buNone/>
-              <a:tabLst/>
-            </a:pPr>
-            <a:r>
-              <a:rPr kumimoji="0" lang="en-US" sz="2400" b="0" i="0" u="none" strike="noStrike" cap="none" normalizeH="0" baseline="0" dirty="0" smtClean="0">
-                <a:ln>
-                  <a:noFill/>
-                </a:ln>
-                <a:solidFill>
-                  <a:schemeClr val="bg1"/>
-                </a:solidFill>
-                <a:effectLst/>
-                <a:latin typeface="Futura LT Book" pitchFamily="2" charset="0"/>
-                <a:ea typeface="굴림" pitchFamily="34" charset="-127"/>
-              </a:rPr>
-              <a:t>13</a:t>
-            </a:r>
-          </a:p>
-        </p:txBody>
-      </p:sp>
-      <p:sp>
-        <p:nvSpPr>
-          <p:cNvPr id="12" name="Oval 11"/>
-          <p:cNvSpPr/>
-          <p:nvPr/>
-        </p:nvSpPr>
-        <p:spPr bwMode="auto">
-          <a:xfrm>
-            <a:off x="3245476" y="4572000"/>
-            <a:ext cx="762000" cy="838200"/>
-          </a:xfrm>
-          <a:prstGeom prst="ellipse">
-            <a:avLst/>
-          </a:prstGeom>
-          <a:solidFill>
-            <a:srgbClr val="FF0000"/>
-          </a:solidFill>
-          <a:ln w="9525" cap="flat" cmpd="sng" algn="ctr">
+            </a:prstGeom>
             <a:solidFill>
               <a:srgbClr val="FF0000"/>
             </a:solidFill>
-            <a:prstDash val="solid"/>
-            <a:round/>
-            <a:headEnd type="none" w="med" len="med"/>
-            <a:tailEnd type="none" w="med" len="med"/>
-          </a:ln>
-          <a:effectLst/>
-        </p:spPr>
-        <p:txBody>
-          <a:bodyPr vert="horz" wrap="square" lIns="91440" tIns="45720" rIns="91440" bIns="45720" numCol="1" rtlCol="0" anchor="t" anchorCtr="0" compatLnSpc="1">
-            <a:prstTxWarp prst="textNoShape">
+            <a:ln w="9525" cap="flat" cmpd="sng" algn="ctr">
+              <a:solidFill>
+                <a:srgbClr val="FF0000"/>
+              </a:solidFill>
+              <a:prstDash val="solid"/>
+              <a:round/>
+              <a:headEnd type="none" w="med" len="med"/>
+              <a:tailEnd type="none" w="med" len="med"/>
+            </a:ln>
+            <a:effectLst/>
+          </p:spPr>
+          <p:txBody>
+            <a:bodyPr vert="horz" wrap="square" lIns="91440" tIns="45720" rIns="91440" bIns="45720" numCol="1" rtlCol="0" anchor="t" anchorCtr="0" compatLnSpc="1">
+              <a:prstTxWarp prst="textNoShape">
+                <a:avLst/>
+              </a:prstTxWarp>
+            </a:bodyPr>
+            <a:lstStyle/>
+            <a:p>
+              <a:pPr marL="0" marR="0" indent="0" algn="l" defTabSz="914400" rtl="0" eaLnBrk="1" fontAlgn="base" latinLnBrk="0" hangingPunct="1">
+                <a:lnSpc>
+                  <a:spcPct val="100000"/>
+                </a:lnSpc>
+                <a:spcBef>
+                  <a:spcPct val="0"/>
+                </a:spcBef>
+                <a:spcAft>
+                  <a:spcPct val="0"/>
+                </a:spcAft>
+                <a:buClrTx/>
+                <a:buSzTx/>
+                <a:buFontTx/>
+                <a:buNone/>
+                <a:tabLst/>
+              </a:pPr>
+              <a:r>
+                <a:rPr kumimoji="0" lang="en-US" sz="3200" b="0" i="0" u="none" strike="noStrike" cap="none" normalizeH="0" baseline="0" dirty="0" smtClean="0">
+                  <a:ln>
+                    <a:noFill/>
+                  </a:ln>
+                  <a:solidFill>
+                    <a:schemeClr val="bg1"/>
+                  </a:solidFill>
+                  <a:effectLst/>
+                  <a:latin typeface="Futura LT Book" pitchFamily="2" charset="0"/>
+                  <a:ea typeface="굴림" pitchFamily="34" charset="-127"/>
+                </a:rPr>
+                <a:t>9</a:t>
+              </a:r>
+            </a:p>
+          </p:txBody>
+        </p:sp>
+        <p:cxnSp>
+          <p:nvCxnSpPr>
+            <p:cNvPr id="14" name="Straight Connector 13"/>
+            <p:cNvCxnSpPr>
+              <a:stCxn id="5" idx="3"/>
+              <a:endCxn id="6" idx="7"/>
+            </p:cNvCxnSpPr>
+            <p:nvPr/>
+          </p:nvCxnSpPr>
+          <p:spPr bwMode="auto">
+            <a:xfrm flipH="1">
+              <a:off x="2936408" y="1096448"/>
+              <a:ext cx="451784" cy="702704"/>
+            </a:xfrm>
+            <a:prstGeom prst="line">
               <a:avLst/>
-            </a:prstTxWarp>
-          </a:bodyPr>
-          <a:lstStyle/>
-          <a:p>
-            <a:pPr marL="0" marR="0" indent="0" algn="l" defTabSz="914400" rtl="0" eaLnBrk="1" fontAlgn="base" latinLnBrk="0" hangingPunct="1">
-              <a:lnSpc>
-                <a:spcPct val="100000"/>
-              </a:lnSpc>
-              <a:spcBef>
-                <a:spcPct val="0"/>
-              </a:spcBef>
-              <a:spcAft>
-                <a:spcPct val="0"/>
-              </a:spcAft>
-              <a:buClrTx/>
-              <a:buSzTx/>
-              <a:buFontTx/>
-              <a:buNone/>
-              <a:tabLst/>
-            </a:pPr>
-            <a:r>
-              <a:rPr kumimoji="0" lang="en-US" sz="3200" b="0" i="0" u="none" strike="noStrike" cap="none" normalizeH="0" baseline="0" dirty="0" smtClean="0">
-                <a:ln>
-                  <a:noFill/>
-                </a:ln>
-                <a:solidFill>
-                  <a:schemeClr val="bg1"/>
-                </a:solidFill>
-                <a:effectLst/>
-                <a:latin typeface="Futura LT Book" pitchFamily="2" charset="0"/>
-                <a:ea typeface="굴림" pitchFamily="34" charset="-127"/>
-              </a:rPr>
-              <a:t>9</a:t>
-            </a:r>
-          </a:p>
-        </p:txBody>
-      </p:sp>
-      <p:cxnSp>
-        <p:nvCxnSpPr>
-          <p:cNvPr id="14" name="Straight Connector 13"/>
-          <p:cNvCxnSpPr>
-            <a:stCxn id="5" idx="3"/>
-            <a:endCxn id="6" idx="7"/>
-          </p:cNvCxnSpPr>
-          <p:nvPr/>
-        </p:nvCxnSpPr>
-        <p:spPr bwMode="auto">
-          <a:xfrm flipH="1">
-            <a:off x="2936408" y="1096448"/>
-            <a:ext cx="451784" cy="702704"/>
-          </a:xfrm>
-          <a:prstGeom prst="line">
-            <a:avLst/>
-          </a:prstGeom>
-          <a:solidFill>
-            <a:schemeClr val="accent1"/>
-          </a:solidFill>
-          <a:ln w="9525" cap="flat" cmpd="sng" algn="ctr">
+            </a:prstGeom>
             <a:solidFill>
-              <a:schemeClr val="tx1"/>
+              <a:schemeClr val="accent1"/>
             </a:solidFill>
-            <a:prstDash val="solid"/>
-            <a:round/>
-            <a:headEnd type="none" w="med" len="med"/>
-            <a:tailEnd type="none" w="med" len="med"/>
-          </a:ln>
-          <a:effectLst/>
-          <a:extLst>
-            <a:ext uri="{AF507438-7753-43E0-B8FC-AC1667EBCBE1}">
-              <a14:hiddenEffects xmlns:a14="http://schemas.microsoft.com/office/drawing/2010/main">
-                <a:effectLst>
-                  <a:outerShdw dist="35921" dir="2700000" algn="ctr" rotWithShape="0">
-                    <a:schemeClr val="bg2"/>
-                  </a:outerShdw>
-                </a:effectLst>
-              </a14:hiddenEffects>
-            </a:ext>
-          </a:extLst>
-        </p:spPr>
-      </p:cxnSp>
-      <p:cxnSp>
-        <p:nvCxnSpPr>
-          <p:cNvPr id="18" name="Straight Connector 17"/>
-          <p:cNvCxnSpPr>
-            <a:stCxn id="5" idx="5"/>
-            <a:endCxn id="9" idx="1"/>
-          </p:cNvCxnSpPr>
-          <p:nvPr/>
-        </p:nvCxnSpPr>
-        <p:spPr bwMode="auto">
-          <a:xfrm>
-            <a:off x="3927008" y="1096448"/>
-            <a:ext cx="1442384" cy="702704"/>
-          </a:xfrm>
-          <a:prstGeom prst="line">
-            <a:avLst/>
-          </a:prstGeom>
-          <a:solidFill>
-            <a:schemeClr val="accent1"/>
-          </a:solidFill>
-          <a:ln w="9525" cap="flat" cmpd="sng" algn="ctr">
+            <a:ln w="9525" cap="flat" cmpd="sng" algn="ctr">
+              <a:solidFill>
+                <a:schemeClr val="tx1"/>
+              </a:solidFill>
+              <a:prstDash val="solid"/>
+              <a:round/>
+              <a:headEnd type="none" w="med" len="med"/>
+              <a:tailEnd type="none" w="med" len="med"/>
+            </a:ln>
+            <a:effectLst/>
+            <a:extLst>
+              <a:ext uri="{AF507438-7753-43E0-B8FC-AC1667EBCBE1}">
+                <a14:hiddenEffects xmlns:a14="http://schemas.microsoft.com/office/drawing/2010/main">
+                  <a:effectLst>
+                    <a:outerShdw dist="35921" dir="2700000" algn="ctr" rotWithShape="0">
+                      <a:schemeClr val="bg2"/>
+                    </a:outerShdw>
+                  </a:effectLst>
+                </a14:hiddenEffects>
+              </a:ext>
+            </a:extLst>
+          </p:spPr>
+        </p:cxnSp>
+        <p:cxnSp>
+          <p:nvCxnSpPr>
+            <p:cNvPr id="18" name="Straight Connector 17"/>
+            <p:cNvCxnSpPr>
+              <a:stCxn id="5" idx="5"/>
+              <a:endCxn id="9" idx="1"/>
+            </p:cNvCxnSpPr>
+            <p:nvPr/>
+          </p:nvCxnSpPr>
+          <p:spPr bwMode="auto">
+            <a:xfrm>
+              <a:off x="3927008" y="1096448"/>
+              <a:ext cx="1442384" cy="702704"/>
+            </a:xfrm>
+            <a:prstGeom prst="line">
+              <a:avLst/>
+            </a:prstGeom>
             <a:solidFill>
-              <a:schemeClr val="tx1"/>
+              <a:schemeClr val="accent1"/>
             </a:solidFill>
-            <a:prstDash val="solid"/>
-            <a:round/>
-            <a:headEnd type="none" w="med" len="med"/>
-            <a:tailEnd type="none" w="med" len="med"/>
-          </a:ln>
-          <a:effectLst/>
-          <a:extLst>
-            <a:ext uri="{AF507438-7753-43E0-B8FC-AC1667EBCBE1}">
-              <a14:hiddenEffects xmlns:a14="http://schemas.microsoft.com/office/drawing/2010/main">
-                <a:effectLst>
-                  <a:outerShdw dist="35921" dir="2700000" algn="ctr" rotWithShape="0">
-                    <a:schemeClr val="bg2"/>
-                  </a:outerShdw>
-                </a:effectLst>
-              </a14:hiddenEffects>
-            </a:ext>
-          </a:extLst>
-        </p:spPr>
-      </p:cxnSp>
-      <p:cxnSp>
-        <p:nvCxnSpPr>
-          <p:cNvPr id="21" name="Straight Connector 20"/>
-          <p:cNvCxnSpPr>
-            <a:stCxn id="9" idx="3"/>
-            <a:endCxn id="8" idx="7"/>
-          </p:cNvCxnSpPr>
-          <p:nvPr/>
-        </p:nvCxnSpPr>
-        <p:spPr bwMode="auto">
-          <a:xfrm flipH="1">
-            <a:off x="4657884" y="2391848"/>
-            <a:ext cx="711508" cy="702704"/>
-          </a:xfrm>
-          <a:prstGeom prst="line">
-            <a:avLst/>
-          </a:prstGeom>
-          <a:solidFill>
-            <a:schemeClr val="accent1"/>
-          </a:solidFill>
-          <a:ln w="9525" cap="flat" cmpd="sng" algn="ctr">
+            <a:ln w="9525" cap="flat" cmpd="sng" algn="ctr">
+              <a:solidFill>
+                <a:schemeClr val="tx1"/>
+              </a:solidFill>
+              <a:prstDash val="solid"/>
+              <a:round/>
+              <a:headEnd type="none" w="med" len="med"/>
+              <a:tailEnd type="none" w="med" len="med"/>
+            </a:ln>
+            <a:effectLst/>
+            <a:extLst>
+              <a:ext uri="{AF507438-7753-43E0-B8FC-AC1667EBCBE1}">
+                <a14:hiddenEffects xmlns:a14="http://schemas.microsoft.com/office/drawing/2010/main">
+                  <a:effectLst>
+                    <a:outerShdw dist="35921" dir="2700000" algn="ctr" rotWithShape="0">
+                      <a:schemeClr val="bg2"/>
+                    </a:outerShdw>
+                  </a:effectLst>
+                </a14:hiddenEffects>
+              </a:ext>
+            </a:extLst>
+          </p:spPr>
+        </p:cxnSp>
+        <p:cxnSp>
+          <p:nvCxnSpPr>
+            <p:cNvPr id="21" name="Straight Connector 20"/>
+            <p:cNvCxnSpPr>
+              <a:stCxn id="9" idx="3"/>
+              <a:endCxn id="8" idx="7"/>
+            </p:cNvCxnSpPr>
+            <p:nvPr/>
+          </p:nvCxnSpPr>
+          <p:spPr bwMode="auto">
+            <a:xfrm flipH="1">
+              <a:off x="4657884" y="2391848"/>
+              <a:ext cx="711508" cy="702704"/>
+            </a:xfrm>
+            <a:prstGeom prst="line">
+              <a:avLst/>
+            </a:prstGeom>
             <a:solidFill>
-              <a:schemeClr val="tx1"/>
+              <a:schemeClr val="accent1"/>
             </a:solidFill>
-            <a:prstDash val="solid"/>
-            <a:round/>
-            <a:headEnd type="none" w="med" len="med"/>
-            <a:tailEnd type="none" w="med" len="med"/>
-          </a:ln>
-          <a:effectLst/>
-          <a:extLst>
-            <a:ext uri="{AF507438-7753-43E0-B8FC-AC1667EBCBE1}">
-              <a14:hiddenEffects xmlns:a14="http://schemas.microsoft.com/office/drawing/2010/main">
-                <a:effectLst>
-                  <a:outerShdw dist="35921" dir="2700000" algn="ctr" rotWithShape="0">
-                    <a:schemeClr val="bg2"/>
-                  </a:outerShdw>
-                </a:effectLst>
-              </a14:hiddenEffects>
-            </a:ext>
-          </a:extLst>
-        </p:spPr>
-      </p:cxnSp>
-      <p:cxnSp>
-        <p:nvCxnSpPr>
-          <p:cNvPr id="23" name="Straight Connector 22"/>
-          <p:cNvCxnSpPr>
-            <a:stCxn id="9" idx="5"/>
-            <a:endCxn id="7" idx="1"/>
-          </p:cNvCxnSpPr>
-          <p:nvPr/>
-        </p:nvCxnSpPr>
-        <p:spPr bwMode="auto">
-          <a:xfrm>
-            <a:off x="5908208" y="2391848"/>
-            <a:ext cx="790928" cy="702704"/>
-          </a:xfrm>
-          <a:prstGeom prst="line">
-            <a:avLst/>
-          </a:prstGeom>
-          <a:solidFill>
-            <a:schemeClr val="accent1"/>
-          </a:solidFill>
-          <a:ln w="9525" cap="flat" cmpd="sng" algn="ctr">
+            <a:ln w="9525" cap="flat" cmpd="sng" algn="ctr">
+              <a:solidFill>
+                <a:schemeClr val="tx1"/>
+              </a:solidFill>
+              <a:prstDash val="solid"/>
+              <a:round/>
+              <a:headEnd type="none" w="med" len="med"/>
+              <a:tailEnd type="none" w="med" len="med"/>
+            </a:ln>
+            <a:effectLst/>
+            <a:extLst>
+              <a:ext uri="{AF507438-7753-43E0-B8FC-AC1667EBCBE1}">
+                <a14:hiddenEffects xmlns:a14="http://schemas.microsoft.com/office/drawing/2010/main">
+                  <a:effectLst>
+                    <a:outerShdw dist="35921" dir="2700000" algn="ctr" rotWithShape="0">
+                      <a:schemeClr val="bg2"/>
+                    </a:outerShdw>
+                  </a:effectLst>
+                </a14:hiddenEffects>
+              </a:ext>
+            </a:extLst>
+          </p:spPr>
+        </p:cxnSp>
+        <p:cxnSp>
+          <p:nvCxnSpPr>
+            <p:cNvPr id="23" name="Straight Connector 22"/>
+            <p:cNvCxnSpPr>
+              <a:stCxn id="9" idx="5"/>
+              <a:endCxn id="7" idx="1"/>
+            </p:cNvCxnSpPr>
+            <p:nvPr/>
+          </p:nvCxnSpPr>
+          <p:spPr bwMode="auto">
+            <a:xfrm>
+              <a:off x="5908208" y="2391848"/>
+              <a:ext cx="790928" cy="702704"/>
+            </a:xfrm>
+            <a:prstGeom prst="line">
+              <a:avLst/>
+            </a:prstGeom>
             <a:solidFill>
-              <a:schemeClr val="tx1"/>
+              <a:schemeClr val="accent1"/>
             </a:solidFill>
-            <a:prstDash val="solid"/>
-            <a:round/>
-            <a:headEnd type="none" w="med" len="med"/>
-            <a:tailEnd type="none" w="med" len="med"/>
-          </a:ln>
-          <a:effectLst/>
-          <a:extLst>
-            <a:ext uri="{AF507438-7753-43E0-B8FC-AC1667EBCBE1}">
-              <a14:hiddenEffects xmlns:a14="http://schemas.microsoft.com/office/drawing/2010/main">
-                <a:effectLst>
-                  <a:outerShdw dist="35921" dir="2700000" algn="ctr" rotWithShape="0">
-                    <a:schemeClr val="bg2"/>
-                  </a:outerShdw>
-                </a:effectLst>
-              </a14:hiddenEffects>
-            </a:ext>
-          </a:extLst>
-        </p:spPr>
-      </p:cxnSp>
-      <p:cxnSp>
-        <p:nvCxnSpPr>
-          <p:cNvPr id="25" name="Straight Connector 24"/>
-          <p:cNvCxnSpPr>
-            <a:stCxn id="8" idx="3"/>
-            <a:endCxn id="12" idx="0"/>
-          </p:cNvCxnSpPr>
-          <p:nvPr/>
-        </p:nvCxnSpPr>
-        <p:spPr bwMode="auto">
-          <a:xfrm flipH="1">
-            <a:off x="3626476" y="3687248"/>
-            <a:ext cx="492592" cy="884752"/>
-          </a:xfrm>
-          <a:prstGeom prst="line">
-            <a:avLst/>
-          </a:prstGeom>
-          <a:solidFill>
-            <a:schemeClr val="accent1"/>
-          </a:solidFill>
-          <a:ln w="9525" cap="flat" cmpd="sng" algn="ctr">
+            <a:ln w="9525" cap="flat" cmpd="sng" algn="ctr">
+              <a:solidFill>
+                <a:schemeClr val="tx1"/>
+              </a:solidFill>
+              <a:prstDash val="solid"/>
+              <a:round/>
+              <a:headEnd type="none" w="med" len="med"/>
+              <a:tailEnd type="none" w="med" len="med"/>
+            </a:ln>
+            <a:effectLst/>
+            <a:extLst>
+              <a:ext uri="{AF507438-7753-43E0-B8FC-AC1667EBCBE1}">
+                <a14:hiddenEffects xmlns:a14="http://schemas.microsoft.com/office/drawing/2010/main">
+                  <a:effectLst>
+                    <a:outerShdw dist="35921" dir="2700000" algn="ctr" rotWithShape="0">
+                      <a:schemeClr val="bg2"/>
+                    </a:outerShdw>
+                  </a:effectLst>
+                </a14:hiddenEffects>
+              </a:ext>
+            </a:extLst>
+          </p:spPr>
+        </p:cxnSp>
+        <p:cxnSp>
+          <p:nvCxnSpPr>
+            <p:cNvPr id="25" name="Straight Connector 24"/>
+            <p:cNvCxnSpPr>
+              <a:stCxn id="8" idx="3"/>
+              <a:endCxn id="12" idx="0"/>
+            </p:cNvCxnSpPr>
+            <p:nvPr/>
+          </p:nvCxnSpPr>
+          <p:spPr bwMode="auto">
+            <a:xfrm flipH="1">
+              <a:off x="3626476" y="3687248"/>
+              <a:ext cx="492592" cy="884752"/>
+            </a:xfrm>
+            <a:prstGeom prst="line">
+              <a:avLst/>
+            </a:prstGeom>
             <a:solidFill>
-              <a:schemeClr val="tx1"/>
+              <a:schemeClr val="accent1"/>
             </a:solidFill>
-            <a:prstDash val="solid"/>
-            <a:round/>
-            <a:headEnd type="none" w="med" len="med"/>
-            <a:tailEnd type="none" w="med" len="med"/>
-          </a:ln>
-          <a:effectLst/>
-          <a:extLst>
-            <a:ext uri="{AF507438-7753-43E0-B8FC-AC1667EBCBE1}">
-              <a14:hiddenEffects xmlns:a14="http://schemas.microsoft.com/office/drawing/2010/main">
-                <a:effectLst>
-                  <a:outerShdw dist="35921" dir="2700000" algn="ctr" rotWithShape="0">
-                    <a:schemeClr val="bg2"/>
-                  </a:outerShdw>
-                </a:effectLst>
-              </a14:hiddenEffects>
-            </a:ext>
-          </a:extLst>
-        </p:spPr>
-      </p:cxnSp>
-      <p:cxnSp>
-        <p:nvCxnSpPr>
-          <p:cNvPr id="27" name="Straight Connector 26"/>
-          <p:cNvCxnSpPr>
-            <a:stCxn id="8" idx="5"/>
-            <a:endCxn id="11" idx="0"/>
-          </p:cNvCxnSpPr>
-          <p:nvPr/>
-        </p:nvCxnSpPr>
-        <p:spPr bwMode="auto">
-          <a:xfrm>
-            <a:off x="4657884" y="3687248"/>
-            <a:ext cx="447516" cy="884752"/>
-          </a:xfrm>
-          <a:prstGeom prst="line">
-            <a:avLst/>
-          </a:prstGeom>
-          <a:solidFill>
-            <a:schemeClr val="accent1"/>
-          </a:solidFill>
-          <a:ln w="9525" cap="flat" cmpd="sng" algn="ctr">
+            <a:ln w="9525" cap="flat" cmpd="sng" algn="ctr">
+              <a:solidFill>
+                <a:schemeClr val="tx1"/>
+              </a:solidFill>
+              <a:prstDash val="solid"/>
+              <a:round/>
+              <a:headEnd type="none" w="med" len="med"/>
+              <a:tailEnd type="none" w="med" len="med"/>
+            </a:ln>
+            <a:effectLst/>
+            <a:extLst>
+              <a:ext uri="{AF507438-7753-43E0-B8FC-AC1667EBCBE1}">
+                <a14:hiddenEffects xmlns:a14="http://schemas.microsoft.com/office/drawing/2010/main">
+                  <a:effectLst>
+                    <a:outerShdw dist="35921" dir="2700000" algn="ctr" rotWithShape="0">
+                      <a:schemeClr val="bg2"/>
+                    </a:outerShdw>
+                  </a:effectLst>
+                </a14:hiddenEffects>
+              </a:ext>
+            </a:extLst>
+          </p:spPr>
+        </p:cxnSp>
+        <p:cxnSp>
+          <p:nvCxnSpPr>
+            <p:cNvPr id="27" name="Straight Connector 26"/>
+            <p:cNvCxnSpPr>
+              <a:stCxn id="8" idx="5"/>
+              <a:endCxn id="11" idx="0"/>
+            </p:cNvCxnSpPr>
+            <p:nvPr/>
+          </p:nvCxnSpPr>
+          <p:spPr bwMode="auto">
+            <a:xfrm>
+              <a:off x="4657884" y="3687248"/>
+              <a:ext cx="447516" cy="884752"/>
+            </a:xfrm>
+            <a:prstGeom prst="line">
+              <a:avLst/>
+            </a:prstGeom>
             <a:solidFill>
-              <a:schemeClr val="tx1"/>
+              <a:schemeClr val="accent1"/>
             </a:solidFill>
-            <a:prstDash val="solid"/>
-            <a:round/>
-            <a:headEnd type="none" w="med" len="med"/>
-            <a:tailEnd type="none" w="med" len="med"/>
-          </a:ln>
-          <a:effectLst/>
-          <a:extLst>
-            <a:ext uri="{AF507438-7753-43E0-B8FC-AC1667EBCBE1}">
-              <a14:hiddenEffects xmlns:a14="http://schemas.microsoft.com/office/drawing/2010/main">
-                <a:effectLst>
-                  <a:outerShdw dist="35921" dir="2700000" algn="ctr" rotWithShape="0">
-                    <a:schemeClr val="bg2"/>
-                  </a:outerShdw>
-                </a:effectLst>
-              </a14:hiddenEffects>
-            </a:ext>
-          </a:extLst>
-        </p:spPr>
-      </p:cxnSp>
-      <p:cxnSp>
-        <p:nvCxnSpPr>
-          <p:cNvPr id="29" name="Straight Connector 28"/>
-          <p:cNvCxnSpPr>
-            <a:stCxn id="7" idx="5"/>
-          </p:cNvCxnSpPr>
-          <p:nvPr/>
-        </p:nvCxnSpPr>
-        <p:spPr bwMode="auto">
-          <a:xfrm>
-            <a:off x="7237952" y="3687248"/>
-            <a:ext cx="790928" cy="884752"/>
-          </a:xfrm>
-          <a:prstGeom prst="line">
-            <a:avLst/>
-          </a:prstGeom>
-          <a:solidFill>
-            <a:schemeClr val="accent1"/>
-          </a:solidFill>
-          <a:ln w="9525" cap="flat" cmpd="sng" algn="ctr">
+            <a:ln w="9525" cap="flat" cmpd="sng" algn="ctr">
+              <a:solidFill>
+                <a:schemeClr val="tx1"/>
+              </a:solidFill>
+              <a:prstDash val="solid"/>
+              <a:round/>
+              <a:headEnd type="none" w="med" len="med"/>
+              <a:tailEnd type="none" w="med" len="med"/>
+            </a:ln>
+            <a:effectLst/>
+            <a:extLst>
+              <a:ext uri="{AF507438-7753-43E0-B8FC-AC1667EBCBE1}">
+                <a14:hiddenEffects xmlns:a14="http://schemas.microsoft.com/office/drawing/2010/main">
+                  <a:effectLst>
+                    <a:outerShdw dist="35921" dir="2700000" algn="ctr" rotWithShape="0">
+                      <a:schemeClr val="bg2"/>
+                    </a:outerShdw>
+                  </a:effectLst>
+                </a14:hiddenEffects>
+              </a:ext>
+            </a:extLst>
+          </p:spPr>
+        </p:cxnSp>
+        <p:cxnSp>
+          <p:nvCxnSpPr>
+            <p:cNvPr id="29" name="Straight Connector 28"/>
+            <p:cNvCxnSpPr>
+              <a:stCxn id="7" idx="5"/>
+            </p:cNvCxnSpPr>
+            <p:nvPr/>
+          </p:nvCxnSpPr>
+          <p:spPr bwMode="auto">
+            <a:xfrm>
+              <a:off x="7237952" y="3687248"/>
+              <a:ext cx="790928" cy="884752"/>
+            </a:xfrm>
+            <a:prstGeom prst="line">
+              <a:avLst/>
+            </a:prstGeom>
             <a:solidFill>
-              <a:schemeClr val="tx1"/>
+              <a:schemeClr val="accent1"/>
             </a:solidFill>
-            <a:prstDash val="solid"/>
-            <a:round/>
-            <a:headEnd type="none" w="med" len="med"/>
-            <a:tailEnd type="none" w="med" len="med"/>
-          </a:ln>
-          <a:effectLst/>
-          <a:extLst>
-            <a:ext uri="{AF507438-7753-43E0-B8FC-AC1667EBCBE1}">
-              <a14:hiddenEffects xmlns:a14="http://schemas.microsoft.com/office/drawing/2010/main">
-                <a:effectLst>
-                  <a:outerShdw dist="35921" dir="2700000" algn="ctr" rotWithShape="0">
-                    <a:schemeClr val="bg2"/>
-                  </a:outerShdw>
-                </a:effectLst>
-              </a14:hiddenEffects>
-            </a:ext>
-          </a:extLst>
-        </p:spPr>
-      </p:cxnSp>
-      <p:cxnSp>
-        <p:nvCxnSpPr>
-          <p:cNvPr id="31" name="Straight Connector 30"/>
-          <p:cNvCxnSpPr>
-            <a:stCxn id="6" idx="3"/>
-          </p:cNvCxnSpPr>
-          <p:nvPr/>
-        </p:nvCxnSpPr>
-        <p:spPr bwMode="auto">
-          <a:xfrm flipH="1">
-            <a:off x="2133600" y="2391848"/>
-            <a:ext cx="263992" cy="351352"/>
-          </a:xfrm>
-          <a:prstGeom prst="line">
-            <a:avLst/>
-          </a:prstGeom>
-          <a:solidFill>
-            <a:schemeClr val="accent1"/>
-          </a:solidFill>
-          <a:ln w="9525" cap="flat" cmpd="sng" algn="ctr">
+            <a:ln w="9525" cap="flat" cmpd="sng" algn="ctr">
+              <a:solidFill>
+                <a:schemeClr val="tx1"/>
+              </a:solidFill>
+              <a:prstDash val="solid"/>
+              <a:round/>
+              <a:headEnd type="none" w="med" len="med"/>
+              <a:tailEnd type="none" w="med" len="med"/>
+            </a:ln>
+            <a:effectLst/>
+            <a:extLst>
+              <a:ext uri="{AF507438-7753-43E0-B8FC-AC1667EBCBE1}">
+                <a14:hiddenEffects xmlns:a14="http://schemas.microsoft.com/office/drawing/2010/main">
+                  <a:effectLst>
+                    <a:outerShdw dist="35921" dir="2700000" algn="ctr" rotWithShape="0">
+                      <a:schemeClr val="bg2"/>
+                    </a:outerShdw>
+                  </a:effectLst>
+                </a14:hiddenEffects>
+              </a:ext>
+            </a:extLst>
+          </p:spPr>
+        </p:cxnSp>
+        <p:cxnSp>
+          <p:nvCxnSpPr>
+            <p:cNvPr id="31" name="Straight Connector 30"/>
+            <p:cNvCxnSpPr>
+              <a:stCxn id="6" idx="3"/>
+            </p:cNvCxnSpPr>
+            <p:nvPr/>
+          </p:nvCxnSpPr>
+          <p:spPr bwMode="auto">
+            <a:xfrm flipH="1">
+              <a:off x="2133600" y="2391848"/>
+              <a:ext cx="263992" cy="351352"/>
+            </a:xfrm>
+            <a:prstGeom prst="line">
+              <a:avLst/>
+            </a:prstGeom>
             <a:solidFill>
-              <a:schemeClr val="tx1"/>
+              <a:schemeClr val="accent1"/>
             </a:solidFill>
-            <a:prstDash val="solid"/>
-            <a:round/>
-            <a:headEnd type="none" w="med" len="med"/>
-            <a:tailEnd type="none" w="med" len="med"/>
-          </a:ln>
-          <a:effectLst/>
-          <a:extLst>
-            <a:ext uri="{AF507438-7753-43E0-B8FC-AC1667EBCBE1}">
-              <a14:hiddenEffects xmlns:a14="http://schemas.microsoft.com/office/drawing/2010/main">
-                <a:effectLst>
-                  <a:outerShdw dist="35921" dir="2700000" algn="ctr" rotWithShape="0">
-                    <a:schemeClr val="bg2"/>
-                  </a:outerShdw>
-                </a:effectLst>
-              </a14:hiddenEffects>
-            </a:ext>
-          </a:extLst>
-        </p:spPr>
-      </p:cxnSp>
-      <p:cxnSp>
-        <p:nvCxnSpPr>
-          <p:cNvPr id="33" name="Straight Connector 32"/>
-          <p:cNvCxnSpPr>
-            <a:stCxn id="6" idx="5"/>
-          </p:cNvCxnSpPr>
-          <p:nvPr/>
-        </p:nvCxnSpPr>
-        <p:spPr bwMode="auto">
-          <a:xfrm>
-            <a:off x="2936408" y="2391848"/>
-            <a:ext cx="225892" cy="351352"/>
-          </a:xfrm>
-          <a:prstGeom prst="line">
-            <a:avLst/>
-          </a:prstGeom>
-          <a:solidFill>
-            <a:schemeClr val="accent1"/>
-          </a:solidFill>
-          <a:ln w="9525" cap="flat" cmpd="sng" algn="ctr">
+            <a:ln w="9525" cap="flat" cmpd="sng" algn="ctr">
+              <a:solidFill>
+                <a:schemeClr val="tx1"/>
+              </a:solidFill>
+              <a:prstDash val="solid"/>
+              <a:round/>
+              <a:headEnd type="none" w="med" len="med"/>
+              <a:tailEnd type="none" w="med" len="med"/>
+            </a:ln>
+            <a:effectLst/>
+            <a:extLst>
+              <a:ext uri="{AF507438-7753-43E0-B8FC-AC1667EBCBE1}">
+                <a14:hiddenEffects xmlns:a14="http://schemas.microsoft.com/office/drawing/2010/main">
+                  <a:effectLst>
+                    <a:outerShdw dist="35921" dir="2700000" algn="ctr" rotWithShape="0">
+                      <a:schemeClr val="bg2"/>
+                    </a:outerShdw>
+                  </a:effectLst>
+                </a14:hiddenEffects>
+              </a:ext>
+            </a:extLst>
+          </p:spPr>
+        </p:cxnSp>
+        <p:cxnSp>
+          <p:nvCxnSpPr>
+            <p:cNvPr id="33" name="Straight Connector 32"/>
+            <p:cNvCxnSpPr>
+              <a:stCxn id="6" idx="5"/>
+            </p:cNvCxnSpPr>
+            <p:nvPr/>
+          </p:nvCxnSpPr>
+          <p:spPr bwMode="auto">
+            <a:xfrm>
+              <a:off x="2936408" y="2391848"/>
+              <a:ext cx="225892" cy="351352"/>
+            </a:xfrm>
+            <a:prstGeom prst="line">
+              <a:avLst/>
+            </a:prstGeom>
             <a:solidFill>
-              <a:schemeClr val="tx1"/>
+              <a:schemeClr val="accent1"/>
             </a:solidFill>
-            <a:prstDash val="solid"/>
-            <a:round/>
-            <a:headEnd type="none" w="med" len="med"/>
-            <a:tailEnd type="none" w="med" len="med"/>
-          </a:ln>
-          <a:effectLst/>
-          <a:extLst>
-            <a:ext uri="{AF507438-7753-43E0-B8FC-AC1667EBCBE1}">
-              <a14:hiddenEffects xmlns:a14="http://schemas.microsoft.com/office/drawing/2010/main">
-                <a:effectLst>
-                  <a:outerShdw dist="35921" dir="2700000" algn="ctr" rotWithShape="0">
-                    <a:schemeClr val="bg2"/>
-                  </a:outerShdw>
-                </a:effectLst>
-              </a14:hiddenEffects>
-            </a:ext>
-          </a:extLst>
-        </p:spPr>
-      </p:cxnSp>
-      <p:cxnSp>
-        <p:nvCxnSpPr>
-          <p:cNvPr id="36" name="Straight Connector 35"/>
-          <p:cNvCxnSpPr>
-            <a:stCxn id="12" idx="3"/>
-          </p:cNvCxnSpPr>
-          <p:nvPr/>
-        </p:nvCxnSpPr>
-        <p:spPr bwMode="auto">
-          <a:xfrm flipH="1">
-            <a:off x="3057684" y="5287448"/>
-            <a:ext cx="299384" cy="410648"/>
-          </a:xfrm>
-          <a:prstGeom prst="line">
-            <a:avLst/>
-          </a:prstGeom>
-          <a:solidFill>
-            <a:schemeClr val="accent1"/>
-          </a:solidFill>
-          <a:ln w="9525" cap="flat" cmpd="sng" algn="ctr">
+            <a:ln w="9525" cap="flat" cmpd="sng" algn="ctr">
+              <a:solidFill>
+                <a:schemeClr val="tx1"/>
+              </a:solidFill>
+              <a:prstDash val="solid"/>
+              <a:round/>
+              <a:headEnd type="none" w="med" len="med"/>
+              <a:tailEnd type="none" w="med" len="med"/>
+            </a:ln>
+            <a:effectLst/>
+            <a:extLst>
+              <a:ext uri="{AF507438-7753-43E0-B8FC-AC1667EBCBE1}">
+                <a14:hiddenEffects xmlns:a14="http://schemas.microsoft.com/office/drawing/2010/main">
+                  <a:effectLst>
+                    <a:outerShdw dist="35921" dir="2700000" algn="ctr" rotWithShape="0">
+                      <a:schemeClr val="bg2"/>
+                    </a:outerShdw>
+                  </a:effectLst>
+                </a14:hiddenEffects>
+              </a:ext>
+            </a:extLst>
+          </p:spPr>
+        </p:cxnSp>
+        <p:cxnSp>
+          <p:nvCxnSpPr>
+            <p:cNvPr id="36" name="Straight Connector 35"/>
+            <p:cNvCxnSpPr>
+              <a:stCxn id="12" idx="3"/>
+            </p:cNvCxnSpPr>
+            <p:nvPr/>
+          </p:nvCxnSpPr>
+          <p:spPr bwMode="auto">
+            <a:xfrm flipH="1">
+              <a:off x="3057684" y="5287448"/>
+              <a:ext cx="299384" cy="410648"/>
+            </a:xfrm>
+            <a:prstGeom prst="line">
+              <a:avLst/>
+            </a:prstGeom>
             <a:solidFill>
-              <a:schemeClr val="tx1"/>
+              <a:schemeClr val="accent1"/>
             </a:solidFill>
-            <a:prstDash val="solid"/>
-            <a:round/>
-            <a:headEnd type="none" w="med" len="med"/>
-            <a:tailEnd type="none" w="med" len="med"/>
-          </a:ln>
-          <a:effectLst/>
-          <a:extLst>
-            <a:ext uri="{AF507438-7753-43E0-B8FC-AC1667EBCBE1}">
-              <a14:hiddenEffects xmlns:a14="http://schemas.microsoft.com/office/drawing/2010/main">
-                <a:effectLst>
-                  <a:outerShdw dist="35921" dir="2700000" algn="ctr" rotWithShape="0">
-                    <a:schemeClr val="bg2"/>
-                  </a:outerShdw>
-                </a:effectLst>
-              </a14:hiddenEffects>
-            </a:ext>
-          </a:extLst>
-        </p:spPr>
-      </p:cxnSp>
-      <p:cxnSp>
-        <p:nvCxnSpPr>
-          <p:cNvPr id="38" name="Straight Connector 37"/>
-          <p:cNvCxnSpPr>
-            <a:stCxn id="12" idx="5"/>
-          </p:cNvCxnSpPr>
-          <p:nvPr/>
-        </p:nvCxnSpPr>
-        <p:spPr bwMode="auto">
-          <a:xfrm>
-            <a:off x="3895884" y="5287448"/>
-            <a:ext cx="178108" cy="410648"/>
-          </a:xfrm>
-          <a:prstGeom prst="line">
-            <a:avLst/>
-          </a:prstGeom>
-          <a:solidFill>
-            <a:schemeClr val="accent1"/>
-          </a:solidFill>
-          <a:ln w="9525" cap="flat" cmpd="sng" algn="ctr">
+            <a:ln w="9525" cap="flat" cmpd="sng" algn="ctr">
+              <a:solidFill>
+                <a:schemeClr val="tx1"/>
+              </a:solidFill>
+              <a:prstDash val="solid"/>
+              <a:round/>
+              <a:headEnd type="none" w="med" len="med"/>
+              <a:tailEnd type="none" w="med" len="med"/>
+            </a:ln>
+            <a:effectLst/>
+            <a:extLst>
+              <a:ext uri="{AF507438-7753-43E0-B8FC-AC1667EBCBE1}">
+                <a14:hiddenEffects xmlns:a14="http://schemas.microsoft.com/office/drawing/2010/main">
+                  <a:effectLst>
+                    <a:outerShdw dist="35921" dir="2700000" algn="ctr" rotWithShape="0">
+                      <a:schemeClr val="bg2"/>
+                    </a:outerShdw>
+                  </a:effectLst>
+                </a14:hiddenEffects>
+              </a:ext>
+            </a:extLst>
+          </p:spPr>
+        </p:cxnSp>
+        <p:cxnSp>
+          <p:nvCxnSpPr>
+            <p:cNvPr id="38" name="Straight Connector 37"/>
+            <p:cNvCxnSpPr>
+              <a:stCxn id="12" idx="5"/>
+            </p:cNvCxnSpPr>
+            <p:nvPr/>
+          </p:nvCxnSpPr>
+          <p:spPr bwMode="auto">
+            <a:xfrm>
+              <a:off x="3895884" y="5287448"/>
+              <a:ext cx="178108" cy="410648"/>
+            </a:xfrm>
+            <a:prstGeom prst="line">
+              <a:avLst/>
+            </a:prstGeom>
             <a:solidFill>
-              <a:schemeClr val="tx1"/>
+              <a:schemeClr val="accent1"/>
             </a:solidFill>
-            <a:prstDash val="solid"/>
-            <a:round/>
-            <a:headEnd type="none" w="med" len="med"/>
-            <a:tailEnd type="none" w="med" len="med"/>
-          </a:ln>
-          <a:effectLst/>
-          <a:extLst>
-            <a:ext uri="{AF507438-7753-43E0-B8FC-AC1667EBCBE1}">
-              <a14:hiddenEffects xmlns:a14="http://schemas.microsoft.com/office/drawing/2010/main">
-                <a:effectLst>
-                  <a:outerShdw dist="35921" dir="2700000" algn="ctr" rotWithShape="0">
-                    <a:schemeClr val="bg2"/>
-                  </a:outerShdw>
-                </a:effectLst>
-              </a14:hiddenEffects>
-            </a:ext>
-          </a:extLst>
-        </p:spPr>
-      </p:cxnSp>
-      <p:cxnSp>
-        <p:nvCxnSpPr>
-          <p:cNvPr id="42" name="Straight Connector 41"/>
-          <p:cNvCxnSpPr/>
-          <p:nvPr/>
-        </p:nvCxnSpPr>
-        <p:spPr bwMode="auto">
-          <a:xfrm flipH="1">
-            <a:off x="4541450" y="5288857"/>
-            <a:ext cx="299384" cy="410648"/>
-          </a:xfrm>
-          <a:prstGeom prst="line">
-            <a:avLst/>
-          </a:prstGeom>
-          <a:solidFill>
-            <a:schemeClr val="accent1"/>
-          </a:solidFill>
-          <a:ln w="9525" cap="flat" cmpd="sng" algn="ctr">
+            <a:ln w="9525" cap="flat" cmpd="sng" algn="ctr">
+              <a:solidFill>
+                <a:schemeClr val="tx1"/>
+              </a:solidFill>
+              <a:prstDash val="solid"/>
+              <a:round/>
+              <a:headEnd type="none" w="med" len="med"/>
+              <a:tailEnd type="none" w="med" len="med"/>
+            </a:ln>
+            <a:effectLst/>
+            <a:extLst>
+              <a:ext uri="{AF507438-7753-43E0-B8FC-AC1667EBCBE1}">
+                <a14:hiddenEffects xmlns:a14="http://schemas.microsoft.com/office/drawing/2010/main">
+                  <a:effectLst>
+                    <a:outerShdw dist="35921" dir="2700000" algn="ctr" rotWithShape="0">
+                      <a:schemeClr val="bg2"/>
+                    </a:outerShdw>
+                  </a:effectLst>
+                </a14:hiddenEffects>
+              </a:ext>
+            </a:extLst>
+          </p:spPr>
+        </p:cxnSp>
+        <p:cxnSp>
+          <p:nvCxnSpPr>
+            <p:cNvPr id="42" name="Straight Connector 41"/>
+            <p:cNvCxnSpPr/>
+            <p:nvPr/>
+          </p:nvCxnSpPr>
+          <p:spPr bwMode="auto">
+            <a:xfrm flipH="1">
+              <a:off x="4541450" y="5288857"/>
+              <a:ext cx="299384" cy="410648"/>
+            </a:xfrm>
+            <a:prstGeom prst="line">
+              <a:avLst/>
+            </a:prstGeom>
             <a:solidFill>
-              <a:schemeClr val="tx1"/>
+              <a:schemeClr val="accent1"/>
             </a:solidFill>
-            <a:prstDash val="solid"/>
-            <a:round/>
-            <a:headEnd type="none" w="med" len="med"/>
-            <a:tailEnd type="none" w="med" len="med"/>
-          </a:ln>
-          <a:effectLst/>
-          <a:extLst>
-            <a:ext uri="{AF507438-7753-43E0-B8FC-AC1667EBCBE1}">
-              <a14:hiddenEffects xmlns:a14="http://schemas.microsoft.com/office/drawing/2010/main">
-                <a:effectLst>
-                  <a:outerShdw dist="35921" dir="2700000" algn="ctr" rotWithShape="0">
-                    <a:schemeClr val="bg2"/>
-                  </a:outerShdw>
-                </a:effectLst>
-              </a14:hiddenEffects>
-            </a:ext>
-          </a:extLst>
-        </p:spPr>
-      </p:cxnSp>
-      <p:cxnSp>
-        <p:nvCxnSpPr>
-          <p:cNvPr id="43" name="Straight Connector 42"/>
-          <p:cNvCxnSpPr/>
-          <p:nvPr/>
-        </p:nvCxnSpPr>
-        <p:spPr bwMode="auto">
-          <a:xfrm flipH="1">
-            <a:off x="7590486" y="5287448"/>
-            <a:ext cx="299384" cy="410648"/>
-          </a:xfrm>
-          <a:prstGeom prst="line">
-            <a:avLst/>
-          </a:prstGeom>
-          <a:solidFill>
-            <a:schemeClr val="accent1"/>
-          </a:solidFill>
-          <a:ln w="9525" cap="flat" cmpd="sng" algn="ctr">
+            <a:ln w="9525" cap="flat" cmpd="sng" algn="ctr">
+              <a:solidFill>
+                <a:schemeClr val="tx1"/>
+              </a:solidFill>
+              <a:prstDash val="solid"/>
+              <a:round/>
+              <a:headEnd type="none" w="med" len="med"/>
+              <a:tailEnd type="none" w="med" len="med"/>
+            </a:ln>
+            <a:effectLst/>
+            <a:extLst>
+              <a:ext uri="{AF507438-7753-43E0-B8FC-AC1667EBCBE1}">
+                <a14:hiddenEffects xmlns:a14="http://schemas.microsoft.com/office/drawing/2010/main">
+                  <a:effectLst>
+                    <a:outerShdw dist="35921" dir="2700000" algn="ctr" rotWithShape="0">
+                      <a:schemeClr val="bg2"/>
+                    </a:outerShdw>
+                  </a:effectLst>
+                </a14:hiddenEffects>
+              </a:ext>
+            </a:extLst>
+          </p:spPr>
+        </p:cxnSp>
+        <p:cxnSp>
+          <p:nvCxnSpPr>
+            <p:cNvPr id="43" name="Straight Connector 42"/>
+            <p:cNvCxnSpPr/>
+            <p:nvPr/>
+          </p:nvCxnSpPr>
+          <p:spPr bwMode="auto">
+            <a:xfrm flipH="1">
+              <a:off x="7590486" y="5287448"/>
+              <a:ext cx="299384" cy="410648"/>
+            </a:xfrm>
+            <a:prstGeom prst="line">
+              <a:avLst/>
+            </a:prstGeom>
             <a:solidFill>
-              <a:schemeClr val="tx1"/>
+              <a:schemeClr val="accent1"/>
             </a:solidFill>
-            <a:prstDash val="solid"/>
-            <a:round/>
-            <a:headEnd type="none" w="med" len="med"/>
-            <a:tailEnd type="none" w="med" len="med"/>
-          </a:ln>
-          <a:effectLst/>
-          <a:extLst>
-            <a:ext uri="{AF507438-7753-43E0-B8FC-AC1667EBCBE1}">
-              <a14:hiddenEffects xmlns:a14="http://schemas.microsoft.com/office/drawing/2010/main">
-                <a:effectLst>
-                  <a:outerShdw dist="35921" dir="2700000" algn="ctr" rotWithShape="0">
-                    <a:schemeClr val="bg2"/>
-                  </a:outerShdw>
-                </a:effectLst>
-              </a14:hiddenEffects>
-            </a:ext>
-          </a:extLst>
-        </p:spPr>
-      </p:cxnSp>
-      <p:cxnSp>
-        <p:nvCxnSpPr>
-          <p:cNvPr id="44" name="Straight Connector 43"/>
-          <p:cNvCxnSpPr/>
-          <p:nvPr/>
-        </p:nvCxnSpPr>
-        <p:spPr bwMode="auto">
-          <a:xfrm>
-            <a:off x="8423856" y="5307270"/>
-            <a:ext cx="178108" cy="410648"/>
-          </a:xfrm>
-          <a:prstGeom prst="line">
-            <a:avLst/>
-          </a:prstGeom>
-          <a:solidFill>
-            <a:schemeClr val="accent1"/>
-          </a:solidFill>
-          <a:ln w="9525" cap="flat" cmpd="sng" algn="ctr">
+            <a:ln w="9525" cap="flat" cmpd="sng" algn="ctr">
+              <a:solidFill>
+                <a:schemeClr val="tx1"/>
+              </a:solidFill>
+              <a:prstDash val="solid"/>
+              <a:round/>
+              <a:headEnd type="none" w="med" len="med"/>
+              <a:tailEnd type="none" w="med" len="med"/>
+            </a:ln>
+            <a:effectLst/>
+            <a:extLst>
+              <a:ext uri="{AF507438-7753-43E0-B8FC-AC1667EBCBE1}">
+                <a14:hiddenEffects xmlns:a14="http://schemas.microsoft.com/office/drawing/2010/main">
+                  <a:effectLst>
+                    <a:outerShdw dist="35921" dir="2700000" algn="ctr" rotWithShape="0">
+                      <a:schemeClr val="bg2"/>
+                    </a:outerShdw>
+                  </a:effectLst>
+                </a14:hiddenEffects>
+              </a:ext>
+            </a:extLst>
+          </p:spPr>
+        </p:cxnSp>
+        <p:cxnSp>
+          <p:nvCxnSpPr>
+            <p:cNvPr id="44" name="Straight Connector 43"/>
+            <p:cNvCxnSpPr/>
+            <p:nvPr/>
+          </p:nvCxnSpPr>
+          <p:spPr bwMode="auto">
+            <a:xfrm>
+              <a:off x="8423856" y="5307270"/>
+              <a:ext cx="178108" cy="410648"/>
+            </a:xfrm>
+            <a:prstGeom prst="line">
+              <a:avLst/>
+            </a:prstGeom>
             <a:solidFill>
-              <a:schemeClr val="tx1"/>
+              <a:schemeClr val="accent1"/>
             </a:solidFill>
-            <a:prstDash val="solid"/>
-            <a:round/>
-            <a:headEnd type="none" w="med" len="med"/>
-            <a:tailEnd type="none" w="med" len="med"/>
-          </a:ln>
-          <a:effectLst/>
-          <a:extLst>
-            <a:ext uri="{AF507438-7753-43E0-B8FC-AC1667EBCBE1}">
-              <a14:hiddenEffects xmlns:a14="http://schemas.microsoft.com/office/drawing/2010/main">
-                <a:effectLst>
-                  <a:outerShdw dist="35921" dir="2700000" algn="ctr" rotWithShape="0">
-                    <a:schemeClr val="bg2"/>
-                  </a:outerShdw>
-                </a:effectLst>
-              </a14:hiddenEffects>
-            </a:ext>
-          </a:extLst>
-        </p:spPr>
-      </p:cxnSp>
-      <p:cxnSp>
-        <p:nvCxnSpPr>
-          <p:cNvPr id="45" name="Straight Connector 44"/>
-          <p:cNvCxnSpPr/>
-          <p:nvPr/>
-        </p:nvCxnSpPr>
-        <p:spPr bwMode="auto">
-          <a:xfrm>
-            <a:off x="5334056" y="5349529"/>
-            <a:ext cx="178108" cy="410648"/>
-          </a:xfrm>
-          <a:prstGeom prst="line">
-            <a:avLst/>
-          </a:prstGeom>
-          <a:solidFill>
-            <a:schemeClr val="accent1"/>
-          </a:solidFill>
-          <a:ln w="9525" cap="flat" cmpd="sng" algn="ctr">
+            <a:ln w="9525" cap="flat" cmpd="sng" algn="ctr">
+              <a:solidFill>
+                <a:schemeClr val="tx1"/>
+              </a:solidFill>
+              <a:prstDash val="solid"/>
+              <a:round/>
+              <a:headEnd type="none" w="med" len="med"/>
+              <a:tailEnd type="none" w="med" len="med"/>
+            </a:ln>
+            <a:effectLst/>
+            <a:extLst>
+              <a:ext uri="{AF507438-7753-43E0-B8FC-AC1667EBCBE1}">
+                <a14:hiddenEffects xmlns:a14="http://schemas.microsoft.com/office/drawing/2010/main">
+                  <a:effectLst>
+                    <a:outerShdw dist="35921" dir="2700000" algn="ctr" rotWithShape="0">
+                      <a:schemeClr val="bg2"/>
+                    </a:outerShdw>
+                  </a:effectLst>
+                </a14:hiddenEffects>
+              </a:ext>
+            </a:extLst>
+          </p:spPr>
+        </p:cxnSp>
+        <p:cxnSp>
+          <p:nvCxnSpPr>
+            <p:cNvPr id="45" name="Straight Connector 44"/>
+            <p:cNvCxnSpPr/>
+            <p:nvPr/>
+          </p:nvCxnSpPr>
+          <p:spPr bwMode="auto">
+            <a:xfrm>
+              <a:off x="5334056" y="5349529"/>
+              <a:ext cx="178108" cy="410648"/>
+            </a:xfrm>
+            <a:prstGeom prst="line">
+              <a:avLst/>
+            </a:prstGeom>
             <a:solidFill>
-              <a:schemeClr val="tx1"/>
+              <a:schemeClr val="accent1"/>
             </a:solidFill>
-            <a:prstDash val="solid"/>
-            <a:round/>
-            <a:headEnd type="none" w="med" len="med"/>
-            <a:tailEnd type="none" w="med" len="med"/>
-          </a:ln>
-          <a:effectLst/>
-          <a:extLst>
-            <a:ext uri="{AF507438-7753-43E0-B8FC-AC1667EBCBE1}">
-              <a14:hiddenEffects xmlns:a14="http://schemas.microsoft.com/office/drawing/2010/main">
-                <a:effectLst>
-                  <a:outerShdw dist="35921" dir="2700000" algn="ctr" rotWithShape="0">
-                    <a:schemeClr val="bg2"/>
-                  </a:outerShdw>
-                </a:effectLst>
-              </a14:hiddenEffects>
-            </a:ext>
-          </a:extLst>
-        </p:spPr>
-      </p:cxnSp>
-      <p:cxnSp>
-        <p:nvCxnSpPr>
-          <p:cNvPr id="46" name="Straight Connector 45"/>
-          <p:cNvCxnSpPr/>
-          <p:nvPr/>
-        </p:nvCxnSpPr>
-        <p:spPr bwMode="auto">
-          <a:xfrm flipH="1">
-            <a:off x="6416419" y="3726892"/>
-            <a:ext cx="299384" cy="410648"/>
-          </a:xfrm>
-          <a:prstGeom prst="line">
-            <a:avLst/>
-          </a:prstGeom>
-          <a:solidFill>
-            <a:schemeClr val="accent1"/>
-          </a:solidFill>
-          <a:ln w="9525" cap="flat" cmpd="sng" algn="ctr">
+            <a:ln w="9525" cap="flat" cmpd="sng" algn="ctr">
+              <a:solidFill>
+                <a:schemeClr val="tx1"/>
+              </a:solidFill>
+              <a:prstDash val="solid"/>
+              <a:round/>
+              <a:headEnd type="none" w="med" len="med"/>
+              <a:tailEnd type="none" w="med" len="med"/>
+            </a:ln>
+            <a:effectLst/>
+            <a:extLst>
+              <a:ext uri="{AF507438-7753-43E0-B8FC-AC1667EBCBE1}">
+                <a14:hiddenEffects xmlns:a14="http://schemas.microsoft.com/office/drawing/2010/main">
+                  <a:effectLst>
+                    <a:outerShdw dist="35921" dir="2700000" algn="ctr" rotWithShape="0">
+                      <a:schemeClr val="bg2"/>
+                    </a:outerShdw>
+                  </a:effectLst>
+                </a14:hiddenEffects>
+              </a:ext>
+            </a:extLst>
+          </p:spPr>
+        </p:cxnSp>
+        <p:cxnSp>
+          <p:nvCxnSpPr>
+            <p:cNvPr id="46" name="Straight Connector 45"/>
+            <p:cNvCxnSpPr/>
+            <p:nvPr/>
+          </p:nvCxnSpPr>
+          <p:spPr bwMode="auto">
+            <a:xfrm flipH="1">
+              <a:off x="6416419" y="3726892"/>
+              <a:ext cx="299384" cy="410648"/>
+            </a:xfrm>
+            <a:prstGeom prst="line">
+              <a:avLst/>
+            </a:prstGeom>
             <a:solidFill>
-              <a:schemeClr val="tx1"/>
+              <a:schemeClr val="accent1"/>
             </a:solidFill>
-            <a:prstDash val="solid"/>
-            <a:round/>
-            <a:headEnd type="none" w="med" len="med"/>
-            <a:tailEnd type="none" w="med" len="med"/>
-          </a:ln>
-          <a:effectLst/>
-          <a:extLst>
-            <a:ext uri="{AF507438-7753-43E0-B8FC-AC1667EBCBE1}">
-              <a14:hiddenEffects xmlns:a14="http://schemas.microsoft.com/office/drawing/2010/main">
-                <a:effectLst>
-                  <a:outerShdw dist="35921" dir="2700000" algn="ctr" rotWithShape="0">
-                    <a:schemeClr val="bg2"/>
-                  </a:outerShdw>
-                </a:effectLst>
-              </a14:hiddenEffects>
-            </a:ext>
-          </a:extLst>
-        </p:spPr>
-      </p:cxnSp>
-      <p:sp>
-        <p:nvSpPr>
-          <p:cNvPr id="47" name="TextBox 46"/>
+            <a:ln w="9525" cap="flat" cmpd="sng" algn="ctr">
+              <a:solidFill>
+                <a:schemeClr val="tx1"/>
+              </a:solidFill>
+              <a:prstDash val="solid"/>
+              <a:round/>
+              <a:headEnd type="none" w="med" len="med"/>
+              <a:tailEnd type="none" w="med" len="med"/>
+            </a:ln>
+            <a:effectLst/>
+            <a:extLst>
+              <a:ext uri="{AF507438-7753-43E0-B8FC-AC1667EBCBE1}">
+                <a14:hiddenEffects xmlns:a14="http://schemas.microsoft.com/office/drawing/2010/main">
+                  <a:effectLst>
+                    <a:outerShdw dist="35921" dir="2700000" algn="ctr" rotWithShape="0">
+                      <a:schemeClr val="bg2"/>
+                    </a:outerShdw>
+                  </a:effectLst>
+                </a14:hiddenEffects>
+              </a:ext>
+            </a:extLst>
+          </p:spPr>
+        </p:cxnSp>
+        <p:sp>
+          <p:nvSpPr>
+            <p:cNvPr id="47" name="TextBox 46"/>
+            <p:cNvSpPr txBox="1"/>
+            <p:nvPr/>
+          </p:nvSpPr>
+          <p:spPr>
+            <a:xfrm>
+              <a:off x="1905000" y="2743200"/>
+              <a:ext cx="762000" cy="400110"/>
+            </a:xfrm>
+            <a:prstGeom prst="rect">
+              <a:avLst/>
+            </a:prstGeom>
+            <a:noFill/>
+          </p:spPr>
+          <p:txBody>
+            <a:bodyPr wrap="square" rtlCol="0">
+              <a:spAutoFit/>
+            </a:bodyPr>
+            <a:lstStyle/>
+            <a:p>
+              <a:r>
+                <a:rPr lang="en-US" sz="2000" dirty="0" smtClean="0"/>
+                <a:t>nil</a:t>
+              </a:r>
+              <a:endParaRPr lang="en-US" sz="2000" dirty="0"/>
+            </a:p>
+          </p:txBody>
+        </p:sp>
+        <p:sp>
+          <p:nvSpPr>
+            <p:cNvPr id="48" name="TextBox 47"/>
+            <p:cNvSpPr txBox="1"/>
+            <p:nvPr/>
+          </p:nvSpPr>
+          <p:spPr>
+            <a:xfrm>
+              <a:off x="3819684" y="5650747"/>
+              <a:ext cx="762000" cy="400110"/>
+            </a:xfrm>
+            <a:prstGeom prst="rect">
+              <a:avLst/>
+            </a:prstGeom>
+            <a:noFill/>
+          </p:spPr>
+          <p:txBody>
+            <a:bodyPr wrap="square" rtlCol="0">
+              <a:spAutoFit/>
+            </a:bodyPr>
+            <a:lstStyle/>
+            <a:p>
+              <a:r>
+                <a:rPr lang="en-US" sz="2000" dirty="0" smtClean="0"/>
+                <a:t>nil</a:t>
+              </a:r>
+              <a:endParaRPr lang="en-US" sz="2000" dirty="0"/>
+            </a:p>
+          </p:txBody>
+        </p:sp>
+        <p:sp>
+          <p:nvSpPr>
+            <p:cNvPr id="49" name="TextBox 48"/>
+            <p:cNvSpPr txBox="1"/>
+            <p:nvPr/>
+          </p:nvSpPr>
+          <p:spPr>
+            <a:xfrm>
+              <a:off x="2727407" y="5698096"/>
+              <a:ext cx="762000" cy="400110"/>
+            </a:xfrm>
+            <a:prstGeom prst="rect">
+              <a:avLst/>
+            </a:prstGeom>
+            <a:noFill/>
+          </p:spPr>
+          <p:txBody>
+            <a:bodyPr wrap="square" rtlCol="0">
+              <a:spAutoFit/>
+            </a:bodyPr>
+            <a:lstStyle/>
+            <a:p>
+              <a:r>
+                <a:rPr lang="en-US" sz="2000" dirty="0" smtClean="0"/>
+                <a:t>nil</a:t>
+              </a:r>
+              <a:endParaRPr lang="en-US" sz="2000" dirty="0"/>
+            </a:p>
+          </p:txBody>
+        </p:sp>
+        <p:sp>
+          <p:nvSpPr>
+            <p:cNvPr id="50" name="TextBox 49"/>
+            <p:cNvSpPr txBox="1"/>
+            <p:nvPr/>
+          </p:nvSpPr>
+          <p:spPr>
+            <a:xfrm>
+              <a:off x="2953580" y="2683904"/>
+              <a:ext cx="762000" cy="400110"/>
+            </a:xfrm>
+            <a:prstGeom prst="rect">
+              <a:avLst/>
+            </a:prstGeom>
+            <a:noFill/>
+          </p:spPr>
+          <p:txBody>
+            <a:bodyPr wrap="square" rtlCol="0">
+              <a:spAutoFit/>
+            </a:bodyPr>
+            <a:lstStyle/>
+            <a:p>
+              <a:r>
+                <a:rPr lang="en-US" sz="2000" dirty="0" smtClean="0"/>
+                <a:t>nil</a:t>
+              </a:r>
+              <a:endParaRPr lang="en-US" sz="2000" dirty="0"/>
+            </a:p>
+          </p:txBody>
+        </p:sp>
+        <p:sp>
+          <p:nvSpPr>
+            <p:cNvPr id="51" name="TextBox 50"/>
+            <p:cNvSpPr txBox="1"/>
+            <p:nvPr/>
+          </p:nvSpPr>
+          <p:spPr>
+            <a:xfrm>
+              <a:off x="8423856" y="5681997"/>
+              <a:ext cx="762000" cy="400110"/>
+            </a:xfrm>
+            <a:prstGeom prst="rect">
+              <a:avLst/>
+            </a:prstGeom>
+            <a:noFill/>
+          </p:spPr>
+          <p:txBody>
+            <a:bodyPr wrap="square" rtlCol="0">
+              <a:spAutoFit/>
+            </a:bodyPr>
+            <a:lstStyle/>
+            <a:p>
+              <a:r>
+                <a:rPr lang="en-US" sz="2000" dirty="0" smtClean="0"/>
+                <a:t>nil</a:t>
+              </a:r>
+              <a:endParaRPr lang="en-US" sz="2000" dirty="0"/>
+            </a:p>
+          </p:txBody>
+        </p:sp>
+        <p:sp>
+          <p:nvSpPr>
+            <p:cNvPr id="52" name="TextBox 51"/>
+            <p:cNvSpPr txBox="1"/>
+            <p:nvPr/>
+          </p:nvSpPr>
+          <p:spPr>
+            <a:xfrm>
+              <a:off x="7391400" y="5648697"/>
+              <a:ext cx="762000" cy="400110"/>
+            </a:xfrm>
+            <a:prstGeom prst="rect">
+              <a:avLst/>
+            </a:prstGeom>
+            <a:noFill/>
+          </p:spPr>
+          <p:txBody>
+            <a:bodyPr wrap="square" rtlCol="0">
+              <a:spAutoFit/>
+            </a:bodyPr>
+            <a:lstStyle/>
+            <a:p>
+              <a:r>
+                <a:rPr lang="en-US" sz="2000" dirty="0" smtClean="0"/>
+                <a:t>nil</a:t>
+              </a:r>
+              <a:endParaRPr lang="en-US" sz="2000" dirty="0"/>
+            </a:p>
+          </p:txBody>
+        </p:sp>
+        <p:sp>
+          <p:nvSpPr>
+            <p:cNvPr id="53" name="TextBox 52"/>
+            <p:cNvSpPr txBox="1"/>
+            <p:nvPr/>
+          </p:nvSpPr>
+          <p:spPr>
+            <a:xfrm>
+              <a:off x="6243034" y="4049772"/>
+              <a:ext cx="762000" cy="400110"/>
+            </a:xfrm>
+            <a:prstGeom prst="rect">
+              <a:avLst/>
+            </a:prstGeom>
+            <a:noFill/>
+          </p:spPr>
+          <p:txBody>
+            <a:bodyPr wrap="square" rtlCol="0">
+              <a:spAutoFit/>
+            </a:bodyPr>
+            <a:lstStyle/>
+            <a:p>
+              <a:r>
+                <a:rPr lang="en-US" sz="2000" dirty="0" smtClean="0"/>
+                <a:t>nil</a:t>
+              </a:r>
+              <a:endParaRPr lang="en-US" sz="2000" dirty="0"/>
+            </a:p>
+          </p:txBody>
+        </p:sp>
+        <p:sp>
+          <p:nvSpPr>
+            <p:cNvPr id="54" name="TextBox 53"/>
+            <p:cNvSpPr txBox="1"/>
+            <p:nvPr/>
+          </p:nvSpPr>
+          <p:spPr>
+            <a:xfrm>
+              <a:off x="5334056" y="5648697"/>
+              <a:ext cx="762000" cy="400110"/>
+            </a:xfrm>
+            <a:prstGeom prst="rect">
+              <a:avLst/>
+            </a:prstGeom>
+            <a:noFill/>
+          </p:spPr>
+          <p:txBody>
+            <a:bodyPr wrap="square" rtlCol="0">
+              <a:spAutoFit/>
+            </a:bodyPr>
+            <a:lstStyle/>
+            <a:p>
+              <a:r>
+                <a:rPr lang="en-US" sz="2000" dirty="0" smtClean="0"/>
+                <a:t>nil</a:t>
+              </a:r>
+              <a:endParaRPr lang="en-US" sz="2000" dirty="0"/>
+            </a:p>
+          </p:txBody>
+        </p:sp>
+        <p:sp>
+          <p:nvSpPr>
+            <p:cNvPr id="55" name="TextBox 54"/>
+            <p:cNvSpPr txBox="1"/>
+            <p:nvPr/>
+          </p:nvSpPr>
+          <p:spPr>
+            <a:xfrm>
+              <a:off x="4304296" y="5648697"/>
+              <a:ext cx="762000" cy="400110"/>
+            </a:xfrm>
+            <a:prstGeom prst="rect">
+              <a:avLst/>
+            </a:prstGeom>
+            <a:noFill/>
+          </p:spPr>
+          <p:txBody>
+            <a:bodyPr wrap="square" rtlCol="0">
+              <a:spAutoFit/>
+            </a:bodyPr>
+            <a:lstStyle/>
+            <a:p>
+              <a:r>
+                <a:rPr lang="en-US" sz="2000" dirty="0" smtClean="0"/>
+                <a:t>nil</a:t>
+              </a:r>
+              <a:endParaRPr lang="en-US" sz="2000" dirty="0"/>
+            </a:p>
+          </p:txBody>
+        </p:sp>
+      </p:grpSp>
+      <p:sp>
+        <p:nvSpPr>
+          <p:cNvPr id="13" name="TextBox 12"/>
           <p:cNvSpPr txBox="1"/>
           <p:nvPr/>
         </p:nvSpPr>
         <p:spPr>
           <a:xfrm>
-            <a:off x="1905000" y="2743200"/>
-            <a:ext cx="762000" cy="400110"/>
+            <a:off x="3200899" y="494602"/>
+            <a:ext cx="3329758" cy="646331"/>
           </a:xfrm>
           <a:prstGeom prst="rect">
             <a:avLst/>
@@ -8459,256 +8719,16 @@
           <a:noFill/>
         </p:spPr>
         <p:txBody>
-          <a:bodyPr wrap="square" rtlCol="0">
+          <a:bodyPr wrap="none" rtlCol="0">
             <a:spAutoFit/>
           </a:bodyPr>
           <a:lstStyle/>
           <a:p>
             <a:r>
-              <a:rPr lang="en-US" sz="2000" dirty="0" smtClean="0"/>
-              <a:t>nil</a:t>
-            </a:r>
-            <a:endParaRPr lang="en-US" sz="2000" dirty="0"/>
-          </a:p>
-        </p:txBody>
-      </p:sp>
-      <p:sp>
-        <p:nvSpPr>
-          <p:cNvPr id="48" name="TextBox 47"/>
-          <p:cNvSpPr txBox="1"/>
-          <p:nvPr/>
-        </p:nvSpPr>
-        <p:spPr>
-          <a:xfrm>
-            <a:off x="3819684" y="5650747"/>
-            <a:ext cx="762000" cy="400110"/>
-          </a:xfrm>
-          <a:prstGeom prst="rect">
-            <a:avLst/>
-          </a:prstGeom>
-          <a:noFill/>
-        </p:spPr>
-        <p:txBody>
-          <a:bodyPr wrap="square" rtlCol="0">
-            <a:spAutoFit/>
-          </a:bodyPr>
-          <a:lstStyle/>
-          <a:p>
-            <a:r>
-              <a:rPr lang="en-US" sz="2000" dirty="0" smtClean="0"/>
-              <a:t>nil</a:t>
-            </a:r>
-            <a:endParaRPr lang="en-US" sz="2000" dirty="0"/>
-          </a:p>
-        </p:txBody>
-      </p:sp>
-      <p:sp>
-        <p:nvSpPr>
-          <p:cNvPr id="49" name="TextBox 48"/>
-          <p:cNvSpPr txBox="1"/>
-          <p:nvPr/>
-        </p:nvSpPr>
-        <p:spPr>
-          <a:xfrm>
-            <a:off x="2727407" y="5698096"/>
-            <a:ext cx="762000" cy="400110"/>
-          </a:xfrm>
-          <a:prstGeom prst="rect">
-            <a:avLst/>
-          </a:prstGeom>
-          <a:noFill/>
-        </p:spPr>
-        <p:txBody>
-          <a:bodyPr wrap="square" rtlCol="0">
-            <a:spAutoFit/>
-          </a:bodyPr>
-          <a:lstStyle/>
-          <a:p>
-            <a:r>
-              <a:rPr lang="en-US" sz="2000" dirty="0" smtClean="0"/>
-              <a:t>nil</a:t>
-            </a:r>
-            <a:endParaRPr lang="en-US" sz="2000" dirty="0"/>
-          </a:p>
-        </p:txBody>
-      </p:sp>
-      <p:sp>
-        <p:nvSpPr>
-          <p:cNvPr id="50" name="TextBox 49"/>
-          <p:cNvSpPr txBox="1"/>
-          <p:nvPr/>
-        </p:nvSpPr>
-        <p:spPr>
-          <a:xfrm>
-            <a:off x="2953580" y="2683904"/>
-            <a:ext cx="762000" cy="400110"/>
-          </a:xfrm>
-          <a:prstGeom prst="rect">
-            <a:avLst/>
-          </a:prstGeom>
-          <a:noFill/>
-        </p:spPr>
-        <p:txBody>
-          <a:bodyPr wrap="square" rtlCol="0">
-            <a:spAutoFit/>
-          </a:bodyPr>
-          <a:lstStyle/>
-          <a:p>
-            <a:r>
-              <a:rPr lang="en-US" sz="2000" dirty="0" smtClean="0"/>
-              <a:t>nil</a:t>
-            </a:r>
-            <a:endParaRPr lang="en-US" sz="2000" dirty="0"/>
-          </a:p>
-        </p:txBody>
-      </p:sp>
-      <p:sp>
-        <p:nvSpPr>
-          <p:cNvPr id="51" name="TextBox 50"/>
-          <p:cNvSpPr txBox="1"/>
-          <p:nvPr/>
-        </p:nvSpPr>
-        <p:spPr>
-          <a:xfrm>
-            <a:off x="8423856" y="5681997"/>
-            <a:ext cx="762000" cy="400110"/>
-          </a:xfrm>
-          <a:prstGeom prst="rect">
-            <a:avLst/>
-          </a:prstGeom>
-          <a:noFill/>
-        </p:spPr>
-        <p:txBody>
-          <a:bodyPr wrap="square" rtlCol="0">
-            <a:spAutoFit/>
-          </a:bodyPr>
-          <a:lstStyle/>
-          <a:p>
-            <a:r>
-              <a:rPr lang="en-US" sz="2000" dirty="0" smtClean="0"/>
-              <a:t>nil</a:t>
-            </a:r>
-            <a:endParaRPr lang="en-US" sz="2000" dirty="0"/>
-          </a:p>
-        </p:txBody>
-      </p:sp>
-      <p:sp>
-        <p:nvSpPr>
-          <p:cNvPr id="52" name="TextBox 51"/>
-          <p:cNvSpPr txBox="1"/>
-          <p:nvPr/>
-        </p:nvSpPr>
-        <p:spPr>
-          <a:xfrm>
-            <a:off x="7391400" y="5648697"/>
-            <a:ext cx="762000" cy="400110"/>
-          </a:xfrm>
-          <a:prstGeom prst="rect">
-            <a:avLst/>
-          </a:prstGeom>
-          <a:noFill/>
-        </p:spPr>
-        <p:txBody>
-          <a:bodyPr wrap="square" rtlCol="0">
-            <a:spAutoFit/>
-          </a:bodyPr>
-          <a:lstStyle/>
-          <a:p>
-            <a:r>
-              <a:rPr lang="en-US" sz="2000" dirty="0" smtClean="0"/>
-              <a:t>nil</a:t>
-            </a:r>
-            <a:endParaRPr lang="en-US" sz="2000" dirty="0"/>
-          </a:p>
-        </p:txBody>
-      </p:sp>
-      <p:sp>
-        <p:nvSpPr>
-          <p:cNvPr id="53" name="TextBox 52"/>
-          <p:cNvSpPr txBox="1"/>
-          <p:nvPr/>
-        </p:nvSpPr>
-        <p:spPr>
-          <a:xfrm>
-            <a:off x="6243034" y="4049772"/>
-            <a:ext cx="762000" cy="400110"/>
-          </a:xfrm>
-          <a:prstGeom prst="rect">
-            <a:avLst/>
-          </a:prstGeom>
-          <a:noFill/>
-        </p:spPr>
-        <p:txBody>
-          <a:bodyPr wrap="square" rtlCol="0">
-            <a:spAutoFit/>
-          </a:bodyPr>
-          <a:lstStyle/>
-          <a:p>
-            <a:r>
-              <a:rPr lang="en-US" sz="2000" dirty="0" smtClean="0"/>
-              <a:t>nil</a:t>
-            </a:r>
-            <a:endParaRPr lang="en-US" sz="2000" dirty="0"/>
-          </a:p>
-        </p:txBody>
-      </p:sp>
-      <p:sp>
-        <p:nvSpPr>
-          <p:cNvPr id="54" name="TextBox 53"/>
-          <p:cNvSpPr txBox="1"/>
-          <p:nvPr/>
-        </p:nvSpPr>
-        <p:spPr>
-          <a:xfrm>
-            <a:off x="5334056" y="5648697"/>
-            <a:ext cx="762000" cy="400110"/>
-          </a:xfrm>
-          <a:prstGeom prst="rect">
-            <a:avLst/>
-          </a:prstGeom>
-          <a:noFill/>
-        </p:spPr>
-        <p:txBody>
-          <a:bodyPr wrap="square" rtlCol="0">
-            <a:spAutoFit/>
-          </a:bodyPr>
-          <a:lstStyle/>
-          <a:p>
-            <a:r>
-              <a:rPr lang="en-US" sz="2000" dirty="0" smtClean="0"/>
-              <a:t>nil</a:t>
-            </a:r>
-            <a:endParaRPr lang="en-US" sz="2000" dirty="0"/>
-          </a:p>
-        </p:txBody>
-      </p:sp>
-      <p:sp>
-        <p:nvSpPr>
-          <p:cNvPr id="55" name="TextBox 54"/>
-          <p:cNvSpPr txBox="1"/>
-          <p:nvPr/>
-        </p:nvSpPr>
-        <p:spPr>
-          <a:xfrm>
-            <a:off x="4304296" y="5648697"/>
-            <a:ext cx="762000" cy="400110"/>
-          </a:xfrm>
-          <a:prstGeom prst="rect">
-            <a:avLst/>
-          </a:prstGeom>
-          <a:noFill/>
-        </p:spPr>
-        <p:txBody>
-          <a:bodyPr wrap="square" rtlCol="0">
-            <a:spAutoFit/>
-          </a:bodyPr>
-          <a:lstStyle/>
-          <a:p>
-            <a:r>
-              <a:rPr lang="en-US" sz="2000" dirty="0" smtClean="0"/>
-              <a:t>nil</a:t>
-            </a:r>
-            <a:endParaRPr lang="en-US" sz="2000" dirty="0"/>
+              <a:rPr lang="en-US" dirty="0" smtClean="0"/>
+              <a:t>Multi-Way Tree</a:t>
+            </a:r>
+            <a:endParaRPr lang="en-US" dirty="0"/>
           </a:p>
         </p:txBody>
       </p:sp>
@@ -10523,44 +10543,6 @@
       </p:grpSpPr>
       <p:sp>
         <p:nvSpPr>
-          <p:cNvPr id="2" name="Title 1"/>
-          <p:cNvSpPr>
-            <a:spLocks noGrp="1"/>
-          </p:cNvSpPr>
-          <p:nvPr>
-            <p:ph type="title"/>
-          </p:nvPr>
-        </p:nvSpPr>
-        <p:spPr/>
-        <p:txBody>
-          <a:bodyPr/>
-          <a:lstStyle/>
-          <a:p>
-            <a:endParaRPr lang="en-US"/>
-          </a:p>
-        </p:txBody>
-      </p:sp>
-      <p:sp>
-        <p:nvSpPr>
-          <p:cNvPr id="3" name="Content Placeholder 2"/>
-          <p:cNvSpPr>
-            <a:spLocks noGrp="1"/>
-          </p:cNvSpPr>
-          <p:nvPr>
-            <p:ph idx="1"/>
-          </p:nvPr>
-        </p:nvSpPr>
-        <p:spPr/>
-        <p:txBody>
-          <a:bodyPr/>
-          <a:lstStyle/>
-          <a:p>
-            <a:endParaRPr lang="en-US"/>
-          </a:p>
-        </p:txBody>
-      </p:sp>
-      <p:sp>
-        <p:nvSpPr>
           <p:cNvPr id="4" name="Slide Number Placeholder 3"/>
           <p:cNvSpPr>
             <a:spLocks noGrp="1"/>
@@ -10578,60 +10560,6 @@
               <a:rPr lang="ru-RU" altLang="en-US" smtClean="0"/>
               <a:pPr/>
               <a:t>5</a:t>
-            </a:fld>
-            <a:endParaRPr lang="ru-RU" altLang="en-US"/>
-          </a:p>
-        </p:txBody>
-      </p:sp>
-    </p:spTree>
-    <p:extLst>
-      <p:ext uri="{BB962C8B-B14F-4D97-AF65-F5344CB8AC3E}">
-        <p14:creationId xmlns:p14="http://schemas.microsoft.com/office/powerpoint/2010/main" val="3292916535"/>
-      </p:ext>
-    </p:extLst>
-  </p:cSld>
-  <p:clrMapOvr>
-    <a:masterClrMapping/>
-  </p:clrMapOvr>
-</p:sld>
-</file>
-
-<file path=ppt/slides/slide6.xml><?xml version="1.0" encoding="utf-8"?>
-<p:sld xmlns:a="http://schemas.openxmlformats.org/drawingml/2006/main" xmlns:r="http://schemas.openxmlformats.org/officeDocument/2006/relationships" xmlns:p="http://schemas.openxmlformats.org/presentationml/2006/main">
-  <p:cSld>
-    <p:spTree>
-      <p:nvGrpSpPr>
-        <p:cNvPr id="1" name=""/>
-        <p:cNvGrpSpPr/>
-        <p:nvPr/>
-      </p:nvGrpSpPr>
-      <p:grpSpPr>
-        <a:xfrm>
-          <a:off x="0" y="0"/>
-          <a:ext cx="0" cy="0"/>
-          <a:chOff x="0" y="0"/>
-          <a:chExt cx="0" cy="0"/>
-        </a:xfrm>
-      </p:grpSpPr>
-      <p:sp>
-        <p:nvSpPr>
-          <p:cNvPr id="4" name="Slide Number Placeholder 3"/>
-          <p:cNvSpPr>
-            <a:spLocks noGrp="1"/>
-          </p:cNvSpPr>
-          <p:nvPr>
-            <p:ph type="sldNum" sz="quarter" idx="12"/>
-          </p:nvPr>
-        </p:nvSpPr>
-        <p:spPr/>
-        <p:txBody>
-          <a:bodyPr/>
-          <a:lstStyle/>
-          <a:p>
-            <a:fld id="{D3BD345E-2A33-44BF-900A-E35B6218E90E}" type="slidenum">
-              <a:rPr lang="ru-RU" altLang="en-US" smtClean="0"/>
-              <a:pPr/>
-              <a:t>6</a:t>
             </a:fld>
             <a:endParaRPr lang="ru-RU" altLang="en-US"/>
           </a:p>
@@ -12568,6 +12496,129 @@
 </p:sld>
 </file>
 
+<file path=ppt/slides/slide6.xml><?xml version="1.0" encoding="utf-8"?>
+<p:sld xmlns:a="http://schemas.openxmlformats.org/drawingml/2006/main" xmlns:r="http://schemas.openxmlformats.org/officeDocument/2006/relationships" xmlns:p="http://schemas.openxmlformats.org/presentationml/2006/main">
+  <p:cSld>
+    <p:spTree>
+      <p:nvGrpSpPr>
+        <p:cNvPr id="1" name=""/>
+        <p:cNvGrpSpPr/>
+        <p:nvPr/>
+      </p:nvGrpSpPr>
+      <p:grpSpPr>
+        <a:xfrm>
+          <a:off x="0" y="0"/>
+          <a:ext cx="0" cy="0"/>
+          <a:chOff x="0" y="0"/>
+          <a:chExt cx="0" cy="0"/>
+        </a:xfrm>
+      </p:grpSpPr>
+      <p:sp>
+        <p:nvSpPr>
+          <p:cNvPr id="2" name="Title 1"/>
+          <p:cNvSpPr>
+            <a:spLocks noGrp="1"/>
+          </p:cNvSpPr>
+          <p:nvPr>
+            <p:ph type="title"/>
+          </p:nvPr>
+        </p:nvSpPr>
+        <p:spPr/>
+        <p:txBody>
+          <a:bodyPr/>
+          <a:lstStyle/>
+          <a:p>
+            <a:r>
+              <a:rPr lang="en-US" dirty="0" smtClean="0"/>
+              <a:t>Basic Operations</a:t>
+            </a:r>
+            <a:endParaRPr lang="en-US" dirty="0"/>
+          </a:p>
+        </p:txBody>
+      </p:sp>
+      <p:sp>
+        <p:nvSpPr>
+          <p:cNvPr id="3" name="Content Placeholder 2"/>
+          <p:cNvSpPr>
+            <a:spLocks noGrp="1"/>
+          </p:cNvSpPr>
+          <p:nvPr>
+            <p:ph idx="1"/>
+          </p:nvPr>
+        </p:nvSpPr>
+        <p:spPr/>
+        <p:txBody>
+          <a:bodyPr/>
+          <a:lstStyle/>
+          <a:p>
+            <a:r>
+              <a:rPr lang="en-US" dirty="0" smtClean="0"/>
+              <a:t>Searching </a:t>
+            </a:r>
+          </a:p>
+          <a:p>
+            <a:r>
+              <a:rPr lang="en-US" dirty="0" smtClean="0"/>
+              <a:t>Insertion </a:t>
+            </a:r>
+          </a:p>
+          <a:p>
+            <a:r>
+              <a:rPr lang="en-US" dirty="0" smtClean="0"/>
+              <a:t>Deletion</a:t>
+            </a:r>
+          </a:p>
+          <a:p>
+            <a:pPr marL="0" indent="0">
+              <a:buNone/>
+            </a:pPr>
+            <a:endParaRPr lang="en-US" dirty="0" smtClean="0"/>
+          </a:p>
+          <a:p>
+            <a:pPr marL="0" indent="0">
+              <a:buNone/>
+            </a:pPr>
+            <a:endParaRPr lang="en-US" dirty="0"/>
+          </a:p>
+        </p:txBody>
+      </p:sp>
+      <p:sp>
+        <p:nvSpPr>
+          <p:cNvPr id="4" name="Slide Number Placeholder 3"/>
+          <p:cNvSpPr>
+            <a:spLocks noGrp="1"/>
+          </p:cNvSpPr>
+          <p:nvPr>
+            <p:ph type="sldNum" sz="quarter" idx="12"/>
+          </p:nvPr>
+        </p:nvSpPr>
+        <p:spPr/>
+        <p:txBody>
+          <a:bodyPr/>
+          <a:lstStyle/>
+          <a:p>
+            <a:fld id="{D3BD345E-2A33-44BF-900A-E35B6218E90E}" type="slidenum">
+              <a:rPr lang="ru-RU" altLang="en-US" smtClean="0"/>
+              <a:pPr/>
+              <a:t>6</a:t>
+            </a:fld>
+            <a:endParaRPr lang="ru-RU" altLang="en-US"/>
+          </a:p>
+        </p:txBody>
+      </p:sp>
+    </p:spTree>
+    <p:extLst>
+      <p:ext uri="{BB962C8B-B14F-4D97-AF65-F5344CB8AC3E}">
+        <p14:creationId xmlns:p14="http://schemas.microsoft.com/office/powerpoint/2010/main" val="2026787380"/>
+      </p:ext>
+    </p:extLst>
+  </p:cSld>
+  <p:clrMapOvr>
+    <a:masterClrMapping/>
+  </p:clrMapOvr>
+</p:sld>
+</file>
+
 <file path=ppt/slides/slide7.xml><?xml version="1.0" encoding="utf-8"?>
 <p:sld xmlns:a="http://schemas.openxmlformats.org/drawingml/2006/main" xmlns:r="http://schemas.openxmlformats.org/officeDocument/2006/relationships" xmlns:p="http://schemas.openxmlformats.org/presentationml/2006/main">
   <p:cSld>
@@ -12595,61 +12646,20 @@
             <p:ph type="title"/>
           </p:nvPr>
         </p:nvSpPr>
-        <p:spPr/>
+        <p:spPr>
+          <a:xfrm>
+            <a:off x="3657600" y="2667000"/>
+            <a:ext cx="3276600" cy="1143000"/>
+          </a:xfrm>
+        </p:spPr>
         <p:txBody>
           <a:bodyPr/>
           <a:lstStyle/>
           <a:p>
             <a:r>
               <a:rPr lang="en-US" dirty="0" smtClean="0"/>
-              <a:t>Basic Operations</a:t>
-            </a:r>
-            <a:endParaRPr lang="en-US" dirty="0"/>
-          </a:p>
-        </p:txBody>
-      </p:sp>
-      <p:sp>
-        <p:nvSpPr>
-          <p:cNvPr id="3" name="Content Placeholder 2"/>
-          <p:cNvSpPr>
-            <a:spLocks noGrp="1"/>
-          </p:cNvSpPr>
-          <p:nvPr>
-            <p:ph idx="1"/>
-          </p:nvPr>
-        </p:nvSpPr>
-        <p:spPr/>
-        <p:txBody>
-          <a:bodyPr/>
-          <a:lstStyle/>
-          <a:p>
-            <a:r>
-              <a:rPr lang="en-US" dirty="0" smtClean="0"/>
-              <a:t>Searching </a:t>
-            </a:r>
-          </a:p>
-          <a:p>
-            <a:r>
-              <a:rPr lang="en-US" dirty="0" smtClean="0"/>
-              <a:t>Insertion </a:t>
-            </a:r>
-          </a:p>
-          <a:p>
-            <a:r>
-              <a:rPr lang="en-US" dirty="0" smtClean="0"/>
-              <a:t>Deletion</a:t>
-            </a:r>
-          </a:p>
-          <a:p>
-            <a:pPr marL="0" indent="0">
-              <a:buNone/>
-            </a:pPr>
-            <a:endParaRPr lang="en-US" dirty="0" smtClean="0"/>
-          </a:p>
-          <a:p>
-            <a:pPr marL="0" indent="0">
-              <a:buNone/>
-            </a:pPr>
+              <a:t>THANK YOU!</a:t>
+            </a:r>
             <a:endParaRPr lang="en-US" dirty="0"/>
           </a:p>
         </p:txBody>
@@ -12669,92 +12679,10 @@
           <a:bodyPr/>
           <a:lstStyle/>
           <a:p>
-            <a:fld id="{D3BD345E-2A33-44BF-900A-E35B6218E90E}" type="slidenum">
+            <a:fld id="{DC648F6B-E850-4720-B097-9A485469B1BB}" type="slidenum">
               <a:rPr lang="ru-RU" altLang="en-US" smtClean="0"/>
               <a:pPr/>
               <a:t>7</a:t>
-            </a:fld>
-            <a:endParaRPr lang="ru-RU" altLang="en-US"/>
-          </a:p>
-        </p:txBody>
-      </p:sp>
-    </p:spTree>
-    <p:extLst>
-      <p:ext uri="{BB962C8B-B14F-4D97-AF65-F5344CB8AC3E}">
-        <p14:creationId xmlns:p14="http://schemas.microsoft.com/office/powerpoint/2010/main" val="2026787380"/>
-      </p:ext>
-    </p:extLst>
-  </p:cSld>
-  <p:clrMapOvr>
-    <a:masterClrMapping/>
-  </p:clrMapOvr>
-</p:sld>
-</file>
-
-<file path=ppt/slides/slide8.xml><?xml version="1.0" encoding="utf-8"?>
-<p:sld xmlns:a="http://schemas.openxmlformats.org/drawingml/2006/main" xmlns:r="http://schemas.openxmlformats.org/officeDocument/2006/relationships" xmlns:p="http://schemas.openxmlformats.org/presentationml/2006/main">
-  <p:cSld>
-    <p:spTree>
-      <p:nvGrpSpPr>
-        <p:cNvPr id="1" name=""/>
-        <p:cNvGrpSpPr/>
-        <p:nvPr/>
-      </p:nvGrpSpPr>
-      <p:grpSpPr>
-        <a:xfrm>
-          <a:off x="0" y="0"/>
-          <a:ext cx="0" cy="0"/>
-          <a:chOff x="0" y="0"/>
-          <a:chExt cx="0" cy="0"/>
-        </a:xfrm>
-      </p:grpSpPr>
-      <p:sp>
-        <p:nvSpPr>
-          <p:cNvPr id="2" name="Title 1"/>
-          <p:cNvSpPr>
-            <a:spLocks noGrp="1"/>
-          </p:cNvSpPr>
-          <p:nvPr>
-            <p:ph type="title"/>
-          </p:nvPr>
-        </p:nvSpPr>
-        <p:spPr>
-          <a:xfrm>
-            <a:off x="3657600" y="2667000"/>
-            <a:ext cx="3276600" cy="1143000"/>
-          </a:xfrm>
-        </p:spPr>
-        <p:txBody>
-          <a:bodyPr/>
-          <a:lstStyle/>
-          <a:p>
-            <a:r>
-              <a:rPr lang="en-US" dirty="0" smtClean="0"/>
-              <a:t>THANK YOU!</a:t>
-            </a:r>
-            <a:endParaRPr lang="en-US" dirty="0"/>
-          </a:p>
-        </p:txBody>
-      </p:sp>
-      <p:sp>
-        <p:nvSpPr>
-          <p:cNvPr id="4" name="Slide Number Placeholder 3"/>
-          <p:cNvSpPr>
-            <a:spLocks noGrp="1"/>
-          </p:cNvSpPr>
-          <p:nvPr>
-            <p:ph type="sldNum" sz="quarter" idx="12"/>
-          </p:nvPr>
-        </p:nvSpPr>
-        <p:spPr/>
-        <p:txBody>
-          <a:bodyPr/>
-          <a:lstStyle/>
-          <a:p>
-            <a:fld id="{DC648F6B-E850-4720-B097-9A485469B1BB}" type="slidenum">
-              <a:rPr lang="ru-RU" altLang="en-US" smtClean="0"/>
-              <a:pPr/>
-              <a:t>8</a:t>
             </a:fld>
             <a:endParaRPr lang="ru-RU" altLang="en-US"/>
           </a:p>
